--- a/An Analysis of Competing Flows Over a Satellite.pptx
+++ b/An Analysis of Competing Flows Over a Satellite.pptx
@@ -5,30 +5,31 @@
     <p:sldMasterId id="2147483648" r:id="rId4"/>
   </p:sldMasterIdLst>
   <p:notesMasterIdLst>
-    <p:notesMasterId r:id="rId26"/>
+    <p:notesMasterId r:id="rId27"/>
   </p:notesMasterIdLst>
   <p:sldIdLst>
     <p:sldId id="256" r:id="rId5"/>
     <p:sldId id="257" r:id="rId6"/>
     <p:sldId id="270" r:id="rId7"/>
-    <p:sldId id="268" r:id="rId8"/>
-    <p:sldId id="264" r:id="rId9"/>
-    <p:sldId id="258" r:id="rId10"/>
-    <p:sldId id="272" r:id="rId11"/>
-    <p:sldId id="273" r:id="rId12"/>
-    <p:sldId id="274" r:id="rId13"/>
-    <p:sldId id="260" r:id="rId14"/>
-    <p:sldId id="259" r:id="rId15"/>
-    <p:sldId id="265" r:id="rId16"/>
-    <p:sldId id="266" r:id="rId17"/>
-    <p:sldId id="275" r:id="rId18"/>
-    <p:sldId id="276" r:id="rId19"/>
-    <p:sldId id="277" r:id="rId20"/>
-    <p:sldId id="263" r:id="rId21"/>
-    <p:sldId id="267" r:id="rId22"/>
-    <p:sldId id="261" r:id="rId23"/>
-    <p:sldId id="262" r:id="rId24"/>
-    <p:sldId id="271" r:id="rId25"/>
+    <p:sldId id="279" r:id="rId8"/>
+    <p:sldId id="268" r:id="rId9"/>
+    <p:sldId id="264" r:id="rId10"/>
+    <p:sldId id="258" r:id="rId11"/>
+    <p:sldId id="272" r:id="rId12"/>
+    <p:sldId id="273" r:id="rId13"/>
+    <p:sldId id="274" r:id="rId14"/>
+    <p:sldId id="260" r:id="rId15"/>
+    <p:sldId id="259" r:id="rId16"/>
+    <p:sldId id="265" r:id="rId17"/>
+    <p:sldId id="266" r:id="rId18"/>
+    <p:sldId id="275" r:id="rId19"/>
+    <p:sldId id="276" r:id="rId20"/>
+    <p:sldId id="277" r:id="rId21"/>
+    <p:sldId id="263" r:id="rId22"/>
+    <p:sldId id="267" r:id="rId23"/>
+    <p:sldId id="261" r:id="rId24"/>
+    <p:sldId id="262" r:id="rId25"/>
+    <p:sldId id="271" r:id="rId26"/>
   </p:sldIdLst>
   <p:sldSz cx="12192000" cy="6858000"/>
   <p:notesSz cx="6858000" cy="9144000"/>
@@ -2489,11 +2490,793 @@
 </dgm:colorsDef>
 </file>
 
+<file path=ppt/diagrams/colors4.xml><?xml version="1.0" encoding="utf-8"?>
+<dgm:colorsDef xmlns:dgm="http://schemas.openxmlformats.org/drawingml/2006/diagram" xmlns:a="http://schemas.openxmlformats.org/drawingml/2006/main" uniqueId="urn:microsoft.com/office/officeart/2005/8/colors/colorful2">
+  <dgm:title val=""/>
+  <dgm:desc val=""/>
+  <dgm:catLst>
+    <dgm:cat type="colorful" pri="10200"/>
+  </dgm:catLst>
+  <dgm:styleLbl name="node0">
+    <dgm:fillClrLst meth="repeat">
+      <a:schemeClr val="accent1"/>
+    </dgm:fillClrLst>
+    <dgm:linClrLst meth="repeat">
+      <a:schemeClr val="lt1"/>
+    </dgm:linClrLst>
+    <dgm:effectClrLst/>
+    <dgm:txLinClrLst/>
+    <dgm:txFillClrLst/>
+    <dgm:txEffectClrLst/>
+  </dgm:styleLbl>
+  <dgm:styleLbl name="node1">
+    <dgm:fillClrLst>
+      <a:schemeClr val="accent2"/>
+      <a:schemeClr val="accent3"/>
+    </dgm:fillClrLst>
+    <dgm:linClrLst meth="repeat">
+      <a:schemeClr val="lt1"/>
+    </dgm:linClrLst>
+    <dgm:effectClrLst/>
+    <dgm:txLinClrLst/>
+    <dgm:txFillClrLst/>
+    <dgm:txEffectClrLst/>
+  </dgm:styleLbl>
+  <dgm:styleLbl name="alignNode1">
+    <dgm:fillClrLst>
+      <a:schemeClr val="accent2"/>
+      <a:schemeClr val="accent3"/>
+    </dgm:fillClrLst>
+    <dgm:linClrLst>
+      <a:schemeClr val="accent2"/>
+      <a:schemeClr val="accent3"/>
+    </dgm:linClrLst>
+    <dgm:effectClrLst/>
+    <dgm:txLinClrLst/>
+    <dgm:txFillClrLst/>
+    <dgm:txEffectClrLst/>
+  </dgm:styleLbl>
+  <dgm:styleLbl name="lnNode1">
+    <dgm:fillClrLst>
+      <a:schemeClr val="accent2"/>
+      <a:schemeClr val="accent3"/>
+    </dgm:fillClrLst>
+    <dgm:linClrLst meth="repeat">
+      <a:schemeClr val="lt1"/>
+    </dgm:linClrLst>
+    <dgm:effectClrLst/>
+    <dgm:txLinClrLst/>
+    <dgm:txFillClrLst/>
+    <dgm:txEffectClrLst/>
+  </dgm:styleLbl>
+  <dgm:styleLbl name="vennNode1">
+    <dgm:fillClrLst>
+      <a:schemeClr val="accent2">
+        <a:alpha val="50000"/>
+      </a:schemeClr>
+      <a:schemeClr val="accent3">
+        <a:alpha val="50000"/>
+      </a:schemeClr>
+    </dgm:fillClrLst>
+    <dgm:linClrLst meth="repeat">
+      <a:schemeClr val="lt1"/>
+    </dgm:linClrLst>
+    <dgm:effectClrLst/>
+    <dgm:txLinClrLst/>
+    <dgm:txFillClrLst/>
+    <dgm:txEffectClrLst/>
+  </dgm:styleLbl>
+  <dgm:styleLbl name="node2">
+    <dgm:fillClrLst>
+      <a:schemeClr val="accent3"/>
+    </dgm:fillClrLst>
+    <dgm:linClrLst meth="repeat">
+      <a:schemeClr val="lt1"/>
+    </dgm:linClrLst>
+    <dgm:effectClrLst/>
+    <dgm:txLinClrLst/>
+    <dgm:txFillClrLst/>
+    <dgm:txEffectClrLst/>
+  </dgm:styleLbl>
+  <dgm:styleLbl name="node3">
+    <dgm:fillClrLst>
+      <a:schemeClr val="accent4"/>
+    </dgm:fillClrLst>
+    <dgm:linClrLst meth="repeat">
+      <a:schemeClr val="lt1"/>
+    </dgm:linClrLst>
+    <dgm:effectClrLst/>
+    <dgm:txLinClrLst/>
+    <dgm:txFillClrLst/>
+    <dgm:txEffectClrLst/>
+  </dgm:styleLbl>
+  <dgm:styleLbl name="node4">
+    <dgm:fillClrLst>
+      <a:schemeClr val="accent5"/>
+    </dgm:fillClrLst>
+    <dgm:linClrLst meth="repeat">
+      <a:schemeClr val="lt1"/>
+    </dgm:linClrLst>
+    <dgm:effectClrLst/>
+    <dgm:txLinClrLst/>
+    <dgm:txFillClrLst/>
+    <dgm:txEffectClrLst/>
+  </dgm:styleLbl>
+  <dgm:styleLbl name="fgImgPlace1">
+    <dgm:fillClrLst>
+      <a:schemeClr val="accent2">
+        <a:tint val="50000"/>
+      </a:schemeClr>
+      <a:schemeClr val="accent3">
+        <a:tint val="50000"/>
+      </a:schemeClr>
+    </dgm:fillClrLst>
+    <dgm:linClrLst meth="repeat">
+      <a:schemeClr val="lt1"/>
+    </dgm:linClrLst>
+    <dgm:effectClrLst/>
+    <dgm:txLinClrLst/>
+    <dgm:txFillClrLst meth="repeat">
+      <a:schemeClr val="lt1"/>
+    </dgm:txFillClrLst>
+    <dgm:txEffectClrLst/>
+  </dgm:styleLbl>
+  <dgm:styleLbl name="alignImgPlace1">
+    <dgm:fillClrLst>
+      <a:schemeClr val="accent2">
+        <a:tint val="50000"/>
+      </a:schemeClr>
+      <a:schemeClr val="accent3">
+        <a:tint val="20000"/>
+      </a:schemeClr>
+    </dgm:fillClrLst>
+    <dgm:linClrLst meth="repeat">
+      <a:schemeClr val="lt1"/>
+    </dgm:linClrLst>
+    <dgm:effectClrLst/>
+    <dgm:txLinClrLst/>
+    <dgm:txFillClrLst meth="repeat">
+      <a:schemeClr val="lt1"/>
+    </dgm:txFillClrLst>
+    <dgm:txEffectClrLst/>
+  </dgm:styleLbl>
+  <dgm:styleLbl name="bgImgPlace1">
+    <dgm:fillClrLst>
+      <a:schemeClr val="accent2">
+        <a:tint val="50000"/>
+      </a:schemeClr>
+      <a:schemeClr val="accent3">
+        <a:tint val="20000"/>
+      </a:schemeClr>
+    </dgm:fillClrLst>
+    <dgm:linClrLst meth="repeat">
+      <a:schemeClr val="lt1"/>
+    </dgm:linClrLst>
+    <dgm:effectClrLst/>
+    <dgm:txLinClrLst/>
+    <dgm:txFillClrLst meth="repeat">
+      <a:schemeClr val="lt1"/>
+    </dgm:txFillClrLst>
+    <dgm:txEffectClrLst/>
+  </dgm:styleLbl>
+  <dgm:styleLbl name="sibTrans2D1">
+    <dgm:fillClrLst>
+      <a:schemeClr val="accent2"/>
+      <a:schemeClr val="accent3"/>
+    </dgm:fillClrLst>
+    <dgm:linClrLst meth="repeat">
+      <a:schemeClr val="lt1"/>
+    </dgm:linClrLst>
+    <dgm:effectClrLst/>
+    <dgm:txLinClrLst/>
+    <dgm:txFillClrLst/>
+    <dgm:txEffectClrLst/>
+  </dgm:styleLbl>
+  <dgm:styleLbl name="fgSibTrans2D1">
+    <dgm:fillClrLst>
+      <a:schemeClr val="accent2"/>
+      <a:schemeClr val="accent3"/>
+    </dgm:fillClrLst>
+    <dgm:linClrLst meth="repeat">
+      <a:schemeClr val="lt1"/>
+    </dgm:linClrLst>
+    <dgm:effectClrLst/>
+    <dgm:txLinClrLst/>
+    <dgm:txFillClrLst meth="repeat">
+      <a:schemeClr val="lt1"/>
+    </dgm:txFillClrLst>
+    <dgm:txEffectClrLst/>
+  </dgm:styleLbl>
+  <dgm:styleLbl name="bgSibTrans2D1">
+    <dgm:fillClrLst>
+      <a:schemeClr val="accent2"/>
+      <a:schemeClr val="accent3"/>
+    </dgm:fillClrLst>
+    <dgm:linClrLst meth="repeat">
+      <a:schemeClr val="lt1"/>
+    </dgm:linClrLst>
+    <dgm:effectClrLst/>
+    <dgm:txLinClrLst/>
+    <dgm:txFillClrLst meth="repeat">
+      <a:schemeClr val="lt1"/>
+    </dgm:txFillClrLst>
+    <dgm:txEffectClrLst/>
+  </dgm:styleLbl>
+  <dgm:styleLbl name="sibTrans1D1">
+    <dgm:fillClrLst/>
+    <dgm:linClrLst>
+      <a:schemeClr val="accent2"/>
+      <a:schemeClr val="accent3"/>
+    </dgm:linClrLst>
+    <dgm:effectClrLst/>
+    <dgm:txLinClrLst/>
+    <dgm:txFillClrLst meth="repeat">
+      <a:schemeClr val="tx1"/>
+    </dgm:txFillClrLst>
+    <dgm:txEffectClrLst/>
+  </dgm:styleLbl>
+  <dgm:styleLbl name="callout">
+    <dgm:fillClrLst meth="repeat">
+      <a:schemeClr val="accent2"/>
+    </dgm:fillClrLst>
+    <dgm:linClrLst meth="repeat">
+      <a:schemeClr val="accent2">
+        <a:tint val="50000"/>
+      </a:schemeClr>
+    </dgm:linClrLst>
+    <dgm:effectClrLst/>
+    <dgm:txLinClrLst/>
+    <dgm:txFillClrLst meth="repeat">
+      <a:schemeClr val="tx1"/>
+    </dgm:txFillClrLst>
+    <dgm:txEffectClrLst/>
+  </dgm:styleLbl>
+  <dgm:styleLbl name="asst0">
+    <dgm:fillClrLst meth="repeat">
+      <a:schemeClr val="accent2"/>
+    </dgm:fillClrLst>
+    <dgm:linClrLst meth="repeat">
+      <a:schemeClr val="lt1">
+        <a:shade val="80000"/>
+      </a:schemeClr>
+    </dgm:linClrLst>
+    <dgm:effectClrLst/>
+    <dgm:txLinClrLst/>
+    <dgm:txFillClrLst/>
+    <dgm:txEffectClrLst/>
+  </dgm:styleLbl>
+  <dgm:styleLbl name="asst1">
+    <dgm:fillClrLst meth="repeat">
+      <a:schemeClr val="accent3"/>
+    </dgm:fillClrLst>
+    <dgm:linClrLst meth="repeat">
+      <a:schemeClr val="lt1">
+        <a:shade val="80000"/>
+      </a:schemeClr>
+    </dgm:linClrLst>
+    <dgm:effectClrLst/>
+    <dgm:txLinClrLst/>
+    <dgm:txFillClrLst/>
+    <dgm:txEffectClrLst/>
+  </dgm:styleLbl>
+  <dgm:styleLbl name="asst2">
+    <dgm:fillClrLst>
+      <a:schemeClr val="accent4"/>
+    </dgm:fillClrLst>
+    <dgm:linClrLst meth="repeat">
+      <a:schemeClr val="lt1"/>
+    </dgm:linClrLst>
+    <dgm:effectClrLst/>
+    <dgm:txLinClrLst/>
+    <dgm:txFillClrLst/>
+    <dgm:txEffectClrLst/>
+  </dgm:styleLbl>
+  <dgm:styleLbl name="asst3">
+    <dgm:fillClrLst>
+      <a:schemeClr val="accent5"/>
+    </dgm:fillClrLst>
+    <dgm:linClrLst meth="repeat">
+      <a:schemeClr val="lt1"/>
+    </dgm:linClrLst>
+    <dgm:effectClrLst/>
+    <dgm:txLinClrLst/>
+    <dgm:txFillClrLst/>
+    <dgm:txEffectClrLst/>
+  </dgm:styleLbl>
+  <dgm:styleLbl name="asst4">
+    <dgm:fillClrLst>
+      <a:schemeClr val="accent6"/>
+    </dgm:fillClrLst>
+    <dgm:linClrLst meth="repeat">
+      <a:schemeClr val="lt1"/>
+    </dgm:linClrLst>
+    <dgm:effectClrLst/>
+    <dgm:txLinClrLst/>
+    <dgm:txFillClrLst/>
+    <dgm:txEffectClrLst/>
+  </dgm:styleLbl>
+  <dgm:styleLbl name="parChTrans2D1">
+    <dgm:fillClrLst meth="repeat">
+      <a:schemeClr val="accent2"/>
+    </dgm:fillClrLst>
+    <dgm:linClrLst meth="repeat">
+      <a:schemeClr val="lt1"/>
+    </dgm:linClrLst>
+    <dgm:effectClrLst/>
+    <dgm:txLinClrLst/>
+    <dgm:txFillClrLst meth="repeat">
+      <a:schemeClr val="lt1"/>
+    </dgm:txFillClrLst>
+    <dgm:txEffectClrLst/>
+  </dgm:styleLbl>
+  <dgm:styleLbl name="parChTrans2D2">
+    <dgm:fillClrLst meth="repeat">
+      <a:schemeClr val="accent3"/>
+    </dgm:fillClrLst>
+    <dgm:linClrLst meth="repeat">
+      <a:schemeClr val="lt1"/>
+    </dgm:linClrLst>
+    <dgm:effectClrLst/>
+    <dgm:txLinClrLst/>
+    <dgm:txFillClrLst/>
+    <dgm:txEffectClrLst/>
+  </dgm:styleLbl>
+  <dgm:styleLbl name="parChTrans2D3">
+    <dgm:fillClrLst meth="repeat">
+      <a:schemeClr val="accent4"/>
+    </dgm:fillClrLst>
+    <dgm:linClrLst meth="repeat">
+      <a:schemeClr val="lt1"/>
+    </dgm:linClrLst>
+    <dgm:effectClrLst/>
+    <dgm:txLinClrLst/>
+    <dgm:txFillClrLst/>
+    <dgm:txEffectClrLst/>
+  </dgm:styleLbl>
+  <dgm:styleLbl name="parChTrans2D4">
+    <dgm:fillClrLst meth="repeat">
+      <a:schemeClr val="accent5"/>
+    </dgm:fillClrLst>
+    <dgm:linClrLst meth="repeat">
+      <a:schemeClr val="lt1"/>
+    </dgm:linClrLst>
+    <dgm:effectClrLst/>
+    <dgm:txLinClrLst/>
+    <dgm:txFillClrLst meth="repeat">
+      <a:schemeClr val="lt1"/>
+    </dgm:txFillClrLst>
+    <dgm:txEffectClrLst/>
+  </dgm:styleLbl>
+  <dgm:styleLbl name="parChTrans1D1">
+    <dgm:fillClrLst meth="repeat">
+      <a:schemeClr val="accent2"/>
+    </dgm:fillClrLst>
+    <dgm:linClrLst meth="repeat">
+      <a:schemeClr val="accent2"/>
+    </dgm:linClrLst>
+    <dgm:effectClrLst/>
+    <dgm:txLinClrLst/>
+    <dgm:txFillClrLst meth="repeat">
+      <a:schemeClr val="tx1"/>
+    </dgm:txFillClrLst>
+    <dgm:txEffectClrLst/>
+  </dgm:styleLbl>
+  <dgm:styleLbl name="parChTrans1D2">
+    <dgm:fillClrLst meth="repeat">
+      <a:schemeClr val="accent2">
+        <a:tint val="90000"/>
+      </a:schemeClr>
+    </dgm:fillClrLst>
+    <dgm:linClrLst meth="repeat">
+      <a:schemeClr val="accent3"/>
+    </dgm:linClrLst>
+    <dgm:effectClrLst/>
+    <dgm:txLinClrLst/>
+    <dgm:txFillClrLst meth="repeat">
+      <a:schemeClr val="tx1"/>
+    </dgm:txFillClrLst>
+    <dgm:txEffectClrLst/>
+  </dgm:styleLbl>
+  <dgm:styleLbl name="parChTrans1D3">
+    <dgm:fillClrLst meth="repeat">
+      <a:schemeClr val="accent2">
+        <a:tint val="70000"/>
+      </a:schemeClr>
+    </dgm:fillClrLst>
+    <dgm:linClrLst meth="repeat">
+      <a:schemeClr val="accent4"/>
+    </dgm:linClrLst>
+    <dgm:effectClrLst/>
+    <dgm:txLinClrLst/>
+    <dgm:txFillClrLst meth="repeat">
+      <a:schemeClr val="tx1"/>
+    </dgm:txFillClrLst>
+    <dgm:txEffectClrLst/>
+  </dgm:styleLbl>
+  <dgm:styleLbl name="parChTrans1D4">
+    <dgm:fillClrLst meth="repeat">
+      <a:schemeClr val="accent2">
+        <a:tint val="50000"/>
+      </a:schemeClr>
+    </dgm:fillClrLst>
+    <dgm:linClrLst meth="repeat">
+      <a:schemeClr val="accent5"/>
+    </dgm:linClrLst>
+    <dgm:effectClrLst/>
+    <dgm:txLinClrLst/>
+    <dgm:txFillClrLst meth="repeat">
+      <a:schemeClr val="tx1"/>
+    </dgm:txFillClrLst>
+    <dgm:txEffectClrLst/>
+  </dgm:styleLbl>
+  <dgm:styleLbl name="fgAcc1">
+    <dgm:fillClrLst meth="repeat">
+      <a:schemeClr val="lt1">
+        <a:alpha val="90000"/>
+      </a:schemeClr>
+    </dgm:fillClrLst>
+    <dgm:linClrLst>
+      <a:schemeClr val="accent2"/>
+      <a:schemeClr val="accent3"/>
+    </dgm:linClrLst>
+    <dgm:effectClrLst/>
+    <dgm:txLinClrLst/>
+    <dgm:txFillClrLst meth="repeat">
+      <a:schemeClr val="dk1"/>
+    </dgm:txFillClrLst>
+    <dgm:txEffectClrLst/>
+  </dgm:styleLbl>
+  <dgm:styleLbl name="conFgAcc1">
+    <dgm:fillClrLst meth="repeat">
+      <a:schemeClr val="lt1">
+        <a:alpha val="90000"/>
+      </a:schemeClr>
+    </dgm:fillClrLst>
+    <dgm:linClrLst>
+      <a:schemeClr val="accent2"/>
+      <a:schemeClr val="accent3"/>
+    </dgm:linClrLst>
+    <dgm:effectClrLst/>
+    <dgm:txLinClrLst/>
+    <dgm:txFillClrLst meth="repeat">
+      <a:schemeClr val="dk1"/>
+    </dgm:txFillClrLst>
+    <dgm:txEffectClrLst/>
+  </dgm:styleLbl>
+  <dgm:styleLbl name="alignAcc1">
+    <dgm:fillClrLst meth="repeat">
+      <a:schemeClr val="lt1">
+        <a:alpha val="90000"/>
+      </a:schemeClr>
+    </dgm:fillClrLst>
+    <dgm:linClrLst>
+      <a:schemeClr val="accent2"/>
+      <a:schemeClr val="accent3"/>
+    </dgm:linClrLst>
+    <dgm:effectClrLst/>
+    <dgm:txLinClrLst/>
+    <dgm:txFillClrLst meth="repeat">
+      <a:schemeClr val="dk1"/>
+    </dgm:txFillClrLst>
+    <dgm:txEffectClrLst/>
+  </dgm:styleLbl>
+  <dgm:styleLbl name="trAlignAcc1">
+    <dgm:fillClrLst meth="repeat">
+      <a:schemeClr val="lt1">
+        <a:alpha val="40000"/>
+      </a:schemeClr>
+    </dgm:fillClrLst>
+    <dgm:linClrLst meth="repeat">
+      <a:schemeClr val="accent2"/>
+    </dgm:linClrLst>
+    <dgm:effectClrLst/>
+    <dgm:txLinClrLst/>
+    <dgm:txFillClrLst meth="repeat">
+      <a:schemeClr val="dk1"/>
+    </dgm:txFillClrLst>
+    <dgm:txEffectClrLst/>
+  </dgm:styleLbl>
+  <dgm:styleLbl name="bgAcc1">
+    <dgm:fillClrLst meth="repeat">
+      <a:schemeClr val="lt1">
+        <a:alpha val="90000"/>
+      </a:schemeClr>
+    </dgm:fillClrLst>
+    <dgm:linClrLst>
+      <a:schemeClr val="accent2"/>
+      <a:schemeClr val="accent3"/>
+    </dgm:linClrLst>
+    <dgm:effectClrLst/>
+    <dgm:txLinClrLst/>
+    <dgm:txFillClrLst meth="repeat">
+      <a:schemeClr val="dk1"/>
+    </dgm:txFillClrLst>
+    <dgm:txEffectClrLst/>
+  </dgm:styleLbl>
+  <dgm:styleLbl name="solidFgAcc1">
+    <dgm:fillClrLst meth="repeat">
+      <a:schemeClr val="lt1"/>
+    </dgm:fillClrLst>
+    <dgm:linClrLst>
+      <a:schemeClr val="accent2"/>
+      <a:schemeClr val="accent3"/>
+    </dgm:linClrLst>
+    <dgm:effectClrLst/>
+    <dgm:txLinClrLst/>
+    <dgm:txFillClrLst meth="repeat">
+      <a:schemeClr val="dk1"/>
+    </dgm:txFillClrLst>
+    <dgm:txEffectClrLst/>
+  </dgm:styleLbl>
+  <dgm:styleLbl name="solidAlignAcc1">
+    <dgm:fillClrLst meth="repeat">
+      <a:schemeClr val="lt1"/>
+    </dgm:fillClrLst>
+    <dgm:linClrLst>
+      <a:schemeClr val="accent2"/>
+      <a:schemeClr val="accent3"/>
+    </dgm:linClrLst>
+    <dgm:effectClrLst/>
+    <dgm:txLinClrLst/>
+    <dgm:txFillClrLst meth="repeat">
+      <a:schemeClr val="dk1"/>
+    </dgm:txFillClrLst>
+    <dgm:txEffectClrLst/>
+  </dgm:styleLbl>
+  <dgm:styleLbl name="solidBgAcc1">
+    <dgm:fillClrLst meth="repeat">
+      <a:schemeClr val="lt1"/>
+    </dgm:fillClrLst>
+    <dgm:linClrLst>
+      <a:schemeClr val="accent2"/>
+      <a:schemeClr val="accent3"/>
+    </dgm:linClrLst>
+    <dgm:effectClrLst/>
+    <dgm:txLinClrLst/>
+    <dgm:txFillClrLst meth="repeat">
+      <a:schemeClr val="dk1"/>
+    </dgm:txFillClrLst>
+    <dgm:txEffectClrLst/>
+  </dgm:styleLbl>
+  <dgm:styleLbl name="fgAccFollowNode1">
+    <dgm:fillClrLst>
+      <a:schemeClr val="accent2">
+        <a:tint val="40000"/>
+        <a:alpha val="90000"/>
+      </a:schemeClr>
+      <a:schemeClr val="accent3">
+        <a:tint val="40000"/>
+        <a:alpha val="90000"/>
+      </a:schemeClr>
+    </dgm:fillClrLst>
+    <dgm:linClrLst>
+      <a:schemeClr val="accent2">
+        <a:tint val="40000"/>
+        <a:alpha val="90000"/>
+      </a:schemeClr>
+      <a:schemeClr val="accent3">
+        <a:tint val="40000"/>
+        <a:alpha val="90000"/>
+      </a:schemeClr>
+    </dgm:linClrLst>
+    <dgm:effectClrLst/>
+    <dgm:txLinClrLst/>
+    <dgm:txFillClrLst meth="repeat">
+      <a:schemeClr val="dk1"/>
+    </dgm:txFillClrLst>
+    <dgm:txEffectClrLst/>
+  </dgm:styleLbl>
+  <dgm:styleLbl name="alignAccFollowNode1">
+    <dgm:fillClrLst>
+      <a:schemeClr val="accent2">
+        <a:tint val="40000"/>
+        <a:alpha val="90000"/>
+      </a:schemeClr>
+      <a:schemeClr val="accent3">
+        <a:tint val="40000"/>
+        <a:alpha val="90000"/>
+      </a:schemeClr>
+    </dgm:fillClrLst>
+    <dgm:linClrLst>
+      <a:schemeClr val="accent2">
+        <a:tint val="40000"/>
+        <a:alpha val="90000"/>
+      </a:schemeClr>
+      <a:schemeClr val="accent3">
+        <a:tint val="40000"/>
+        <a:alpha val="90000"/>
+      </a:schemeClr>
+    </dgm:linClrLst>
+    <dgm:effectClrLst/>
+    <dgm:txLinClrLst/>
+    <dgm:txFillClrLst meth="repeat">
+      <a:schemeClr val="dk1"/>
+    </dgm:txFillClrLst>
+    <dgm:txEffectClrLst/>
+  </dgm:styleLbl>
+  <dgm:styleLbl name="bgAccFollowNode1">
+    <dgm:fillClrLst>
+      <a:schemeClr val="accent2">
+        <a:tint val="40000"/>
+        <a:alpha val="90000"/>
+      </a:schemeClr>
+      <a:schemeClr val="accent3">
+        <a:tint val="40000"/>
+        <a:alpha val="90000"/>
+      </a:schemeClr>
+    </dgm:fillClrLst>
+    <dgm:linClrLst>
+      <a:schemeClr val="accent2">
+        <a:tint val="40000"/>
+        <a:alpha val="90000"/>
+      </a:schemeClr>
+      <a:schemeClr val="accent3">
+        <a:tint val="40000"/>
+        <a:alpha val="90000"/>
+      </a:schemeClr>
+    </dgm:linClrLst>
+    <dgm:effectClrLst/>
+    <dgm:txLinClrLst/>
+    <dgm:txFillClrLst meth="repeat">
+      <a:schemeClr val="dk1"/>
+    </dgm:txFillClrLst>
+    <dgm:txEffectClrLst/>
+  </dgm:styleLbl>
+  <dgm:styleLbl name="fgAcc0">
+    <dgm:fillClrLst meth="repeat">
+      <a:schemeClr val="lt1">
+        <a:alpha val="90000"/>
+      </a:schemeClr>
+    </dgm:fillClrLst>
+    <dgm:linClrLst>
+      <a:schemeClr val="accent1"/>
+    </dgm:linClrLst>
+    <dgm:effectClrLst/>
+    <dgm:txLinClrLst/>
+    <dgm:txFillClrLst meth="repeat">
+      <a:schemeClr val="dk1"/>
+    </dgm:txFillClrLst>
+    <dgm:txEffectClrLst/>
+  </dgm:styleLbl>
+  <dgm:styleLbl name="fgAcc2">
+    <dgm:fillClrLst meth="repeat">
+      <a:schemeClr val="lt1">
+        <a:alpha val="90000"/>
+      </a:schemeClr>
+    </dgm:fillClrLst>
+    <dgm:linClrLst>
+      <a:schemeClr val="accent3"/>
+    </dgm:linClrLst>
+    <dgm:effectClrLst/>
+    <dgm:txLinClrLst/>
+    <dgm:txFillClrLst meth="repeat">
+      <a:schemeClr val="dk1"/>
+    </dgm:txFillClrLst>
+    <dgm:txEffectClrLst/>
+  </dgm:styleLbl>
+  <dgm:styleLbl name="fgAcc3">
+    <dgm:fillClrLst meth="repeat">
+      <a:schemeClr val="lt1">
+        <a:alpha val="90000"/>
+      </a:schemeClr>
+    </dgm:fillClrLst>
+    <dgm:linClrLst>
+      <a:schemeClr val="accent4"/>
+    </dgm:linClrLst>
+    <dgm:effectClrLst/>
+    <dgm:txLinClrLst/>
+    <dgm:txFillClrLst meth="repeat">
+      <a:schemeClr val="dk1"/>
+    </dgm:txFillClrLst>
+    <dgm:txEffectClrLst/>
+  </dgm:styleLbl>
+  <dgm:styleLbl name="fgAcc4">
+    <dgm:fillClrLst meth="repeat">
+      <a:schemeClr val="lt1">
+        <a:alpha val="90000"/>
+      </a:schemeClr>
+    </dgm:fillClrLst>
+    <dgm:linClrLst>
+      <a:schemeClr val="accent5"/>
+    </dgm:linClrLst>
+    <dgm:effectClrLst/>
+    <dgm:txLinClrLst/>
+    <dgm:txFillClrLst meth="repeat">
+      <a:schemeClr val="dk1"/>
+    </dgm:txFillClrLst>
+    <dgm:txEffectClrLst/>
+  </dgm:styleLbl>
+  <dgm:styleLbl name="bgShp">
+    <dgm:fillClrLst meth="repeat">
+      <a:schemeClr val="accent2">
+        <a:tint val="40000"/>
+      </a:schemeClr>
+    </dgm:fillClrLst>
+    <dgm:linClrLst meth="repeat">
+      <a:schemeClr val="dk1"/>
+    </dgm:linClrLst>
+    <dgm:effectClrLst/>
+    <dgm:txLinClrLst/>
+    <dgm:txFillClrLst meth="repeat">
+      <a:schemeClr val="dk1"/>
+    </dgm:txFillClrLst>
+    <dgm:txEffectClrLst/>
+  </dgm:styleLbl>
+  <dgm:styleLbl name="dkBgShp">
+    <dgm:fillClrLst meth="repeat">
+      <a:schemeClr val="accent2">
+        <a:shade val="90000"/>
+      </a:schemeClr>
+    </dgm:fillClrLst>
+    <dgm:linClrLst meth="repeat">
+      <a:schemeClr val="dk1"/>
+    </dgm:linClrLst>
+    <dgm:effectClrLst/>
+    <dgm:txLinClrLst/>
+    <dgm:txFillClrLst meth="repeat">
+      <a:schemeClr val="lt1"/>
+    </dgm:txFillClrLst>
+    <dgm:txEffectClrLst/>
+  </dgm:styleLbl>
+  <dgm:styleLbl name="trBgShp">
+    <dgm:fillClrLst meth="repeat">
+      <a:schemeClr val="accent2">
+        <a:tint val="50000"/>
+        <a:alpha val="40000"/>
+      </a:schemeClr>
+    </dgm:fillClrLst>
+    <dgm:linClrLst meth="repeat">
+      <a:schemeClr val="accent2"/>
+    </dgm:linClrLst>
+    <dgm:effectClrLst/>
+    <dgm:txLinClrLst/>
+    <dgm:txFillClrLst meth="repeat">
+      <a:schemeClr val="lt1"/>
+    </dgm:txFillClrLst>
+    <dgm:txEffectClrLst/>
+  </dgm:styleLbl>
+  <dgm:styleLbl name="fgShp">
+    <dgm:fillClrLst meth="repeat">
+      <a:schemeClr val="accent2">
+        <a:tint val="40000"/>
+      </a:schemeClr>
+    </dgm:fillClrLst>
+    <dgm:linClrLst meth="repeat">
+      <a:schemeClr val="lt1"/>
+    </dgm:linClrLst>
+    <dgm:effectClrLst/>
+    <dgm:txLinClrLst/>
+    <dgm:txFillClrLst meth="repeat">
+      <a:schemeClr val="dk1"/>
+    </dgm:txFillClrLst>
+    <dgm:txEffectClrLst/>
+  </dgm:styleLbl>
+  <dgm:styleLbl name="revTx">
+    <dgm:fillClrLst meth="repeat">
+      <a:schemeClr val="lt1">
+        <a:alpha val="0"/>
+      </a:schemeClr>
+    </dgm:fillClrLst>
+    <dgm:linClrLst meth="repeat">
+      <a:schemeClr val="dk1">
+        <a:alpha val="0"/>
+      </a:schemeClr>
+    </dgm:linClrLst>
+    <dgm:effectClrLst/>
+    <dgm:txLinClrLst/>
+    <dgm:txFillClrLst meth="repeat">
+      <a:schemeClr val="tx1"/>
+    </dgm:txFillClrLst>
+    <dgm:txEffectClrLst/>
+  </dgm:styleLbl>
+</dgm:colorsDef>
+</file>
+
 <file path=ppt/diagrams/data1.xml><?xml version="1.0" encoding="utf-8"?>
 <dgm:dataModel xmlns:dgm="http://schemas.openxmlformats.org/drawingml/2006/diagram" xmlns:a="http://schemas.openxmlformats.org/drawingml/2006/main">
   <dgm:ptLst>
     <dgm:pt modelId="{7977411B-0E3C-4C07-BD92-2B06ACA991F3}" type="doc">
-      <dgm:prSet loTypeId="urn:microsoft.com/office/officeart/2005/8/layout/vList2" loCatId="list" qsTypeId="urn:microsoft.com/office/officeart/2005/8/quickstyle/simple1" qsCatId="simple" csTypeId="urn:microsoft.com/office/officeart/2005/8/colors/colorful2" csCatId="colorful"/>
+      <dgm:prSet loTypeId="urn:microsoft.com/office/officeart/2005/8/layout/vList2" loCatId="list" qsTypeId="urn:microsoft.com/office/officeart/2005/8/quickstyle/simple1" qsCatId="simple" csTypeId="urn:microsoft.com/office/officeart/2005/8/colors/colorful2" csCatId="colorful" phldr="1"/>
       <dgm:spPr/>
       <dgm:t>
         <a:bodyPr/>
@@ -2512,8 +3295,9 @@
         <a:p>
           <a:r>
             <a:rPr lang="en-US"/>
-            <a:t>Proxy off</a:t>
+            <a:t>Proxy set off</a:t>
           </a:r>
+          <a:endParaRPr lang="en-US" dirty="0"/>
         </a:p>
       </dgm:t>
     </dgm:pt>
@@ -2681,6 +3465,43 @@
 </file>
 
 <file path=ppt/diagrams/data2.xml><?xml version="1.0" encoding="utf-8"?>
+<dgm:dataModel xmlns:dgm="http://schemas.openxmlformats.org/drawingml/2006/diagram" xmlns:a="http://schemas.openxmlformats.org/drawingml/2006/main">
+  <dgm:ptLst>
+    <dgm:pt modelId="{7977411B-0E3C-4C07-BD92-2B06ACA991F3}" type="doc">
+      <dgm:prSet loTypeId="urn:microsoft.com/office/officeart/2005/8/layout/vList2" loCatId="list" qsTypeId="urn:microsoft.com/office/officeart/2005/8/quickstyle/simple1" qsCatId="simple" csTypeId="urn:microsoft.com/office/officeart/2005/8/colors/colorful2" csCatId="colorful"/>
+      <dgm:spPr/>
+      <dgm:t>
+        <a:bodyPr/>
+        <a:lstStyle/>
+        <a:p>
+          <a:endParaRPr lang="en-US"/>
+        </a:p>
+      </dgm:t>
+    </dgm:pt>
+    <dgm:pt modelId="{D09A1946-FB0B-48E0-96F1-EB22C3B6E535}" type="pres">
+      <dgm:prSet presAssocID="{7977411B-0E3C-4C07-BD92-2B06ACA991F3}" presName="linear" presStyleCnt="0">
+        <dgm:presLayoutVars>
+          <dgm:animLvl val="lvl"/>
+          <dgm:resizeHandles val="exact"/>
+        </dgm:presLayoutVars>
+      </dgm:prSet>
+      <dgm:spPr/>
+    </dgm:pt>
+  </dgm:ptLst>
+  <dgm:cxnLst>
+    <dgm:cxn modelId="{8B31B7CB-CE4B-4915-B7E7-6375B637AD15}" type="presOf" srcId="{7977411B-0E3C-4C07-BD92-2B06ACA991F3}" destId="{D09A1946-FB0B-48E0-96F1-EB22C3B6E535}" srcOrd="0" destOrd="0" presId="urn:microsoft.com/office/officeart/2005/8/layout/vList2"/>
+  </dgm:cxnLst>
+  <dgm:bg/>
+  <dgm:whole/>
+  <dgm:extLst>
+    <a:ext uri="http://schemas.microsoft.com/office/drawing/2008/diagram">
+      <dsp:dataModelExt xmlns:dsp="http://schemas.microsoft.com/office/drawing/2008/diagram" relId="rId6" minVer="http://schemas.openxmlformats.org/drawingml/2006/diagram"/>
+    </a:ext>
+  </dgm:extLst>
+</dgm:dataModel>
+</file>
+
+<file path=ppt/diagrams/data3.xml><?xml version="1.0" encoding="utf-8"?>
 <dgm:dataModel xmlns:dgm="http://schemas.openxmlformats.org/drawingml/2006/diagram" xmlns:a="http://schemas.openxmlformats.org/drawingml/2006/main">
   <dgm:ptLst>
     <dgm:pt modelId="{276A38FB-4337-4CD2-8B2E-7EFD75E1915D}" type="doc">
@@ -2871,7 +3692,7 @@
 </dgm:dataModel>
 </file>
 
-<file path=ppt/diagrams/data3.xml><?xml version="1.0" encoding="utf-8"?>
+<file path=ppt/diagrams/data4.xml><?xml version="1.0" encoding="utf-8"?>
 <dgm:dataModel xmlns:dgm="http://schemas.openxmlformats.org/drawingml/2006/diagram" xmlns:a="http://schemas.openxmlformats.org/drawingml/2006/main">
   <dgm:ptLst>
     <dgm:pt modelId="{1A03B193-2925-447B-861E-BB731D359D78}" type="doc">
@@ -3139,8 +3960,9 @@
           </a:pPr>
           <a:r>
             <a:rPr lang="en-US" sz="4900" kern="1200"/>
-            <a:t>Proxy off</a:t>
+            <a:t>Proxy set off</a:t>
           </a:r>
+          <a:endParaRPr lang="en-US" sz="4900" kern="1200" dirty="0"/>
         </a:p>
       </dsp:txBody>
       <dsp:txXfrm>
@@ -3309,6 +4131,18 @@
 </file>
 
 <file path=ppt/diagrams/drawing2.xml><?xml version="1.0" encoding="utf-8"?>
+<dsp:drawing xmlns:dgm="http://schemas.openxmlformats.org/drawingml/2006/diagram" xmlns:dsp="http://schemas.microsoft.com/office/drawing/2008/diagram" xmlns:a="http://schemas.openxmlformats.org/drawingml/2006/main">
+  <dsp:spTree>
+    <dsp:nvGrpSpPr>
+      <dsp:cNvPr id="0" name=""/>
+      <dsp:cNvGrpSpPr/>
+    </dsp:nvGrpSpPr>
+    <dsp:grpSpPr/>
+  </dsp:spTree>
+</dsp:drawing>
+</file>
+
+<file path=ppt/diagrams/drawing3.xml><?xml version="1.0" encoding="utf-8"?>
 <dsp:drawing xmlns:dgm="http://schemas.openxmlformats.org/drawingml/2006/diagram" xmlns:dsp="http://schemas.microsoft.com/office/drawing/2008/diagram" xmlns:a="http://schemas.openxmlformats.org/drawingml/2006/main">
   <dsp:spTree>
     <dsp:nvGrpSpPr>
@@ -3554,7 +4388,7 @@
 </dsp:drawing>
 </file>
 
-<file path=ppt/diagrams/drawing3.xml><?xml version="1.0" encoding="utf-8"?>
+<file path=ppt/diagrams/drawing4.xml><?xml version="1.0" encoding="utf-8"?>
 <dsp:drawing xmlns:dgm="http://schemas.openxmlformats.org/drawingml/2006/diagram" xmlns:dsp="http://schemas.microsoft.com/office/drawing/2008/diagram" xmlns:a="http://schemas.openxmlformats.org/drawingml/2006/main">
   <dsp:spTree>
     <dsp:nvGrpSpPr>
@@ -4301,6 +5135,173 @@
 </dgm:layoutDef>
 </file>
 
+<file path=ppt/diagrams/layout4.xml><?xml version="1.0" encoding="utf-8"?>
+<dgm:layoutDef xmlns:dgm="http://schemas.openxmlformats.org/drawingml/2006/diagram" xmlns:a="http://schemas.openxmlformats.org/drawingml/2006/main" uniqueId="urn:microsoft.com/office/officeart/2005/8/layout/vList2">
+  <dgm:title val=""/>
+  <dgm:desc val=""/>
+  <dgm:catLst>
+    <dgm:cat type="list" pri="3000"/>
+    <dgm:cat type="convert" pri="1000"/>
+  </dgm:catLst>
+  <dgm:sampData>
+    <dgm:dataModel>
+      <dgm:ptLst>
+        <dgm:pt modelId="0" type="doc"/>
+        <dgm:pt modelId="1">
+          <dgm:prSet phldr="1"/>
+        </dgm:pt>
+        <dgm:pt modelId="11">
+          <dgm:prSet phldr="1"/>
+        </dgm:pt>
+        <dgm:pt modelId="2">
+          <dgm:prSet phldr="1"/>
+        </dgm:pt>
+        <dgm:pt modelId="21">
+          <dgm:prSet phldr="1"/>
+        </dgm:pt>
+      </dgm:ptLst>
+      <dgm:cxnLst>
+        <dgm:cxn modelId="4" srcId="0" destId="1" srcOrd="0" destOrd="0"/>
+        <dgm:cxn modelId="5" srcId="0" destId="2" srcOrd="1" destOrd="0"/>
+        <dgm:cxn modelId="12" srcId="1" destId="11" srcOrd="0" destOrd="0"/>
+        <dgm:cxn modelId="23" srcId="2" destId="21" srcOrd="0" destOrd="0"/>
+      </dgm:cxnLst>
+      <dgm:bg/>
+      <dgm:whole/>
+    </dgm:dataModel>
+  </dgm:sampData>
+  <dgm:styleData>
+    <dgm:dataModel>
+      <dgm:ptLst>
+        <dgm:pt modelId="0" type="doc"/>
+        <dgm:pt modelId="1"/>
+        <dgm:pt modelId="2"/>
+      </dgm:ptLst>
+      <dgm:cxnLst>
+        <dgm:cxn modelId="3" srcId="0" destId="1" srcOrd="0" destOrd="0"/>
+        <dgm:cxn modelId="4" srcId="0" destId="2" srcOrd="1" destOrd="0"/>
+      </dgm:cxnLst>
+      <dgm:bg/>
+      <dgm:whole/>
+    </dgm:dataModel>
+  </dgm:styleData>
+  <dgm:clrData>
+    <dgm:dataModel>
+      <dgm:ptLst>
+        <dgm:pt modelId="0" type="doc"/>
+        <dgm:pt modelId="1"/>
+        <dgm:pt modelId="2"/>
+        <dgm:pt modelId="3"/>
+        <dgm:pt modelId="4"/>
+      </dgm:ptLst>
+      <dgm:cxnLst>
+        <dgm:cxn modelId="5" srcId="0" destId="1" srcOrd="0" destOrd="0"/>
+        <dgm:cxn modelId="6" srcId="0" destId="2" srcOrd="1" destOrd="0"/>
+        <dgm:cxn modelId="7" srcId="0" destId="3" srcOrd="2" destOrd="0"/>
+        <dgm:cxn modelId="8" srcId="0" destId="4" srcOrd="3" destOrd="0"/>
+      </dgm:cxnLst>
+      <dgm:bg/>
+      <dgm:whole/>
+    </dgm:dataModel>
+  </dgm:clrData>
+  <dgm:layoutNode name="linear">
+    <dgm:varLst>
+      <dgm:animLvl val="lvl"/>
+      <dgm:resizeHandles val="exact"/>
+    </dgm:varLst>
+    <dgm:alg type="lin">
+      <dgm:param type="linDir" val="fromT"/>
+      <dgm:param type="vertAlign" val="mid"/>
+    </dgm:alg>
+    <dgm:shape xmlns:r="http://schemas.openxmlformats.org/officeDocument/2006/relationships" r:blip="">
+      <dgm:adjLst/>
+    </dgm:shape>
+    <dgm:presOf/>
+    <dgm:constrLst>
+      <dgm:constr type="w" for="ch" forName="parentText" refType="w"/>
+      <dgm:constr type="h" for="ch" forName="parentText" refType="primFontSz" refFor="ch" refForName="parentText" fact="0.52"/>
+      <dgm:constr type="w" for="ch" forName="childText" refType="w"/>
+      <dgm:constr type="h" for="ch" forName="childText" refType="primFontSz" refFor="ch" refForName="parentText" fact="0.46"/>
+      <dgm:constr type="h" for="ch" forName="parentText" op="equ"/>
+      <dgm:constr type="primFontSz" for="ch" forName="parentText" op="equ" val="65"/>
+      <dgm:constr type="primFontSz" for="ch" forName="childText" refType="primFontSz" refFor="ch" refForName="parentText" op="equ"/>
+      <dgm:constr type="h" for="ch" forName="spacer" refType="primFontSz" refFor="ch" refForName="parentText" fact="0.08"/>
+    </dgm:constrLst>
+    <dgm:ruleLst>
+      <dgm:rule type="primFontSz" for="ch" forName="parentText" val="5" fact="NaN" max="NaN"/>
+    </dgm:ruleLst>
+    <dgm:forEach name="Name0" axis="ch" ptType="node">
+      <dgm:layoutNode name="parentText" styleLbl="node1">
+        <dgm:varLst>
+          <dgm:chMax val="0"/>
+          <dgm:bulletEnabled val="1"/>
+        </dgm:varLst>
+        <dgm:alg type="tx">
+          <dgm:param type="parTxLTRAlign" val="l"/>
+          <dgm:param type="parTxRTLAlign" val="r"/>
+        </dgm:alg>
+        <dgm:shape xmlns:r="http://schemas.openxmlformats.org/officeDocument/2006/relationships" type="roundRect" r:blip="">
+          <dgm:adjLst/>
+        </dgm:shape>
+        <dgm:presOf axis="self"/>
+        <dgm:constrLst>
+          <dgm:constr type="tMarg" refType="primFontSz" fact="0.3"/>
+          <dgm:constr type="bMarg" refType="primFontSz" fact="0.3"/>
+          <dgm:constr type="lMarg" refType="primFontSz" fact="0.3"/>
+          <dgm:constr type="rMarg" refType="primFontSz" fact="0.3"/>
+        </dgm:constrLst>
+        <dgm:ruleLst>
+          <dgm:rule type="h" val="INF" fact="NaN" max="NaN"/>
+        </dgm:ruleLst>
+      </dgm:layoutNode>
+      <dgm:choose name="Name1">
+        <dgm:if name="Name2" axis="ch" ptType="node" func="cnt" op="gte" val="1">
+          <dgm:layoutNode name="childText" styleLbl="revTx">
+            <dgm:varLst>
+              <dgm:bulletEnabled val="1"/>
+            </dgm:varLst>
+            <dgm:alg type="tx">
+              <dgm:param type="stBulletLvl" val="1"/>
+              <dgm:param type="lnSpAfChP" val="20"/>
+            </dgm:alg>
+            <dgm:shape xmlns:r="http://schemas.openxmlformats.org/officeDocument/2006/relationships" type="rect" r:blip="">
+              <dgm:adjLst/>
+            </dgm:shape>
+            <dgm:presOf axis="des" ptType="node"/>
+            <dgm:constrLst>
+              <dgm:constr type="tMarg" refType="primFontSz" fact="0.1"/>
+              <dgm:constr type="bMarg" refType="primFontSz" fact="0.1"/>
+              <dgm:constr type="lMarg" refType="w" fact="0.09"/>
+            </dgm:constrLst>
+            <dgm:ruleLst>
+              <dgm:rule type="h" val="INF" fact="NaN" max="NaN"/>
+            </dgm:ruleLst>
+          </dgm:layoutNode>
+        </dgm:if>
+        <dgm:else name="Name3">
+          <dgm:choose name="Name4">
+            <dgm:if name="Name5" axis="par ch" ptType="doc node" func="cnt" op="gte" val="2">
+              <dgm:forEach name="Name6" axis="followSib" ptType="sibTrans" cnt="1">
+                <dgm:layoutNode name="spacer">
+                  <dgm:alg type="sp"/>
+                  <dgm:shape xmlns:r="http://schemas.openxmlformats.org/officeDocument/2006/relationships" r:blip="">
+                    <dgm:adjLst/>
+                  </dgm:shape>
+                  <dgm:presOf/>
+                  <dgm:constrLst/>
+                  <dgm:ruleLst/>
+                </dgm:layoutNode>
+              </dgm:forEach>
+            </dgm:if>
+            <dgm:else name="Name7"/>
+          </dgm:choose>
+        </dgm:else>
+      </dgm:choose>
+    </dgm:forEach>
+  </dgm:layoutNode>
+</dgm:layoutDef>
+</file>
+
 <file path=ppt/diagrams/quickStyle1.xml><?xml version="1.0" encoding="utf-8"?>
 <dgm:styleDef xmlns:dgm="http://schemas.openxmlformats.org/drawingml/2006/diagram" xmlns:a="http://schemas.openxmlformats.org/drawingml/2006/main" uniqueId="urn:microsoft.com/office/officeart/2005/8/quickstyle/simple1">
   <dgm:title val=""/>
@@ -6370,6 +7371,1040 @@
 </file>
 
 <file path=ppt/diagrams/quickStyle3.xml><?xml version="1.0" encoding="utf-8"?>
+<dgm:styleDef xmlns:dgm="http://schemas.openxmlformats.org/drawingml/2006/diagram" xmlns:a="http://schemas.openxmlformats.org/drawingml/2006/main" uniqueId="urn:microsoft.com/office/officeart/2005/8/quickstyle/simple1">
+  <dgm:title val=""/>
+  <dgm:desc val=""/>
+  <dgm:catLst>
+    <dgm:cat type="simple" pri="10100"/>
+  </dgm:catLst>
+  <dgm:scene3d>
+    <a:camera prst="orthographicFront"/>
+    <a:lightRig rig="threePt" dir="t"/>
+  </dgm:scene3d>
+  <dgm:styleLbl name="node0">
+    <dgm:scene3d>
+      <a:camera prst="orthographicFront"/>
+      <a:lightRig rig="threePt" dir="t"/>
+    </dgm:scene3d>
+    <dgm:sp3d/>
+    <dgm:txPr/>
+    <dgm:style>
+      <a:lnRef idx="2">
+        <a:scrgbClr r="0" g="0" b="0"/>
+      </a:lnRef>
+      <a:fillRef idx="1">
+        <a:scrgbClr r="0" g="0" b="0"/>
+      </a:fillRef>
+      <a:effectRef idx="0">
+        <a:scrgbClr r="0" g="0" b="0"/>
+      </a:effectRef>
+      <a:fontRef idx="minor">
+        <a:schemeClr val="lt1"/>
+      </a:fontRef>
+    </dgm:style>
+  </dgm:styleLbl>
+  <dgm:styleLbl name="lnNode1">
+    <dgm:scene3d>
+      <a:camera prst="orthographicFront"/>
+      <a:lightRig rig="threePt" dir="t"/>
+    </dgm:scene3d>
+    <dgm:sp3d/>
+    <dgm:txPr/>
+    <dgm:style>
+      <a:lnRef idx="2">
+        <a:scrgbClr r="0" g="0" b="0"/>
+      </a:lnRef>
+      <a:fillRef idx="1">
+        <a:scrgbClr r="0" g="0" b="0"/>
+      </a:fillRef>
+      <a:effectRef idx="0">
+        <a:scrgbClr r="0" g="0" b="0"/>
+      </a:effectRef>
+      <a:fontRef idx="minor">
+        <a:schemeClr val="lt1"/>
+      </a:fontRef>
+    </dgm:style>
+  </dgm:styleLbl>
+  <dgm:styleLbl name="vennNode1">
+    <dgm:scene3d>
+      <a:camera prst="orthographicFront"/>
+      <a:lightRig rig="threePt" dir="t"/>
+    </dgm:scene3d>
+    <dgm:sp3d/>
+    <dgm:txPr/>
+    <dgm:style>
+      <a:lnRef idx="2">
+        <a:scrgbClr r="0" g="0" b="0"/>
+      </a:lnRef>
+      <a:fillRef idx="1">
+        <a:scrgbClr r="0" g="0" b="0"/>
+      </a:fillRef>
+      <a:effectRef idx="0">
+        <a:scrgbClr r="0" g="0" b="0"/>
+      </a:effectRef>
+      <a:fontRef idx="minor">
+        <a:schemeClr val="tx1"/>
+      </a:fontRef>
+    </dgm:style>
+  </dgm:styleLbl>
+  <dgm:styleLbl name="alignNode1">
+    <dgm:scene3d>
+      <a:camera prst="orthographicFront"/>
+      <a:lightRig rig="threePt" dir="t"/>
+    </dgm:scene3d>
+    <dgm:sp3d/>
+    <dgm:txPr/>
+    <dgm:style>
+      <a:lnRef idx="2">
+        <a:scrgbClr r="0" g="0" b="0"/>
+      </a:lnRef>
+      <a:fillRef idx="1">
+        <a:scrgbClr r="0" g="0" b="0"/>
+      </a:fillRef>
+      <a:effectRef idx="0">
+        <a:scrgbClr r="0" g="0" b="0"/>
+      </a:effectRef>
+      <a:fontRef idx="minor">
+        <a:schemeClr val="lt1"/>
+      </a:fontRef>
+    </dgm:style>
+  </dgm:styleLbl>
+  <dgm:styleLbl name="node1">
+    <dgm:scene3d>
+      <a:camera prst="orthographicFront"/>
+      <a:lightRig rig="threePt" dir="t"/>
+    </dgm:scene3d>
+    <dgm:sp3d/>
+    <dgm:txPr/>
+    <dgm:style>
+      <a:lnRef idx="2">
+        <a:scrgbClr r="0" g="0" b="0"/>
+      </a:lnRef>
+      <a:fillRef idx="1">
+        <a:scrgbClr r="0" g="0" b="0"/>
+      </a:fillRef>
+      <a:effectRef idx="0">
+        <a:scrgbClr r="0" g="0" b="0"/>
+      </a:effectRef>
+      <a:fontRef idx="minor">
+        <a:schemeClr val="lt1"/>
+      </a:fontRef>
+    </dgm:style>
+  </dgm:styleLbl>
+  <dgm:styleLbl name="node2">
+    <dgm:scene3d>
+      <a:camera prst="orthographicFront"/>
+      <a:lightRig rig="threePt" dir="t"/>
+    </dgm:scene3d>
+    <dgm:sp3d/>
+    <dgm:txPr/>
+    <dgm:style>
+      <a:lnRef idx="2">
+        <a:scrgbClr r="0" g="0" b="0"/>
+      </a:lnRef>
+      <a:fillRef idx="1">
+        <a:scrgbClr r="0" g="0" b="0"/>
+      </a:fillRef>
+      <a:effectRef idx="0">
+        <a:scrgbClr r="0" g="0" b="0"/>
+      </a:effectRef>
+      <a:fontRef idx="minor">
+        <a:schemeClr val="lt1"/>
+      </a:fontRef>
+    </dgm:style>
+  </dgm:styleLbl>
+  <dgm:styleLbl name="node3">
+    <dgm:scene3d>
+      <a:camera prst="orthographicFront"/>
+      <a:lightRig rig="threePt" dir="t"/>
+    </dgm:scene3d>
+    <dgm:sp3d/>
+    <dgm:txPr/>
+    <dgm:style>
+      <a:lnRef idx="2">
+        <a:scrgbClr r="0" g="0" b="0"/>
+      </a:lnRef>
+      <a:fillRef idx="1">
+        <a:scrgbClr r="0" g="0" b="0"/>
+      </a:fillRef>
+      <a:effectRef idx="0">
+        <a:scrgbClr r="0" g="0" b="0"/>
+      </a:effectRef>
+      <a:fontRef idx="minor">
+        <a:schemeClr val="lt1"/>
+      </a:fontRef>
+    </dgm:style>
+  </dgm:styleLbl>
+  <dgm:styleLbl name="node4">
+    <dgm:scene3d>
+      <a:camera prst="orthographicFront"/>
+      <a:lightRig rig="threePt" dir="t"/>
+    </dgm:scene3d>
+    <dgm:sp3d/>
+    <dgm:txPr/>
+    <dgm:style>
+      <a:lnRef idx="2">
+        <a:scrgbClr r="0" g="0" b="0"/>
+      </a:lnRef>
+      <a:fillRef idx="1">
+        <a:scrgbClr r="0" g="0" b="0"/>
+      </a:fillRef>
+      <a:effectRef idx="0">
+        <a:scrgbClr r="0" g="0" b="0"/>
+      </a:effectRef>
+      <a:fontRef idx="minor">
+        <a:schemeClr val="lt1"/>
+      </a:fontRef>
+    </dgm:style>
+  </dgm:styleLbl>
+  <dgm:styleLbl name="fgImgPlace1">
+    <dgm:scene3d>
+      <a:camera prst="orthographicFront"/>
+      <a:lightRig rig="threePt" dir="t"/>
+    </dgm:scene3d>
+    <dgm:sp3d/>
+    <dgm:txPr/>
+    <dgm:style>
+      <a:lnRef idx="2">
+        <a:scrgbClr r="0" g="0" b="0"/>
+      </a:lnRef>
+      <a:fillRef idx="1">
+        <a:scrgbClr r="0" g="0" b="0"/>
+      </a:fillRef>
+      <a:effectRef idx="0">
+        <a:scrgbClr r="0" g="0" b="0"/>
+      </a:effectRef>
+      <a:fontRef idx="minor"/>
+    </dgm:style>
+  </dgm:styleLbl>
+  <dgm:styleLbl name="alignImgPlace1">
+    <dgm:scene3d>
+      <a:camera prst="orthographicFront"/>
+      <a:lightRig rig="threePt" dir="t"/>
+    </dgm:scene3d>
+    <dgm:sp3d/>
+    <dgm:txPr/>
+    <dgm:style>
+      <a:lnRef idx="2">
+        <a:scrgbClr r="0" g="0" b="0"/>
+      </a:lnRef>
+      <a:fillRef idx="1">
+        <a:scrgbClr r="0" g="0" b="0"/>
+      </a:fillRef>
+      <a:effectRef idx="0">
+        <a:scrgbClr r="0" g="0" b="0"/>
+      </a:effectRef>
+      <a:fontRef idx="minor"/>
+    </dgm:style>
+  </dgm:styleLbl>
+  <dgm:styleLbl name="bgImgPlace1">
+    <dgm:scene3d>
+      <a:camera prst="orthographicFront"/>
+      <a:lightRig rig="threePt" dir="t"/>
+    </dgm:scene3d>
+    <dgm:sp3d/>
+    <dgm:txPr/>
+    <dgm:style>
+      <a:lnRef idx="2">
+        <a:scrgbClr r="0" g="0" b="0"/>
+      </a:lnRef>
+      <a:fillRef idx="1">
+        <a:scrgbClr r="0" g="0" b="0"/>
+      </a:fillRef>
+      <a:effectRef idx="0">
+        <a:scrgbClr r="0" g="0" b="0"/>
+      </a:effectRef>
+      <a:fontRef idx="minor"/>
+    </dgm:style>
+  </dgm:styleLbl>
+  <dgm:styleLbl name="sibTrans2D1">
+    <dgm:scene3d>
+      <a:camera prst="orthographicFront"/>
+      <a:lightRig rig="threePt" dir="t"/>
+    </dgm:scene3d>
+    <dgm:sp3d/>
+    <dgm:txPr/>
+    <dgm:style>
+      <a:lnRef idx="0">
+        <a:scrgbClr r="0" g="0" b="0"/>
+      </a:lnRef>
+      <a:fillRef idx="1">
+        <a:scrgbClr r="0" g="0" b="0"/>
+      </a:fillRef>
+      <a:effectRef idx="0">
+        <a:scrgbClr r="0" g="0" b="0"/>
+      </a:effectRef>
+      <a:fontRef idx="minor">
+        <a:schemeClr val="lt1"/>
+      </a:fontRef>
+    </dgm:style>
+  </dgm:styleLbl>
+  <dgm:styleLbl name="fgSibTrans2D1">
+    <dgm:scene3d>
+      <a:camera prst="orthographicFront"/>
+      <a:lightRig rig="threePt" dir="t"/>
+    </dgm:scene3d>
+    <dgm:sp3d/>
+    <dgm:txPr/>
+    <dgm:style>
+      <a:lnRef idx="0">
+        <a:scrgbClr r="0" g="0" b="0"/>
+      </a:lnRef>
+      <a:fillRef idx="1">
+        <a:scrgbClr r="0" g="0" b="0"/>
+      </a:fillRef>
+      <a:effectRef idx="0">
+        <a:scrgbClr r="0" g="0" b="0"/>
+      </a:effectRef>
+      <a:fontRef idx="minor">
+        <a:schemeClr val="lt1"/>
+      </a:fontRef>
+    </dgm:style>
+  </dgm:styleLbl>
+  <dgm:styleLbl name="bgSibTrans2D1">
+    <dgm:scene3d>
+      <a:camera prst="orthographicFront"/>
+      <a:lightRig rig="threePt" dir="t"/>
+    </dgm:scene3d>
+    <dgm:sp3d/>
+    <dgm:txPr/>
+    <dgm:style>
+      <a:lnRef idx="0">
+        <a:scrgbClr r="0" g="0" b="0"/>
+      </a:lnRef>
+      <a:fillRef idx="1">
+        <a:scrgbClr r="0" g="0" b="0"/>
+      </a:fillRef>
+      <a:effectRef idx="0">
+        <a:scrgbClr r="0" g="0" b="0"/>
+      </a:effectRef>
+      <a:fontRef idx="minor">
+        <a:schemeClr val="lt1"/>
+      </a:fontRef>
+    </dgm:style>
+  </dgm:styleLbl>
+  <dgm:styleLbl name="sibTrans1D1">
+    <dgm:scene3d>
+      <a:camera prst="orthographicFront"/>
+      <a:lightRig rig="threePt" dir="t"/>
+    </dgm:scene3d>
+    <dgm:sp3d/>
+    <dgm:txPr/>
+    <dgm:style>
+      <a:lnRef idx="1">
+        <a:scrgbClr r="0" g="0" b="0"/>
+      </a:lnRef>
+      <a:fillRef idx="0">
+        <a:scrgbClr r="0" g="0" b="0"/>
+      </a:fillRef>
+      <a:effectRef idx="0">
+        <a:scrgbClr r="0" g="0" b="0"/>
+      </a:effectRef>
+      <a:fontRef idx="minor"/>
+    </dgm:style>
+  </dgm:styleLbl>
+  <dgm:styleLbl name="callout">
+    <dgm:scene3d>
+      <a:camera prst="orthographicFront"/>
+      <a:lightRig rig="threePt" dir="t"/>
+    </dgm:scene3d>
+    <dgm:sp3d/>
+    <dgm:txPr/>
+    <dgm:style>
+      <a:lnRef idx="2">
+        <a:scrgbClr r="0" g="0" b="0"/>
+      </a:lnRef>
+      <a:fillRef idx="1">
+        <a:scrgbClr r="0" g="0" b="0"/>
+      </a:fillRef>
+      <a:effectRef idx="0">
+        <a:scrgbClr r="0" g="0" b="0"/>
+      </a:effectRef>
+      <a:fontRef idx="minor"/>
+    </dgm:style>
+  </dgm:styleLbl>
+  <dgm:styleLbl name="asst0">
+    <dgm:scene3d>
+      <a:camera prst="orthographicFront"/>
+      <a:lightRig rig="threePt" dir="t"/>
+    </dgm:scene3d>
+    <dgm:sp3d/>
+    <dgm:txPr/>
+    <dgm:style>
+      <a:lnRef idx="2">
+        <a:scrgbClr r="0" g="0" b="0"/>
+      </a:lnRef>
+      <a:fillRef idx="1">
+        <a:scrgbClr r="0" g="0" b="0"/>
+      </a:fillRef>
+      <a:effectRef idx="0">
+        <a:scrgbClr r="0" g="0" b="0"/>
+      </a:effectRef>
+      <a:fontRef idx="minor">
+        <a:schemeClr val="lt1"/>
+      </a:fontRef>
+    </dgm:style>
+  </dgm:styleLbl>
+  <dgm:styleLbl name="asst1">
+    <dgm:scene3d>
+      <a:camera prst="orthographicFront"/>
+      <a:lightRig rig="threePt" dir="t"/>
+    </dgm:scene3d>
+    <dgm:sp3d/>
+    <dgm:txPr/>
+    <dgm:style>
+      <a:lnRef idx="2">
+        <a:scrgbClr r="0" g="0" b="0"/>
+      </a:lnRef>
+      <a:fillRef idx="1">
+        <a:scrgbClr r="0" g="0" b="0"/>
+      </a:fillRef>
+      <a:effectRef idx="0">
+        <a:scrgbClr r="0" g="0" b="0"/>
+      </a:effectRef>
+      <a:fontRef idx="minor">
+        <a:schemeClr val="lt1"/>
+      </a:fontRef>
+    </dgm:style>
+  </dgm:styleLbl>
+  <dgm:styleLbl name="asst2">
+    <dgm:scene3d>
+      <a:camera prst="orthographicFront"/>
+      <a:lightRig rig="threePt" dir="t"/>
+    </dgm:scene3d>
+    <dgm:sp3d/>
+    <dgm:txPr/>
+    <dgm:style>
+      <a:lnRef idx="2">
+        <a:scrgbClr r="0" g="0" b="0"/>
+      </a:lnRef>
+      <a:fillRef idx="1">
+        <a:scrgbClr r="0" g="0" b="0"/>
+      </a:fillRef>
+      <a:effectRef idx="0">
+        <a:scrgbClr r="0" g="0" b="0"/>
+      </a:effectRef>
+      <a:fontRef idx="minor">
+        <a:schemeClr val="lt1"/>
+      </a:fontRef>
+    </dgm:style>
+  </dgm:styleLbl>
+  <dgm:styleLbl name="asst3">
+    <dgm:scene3d>
+      <a:camera prst="orthographicFront"/>
+      <a:lightRig rig="threePt" dir="t"/>
+    </dgm:scene3d>
+    <dgm:sp3d/>
+    <dgm:txPr/>
+    <dgm:style>
+      <a:lnRef idx="2">
+        <a:scrgbClr r="0" g="0" b="0"/>
+      </a:lnRef>
+      <a:fillRef idx="1">
+        <a:scrgbClr r="0" g="0" b="0"/>
+      </a:fillRef>
+      <a:effectRef idx="0">
+        <a:scrgbClr r="0" g="0" b="0"/>
+      </a:effectRef>
+      <a:fontRef idx="minor">
+        <a:schemeClr val="lt1"/>
+      </a:fontRef>
+    </dgm:style>
+  </dgm:styleLbl>
+  <dgm:styleLbl name="asst4">
+    <dgm:scene3d>
+      <a:camera prst="orthographicFront"/>
+      <a:lightRig rig="threePt" dir="t"/>
+    </dgm:scene3d>
+    <dgm:sp3d/>
+    <dgm:txPr/>
+    <dgm:style>
+      <a:lnRef idx="2">
+        <a:scrgbClr r="0" g="0" b="0"/>
+      </a:lnRef>
+      <a:fillRef idx="1">
+        <a:scrgbClr r="0" g="0" b="0"/>
+      </a:fillRef>
+      <a:effectRef idx="0">
+        <a:scrgbClr r="0" g="0" b="0"/>
+      </a:effectRef>
+      <a:fontRef idx="minor">
+        <a:schemeClr val="lt1"/>
+      </a:fontRef>
+    </dgm:style>
+  </dgm:styleLbl>
+  <dgm:styleLbl name="parChTrans2D1">
+    <dgm:scene3d>
+      <a:camera prst="orthographicFront"/>
+      <a:lightRig rig="threePt" dir="t"/>
+    </dgm:scene3d>
+    <dgm:sp3d/>
+    <dgm:txPr/>
+    <dgm:style>
+      <a:lnRef idx="2">
+        <a:scrgbClr r="0" g="0" b="0"/>
+      </a:lnRef>
+      <a:fillRef idx="1">
+        <a:scrgbClr r="0" g="0" b="0"/>
+      </a:fillRef>
+      <a:effectRef idx="0">
+        <a:scrgbClr r="0" g="0" b="0"/>
+      </a:effectRef>
+      <a:fontRef idx="minor">
+        <a:schemeClr val="lt1"/>
+      </a:fontRef>
+    </dgm:style>
+  </dgm:styleLbl>
+  <dgm:styleLbl name="parChTrans2D2">
+    <dgm:scene3d>
+      <a:camera prst="orthographicFront"/>
+      <a:lightRig rig="threePt" dir="t"/>
+    </dgm:scene3d>
+    <dgm:sp3d/>
+    <dgm:txPr/>
+    <dgm:style>
+      <a:lnRef idx="2">
+        <a:scrgbClr r="0" g="0" b="0"/>
+      </a:lnRef>
+      <a:fillRef idx="1">
+        <a:scrgbClr r="0" g="0" b="0"/>
+      </a:fillRef>
+      <a:effectRef idx="0">
+        <a:scrgbClr r="0" g="0" b="0"/>
+      </a:effectRef>
+      <a:fontRef idx="minor">
+        <a:schemeClr val="lt1"/>
+      </a:fontRef>
+    </dgm:style>
+  </dgm:styleLbl>
+  <dgm:styleLbl name="parChTrans2D3">
+    <dgm:scene3d>
+      <a:camera prst="orthographicFront"/>
+      <a:lightRig rig="threePt" dir="t"/>
+    </dgm:scene3d>
+    <dgm:sp3d/>
+    <dgm:txPr/>
+    <dgm:style>
+      <a:lnRef idx="2">
+        <a:scrgbClr r="0" g="0" b="0"/>
+      </a:lnRef>
+      <a:fillRef idx="1">
+        <a:scrgbClr r="0" g="0" b="0"/>
+      </a:fillRef>
+      <a:effectRef idx="0">
+        <a:scrgbClr r="0" g="0" b="0"/>
+      </a:effectRef>
+      <a:fontRef idx="minor">
+        <a:schemeClr val="lt1"/>
+      </a:fontRef>
+    </dgm:style>
+  </dgm:styleLbl>
+  <dgm:styleLbl name="parChTrans2D4">
+    <dgm:scene3d>
+      <a:camera prst="orthographicFront"/>
+      <a:lightRig rig="threePt" dir="t"/>
+    </dgm:scene3d>
+    <dgm:sp3d/>
+    <dgm:txPr/>
+    <dgm:style>
+      <a:lnRef idx="2">
+        <a:scrgbClr r="0" g="0" b="0"/>
+      </a:lnRef>
+      <a:fillRef idx="1">
+        <a:scrgbClr r="0" g="0" b="0"/>
+      </a:fillRef>
+      <a:effectRef idx="0">
+        <a:scrgbClr r="0" g="0" b="0"/>
+      </a:effectRef>
+      <a:fontRef idx="minor">
+        <a:schemeClr val="lt1"/>
+      </a:fontRef>
+    </dgm:style>
+  </dgm:styleLbl>
+  <dgm:styleLbl name="parChTrans1D1">
+    <dgm:scene3d>
+      <a:camera prst="orthographicFront"/>
+      <a:lightRig rig="threePt" dir="t"/>
+    </dgm:scene3d>
+    <dgm:sp3d/>
+    <dgm:txPr/>
+    <dgm:style>
+      <a:lnRef idx="2">
+        <a:scrgbClr r="0" g="0" b="0"/>
+      </a:lnRef>
+      <a:fillRef idx="0">
+        <a:scrgbClr r="0" g="0" b="0"/>
+      </a:fillRef>
+      <a:effectRef idx="0">
+        <a:scrgbClr r="0" g="0" b="0"/>
+      </a:effectRef>
+      <a:fontRef idx="minor"/>
+    </dgm:style>
+  </dgm:styleLbl>
+  <dgm:styleLbl name="parChTrans1D2">
+    <dgm:scene3d>
+      <a:camera prst="orthographicFront"/>
+      <a:lightRig rig="threePt" dir="t"/>
+    </dgm:scene3d>
+    <dgm:sp3d/>
+    <dgm:txPr/>
+    <dgm:style>
+      <a:lnRef idx="2">
+        <a:scrgbClr r="0" g="0" b="0"/>
+      </a:lnRef>
+      <a:fillRef idx="0">
+        <a:scrgbClr r="0" g="0" b="0"/>
+      </a:fillRef>
+      <a:effectRef idx="0">
+        <a:scrgbClr r="0" g="0" b="0"/>
+      </a:effectRef>
+      <a:fontRef idx="minor"/>
+    </dgm:style>
+  </dgm:styleLbl>
+  <dgm:styleLbl name="parChTrans1D3">
+    <dgm:scene3d>
+      <a:camera prst="orthographicFront"/>
+      <a:lightRig rig="threePt" dir="t"/>
+    </dgm:scene3d>
+    <dgm:sp3d/>
+    <dgm:txPr/>
+    <dgm:style>
+      <a:lnRef idx="2">
+        <a:scrgbClr r="0" g="0" b="0"/>
+      </a:lnRef>
+      <a:fillRef idx="0">
+        <a:scrgbClr r="0" g="0" b="0"/>
+      </a:fillRef>
+      <a:effectRef idx="0">
+        <a:scrgbClr r="0" g="0" b="0"/>
+      </a:effectRef>
+      <a:fontRef idx="minor"/>
+    </dgm:style>
+  </dgm:styleLbl>
+  <dgm:styleLbl name="parChTrans1D4">
+    <dgm:scene3d>
+      <a:camera prst="orthographicFront"/>
+      <a:lightRig rig="threePt" dir="t"/>
+    </dgm:scene3d>
+    <dgm:sp3d/>
+    <dgm:txPr/>
+    <dgm:style>
+      <a:lnRef idx="2">
+        <a:scrgbClr r="0" g="0" b="0"/>
+      </a:lnRef>
+      <a:fillRef idx="0">
+        <a:scrgbClr r="0" g="0" b="0"/>
+      </a:fillRef>
+      <a:effectRef idx="0">
+        <a:scrgbClr r="0" g="0" b="0"/>
+      </a:effectRef>
+      <a:fontRef idx="minor"/>
+    </dgm:style>
+  </dgm:styleLbl>
+  <dgm:styleLbl name="fgAcc1">
+    <dgm:scene3d>
+      <a:camera prst="orthographicFront"/>
+      <a:lightRig rig="threePt" dir="t"/>
+    </dgm:scene3d>
+    <dgm:sp3d/>
+    <dgm:txPr/>
+    <dgm:style>
+      <a:lnRef idx="2">
+        <a:scrgbClr r="0" g="0" b="0"/>
+      </a:lnRef>
+      <a:fillRef idx="1">
+        <a:scrgbClr r="0" g="0" b="0"/>
+      </a:fillRef>
+      <a:effectRef idx="0">
+        <a:scrgbClr r="0" g="0" b="0"/>
+      </a:effectRef>
+      <a:fontRef idx="minor"/>
+    </dgm:style>
+  </dgm:styleLbl>
+  <dgm:styleLbl name="conFgAcc1">
+    <dgm:scene3d>
+      <a:camera prst="orthographicFront"/>
+      <a:lightRig rig="threePt" dir="t"/>
+    </dgm:scene3d>
+    <dgm:sp3d/>
+    <dgm:txPr/>
+    <dgm:style>
+      <a:lnRef idx="2">
+        <a:scrgbClr r="0" g="0" b="0"/>
+      </a:lnRef>
+      <a:fillRef idx="1">
+        <a:scrgbClr r="0" g="0" b="0"/>
+      </a:fillRef>
+      <a:effectRef idx="0">
+        <a:scrgbClr r="0" g="0" b="0"/>
+      </a:effectRef>
+      <a:fontRef idx="minor"/>
+    </dgm:style>
+  </dgm:styleLbl>
+  <dgm:styleLbl name="alignAcc1">
+    <dgm:scene3d>
+      <a:camera prst="orthographicFront"/>
+      <a:lightRig rig="threePt" dir="t"/>
+    </dgm:scene3d>
+    <dgm:sp3d/>
+    <dgm:txPr/>
+    <dgm:style>
+      <a:lnRef idx="2">
+        <a:scrgbClr r="0" g="0" b="0"/>
+      </a:lnRef>
+      <a:fillRef idx="1">
+        <a:scrgbClr r="0" g="0" b="0"/>
+      </a:fillRef>
+      <a:effectRef idx="0">
+        <a:scrgbClr r="0" g="0" b="0"/>
+      </a:effectRef>
+      <a:fontRef idx="minor"/>
+    </dgm:style>
+  </dgm:styleLbl>
+  <dgm:styleLbl name="trAlignAcc1">
+    <dgm:scene3d>
+      <a:camera prst="orthographicFront"/>
+      <a:lightRig rig="threePt" dir="t"/>
+    </dgm:scene3d>
+    <dgm:sp3d/>
+    <dgm:txPr/>
+    <dgm:style>
+      <a:lnRef idx="1">
+        <a:scrgbClr r="0" g="0" b="0"/>
+      </a:lnRef>
+      <a:fillRef idx="1">
+        <a:scrgbClr r="0" g="0" b="0"/>
+      </a:fillRef>
+      <a:effectRef idx="0">
+        <a:scrgbClr r="0" g="0" b="0"/>
+      </a:effectRef>
+      <a:fontRef idx="minor"/>
+    </dgm:style>
+  </dgm:styleLbl>
+  <dgm:styleLbl name="bgAcc1">
+    <dgm:scene3d>
+      <a:camera prst="orthographicFront"/>
+      <a:lightRig rig="threePt" dir="t"/>
+    </dgm:scene3d>
+    <dgm:sp3d/>
+    <dgm:txPr/>
+    <dgm:style>
+      <a:lnRef idx="2">
+        <a:scrgbClr r="0" g="0" b="0"/>
+      </a:lnRef>
+      <a:fillRef idx="1">
+        <a:scrgbClr r="0" g="0" b="0"/>
+      </a:fillRef>
+      <a:effectRef idx="0">
+        <a:scrgbClr r="0" g="0" b="0"/>
+      </a:effectRef>
+      <a:fontRef idx="minor"/>
+    </dgm:style>
+  </dgm:styleLbl>
+  <dgm:styleLbl name="solidFgAcc1">
+    <dgm:scene3d>
+      <a:camera prst="orthographicFront"/>
+      <a:lightRig rig="threePt" dir="t"/>
+    </dgm:scene3d>
+    <dgm:sp3d/>
+    <dgm:txPr/>
+    <dgm:style>
+      <a:lnRef idx="2">
+        <a:scrgbClr r="0" g="0" b="0"/>
+      </a:lnRef>
+      <a:fillRef idx="1">
+        <a:scrgbClr r="0" g="0" b="0"/>
+      </a:fillRef>
+      <a:effectRef idx="0">
+        <a:scrgbClr r="0" g="0" b="0"/>
+      </a:effectRef>
+      <a:fontRef idx="minor"/>
+    </dgm:style>
+  </dgm:styleLbl>
+  <dgm:styleLbl name="solidAlignAcc1">
+    <dgm:scene3d>
+      <a:camera prst="orthographicFront"/>
+      <a:lightRig rig="threePt" dir="t"/>
+    </dgm:scene3d>
+    <dgm:sp3d/>
+    <dgm:txPr/>
+    <dgm:style>
+      <a:lnRef idx="2">
+        <a:scrgbClr r="0" g="0" b="0"/>
+      </a:lnRef>
+      <a:fillRef idx="1">
+        <a:scrgbClr r="0" g="0" b="0"/>
+      </a:fillRef>
+      <a:effectRef idx="0">
+        <a:scrgbClr r="0" g="0" b="0"/>
+      </a:effectRef>
+      <a:fontRef idx="minor"/>
+    </dgm:style>
+  </dgm:styleLbl>
+  <dgm:styleLbl name="solidBgAcc1">
+    <dgm:scene3d>
+      <a:camera prst="orthographicFront"/>
+      <a:lightRig rig="threePt" dir="t"/>
+    </dgm:scene3d>
+    <dgm:sp3d/>
+    <dgm:txPr/>
+    <dgm:style>
+      <a:lnRef idx="2">
+        <a:scrgbClr r="0" g="0" b="0"/>
+      </a:lnRef>
+      <a:fillRef idx="1">
+        <a:scrgbClr r="0" g="0" b="0"/>
+      </a:fillRef>
+      <a:effectRef idx="0">
+        <a:scrgbClr r="0" g="0" b="0"/>
+      </a:effectRef>
+      <a:fontRef idx="minor"/>
+    </dgm:style>
+  </dgm:styleLbl>
+  <dgm:styleLbl name="fgAccFollowNode1">
+    <dgm:scene3d>
+      <a:camera prst="orthographicFront"/>
+      <a:lightRig rig="threePt" dir="t"/>
+    </dgm:scene3d>
+    <dgm:sp3d/>
+    <dgm:txPr/>
+    <dgm:style>
+      <a:lnRef idx="2">
+        <a:scrgbClr r="0" g="0" b="0"/>
+      </a:lnRef>
+      <a:fillRef idx="1">
+        <a:scrgbClr r="0" g="0" b="0"/>
+      </a:fillRef>
+      <a:effectRef idx="0">
+        <a:scrgbClr r="0" g="0" b="0"/>
+      </a:effectRef>
+      <a:fontRef idx="minor"/>
+    </dgm:style>
+  </dgm:styleLbl>
+  <dgm:styleLbl name="alignAccFollowNode1">
+    <dgm:scene3d>
+      <a:camera prst="orthographicFront"/>
+      <a:lightRig rig="threePt" dir="t"/>
+    </dgm:scene3d>
+    <dgm:sp3d/>
+    <dgm:txPr/>
+    <dgm:style>
+      <a:lnRef idx="2">
+        <a:scrgbClr r="0" g="0" b="0"/>
+      </a:lnRef>
+      <a:fillRef idx="1">
+        <a:scrgbClr r="0" g="0" b="0"/>
+      </a:fillRef>
+      <a:effectRef idx="0">
+        <a:scrgbClr r="0" g="0" b="0"/>
+      </a:effectRef>
+      <a:fontRef idx="minor"/>
+    </dgm:style>
+  </dgm:styleLbl>
+  <dgm:styleLbl name="bgAccFollowNode1">
+    <dgm:scene3d>
+      <a:camera prst="orthographicFront"/>
+      <a:lightRig rig="threePt" dir="t"/>
+    </dgm:scene3d>
+    <dgm:sp3d/>
+    <dgm:txPr/>
+    <dgm:style>
+      <a:lnRef idx="2">
+        <a:scrgbClr r="0" g="0" b="0"/>
+      </a:lnRef>
+      <a:fillRef idx="1">
+        <a:scrgbClr r="0" g="0" b="0"/>
+      </a:fillRef>
+      <a:effectRef idx="0">
+        <a:scrgbClr r="0" g="0" b="0"/>
+      </a:effectRef>
+      <a:fontRef idx="minor"/>
+    </dgm:style>
+  </dgm:styleLbl>
+  <dgm:styleLbl name="fgAcc0">
+    <dgm:scene3d>
+      <a:camera prst="orthographicFront"/>
+      <a:lightRig rig="threePt" dir="t"/>
+    </dgm:scene3d>
+    <dgm:sp3d/>
+    <dgm:txPr/>
+    <dgm:style>
+      <a:lnRef idx="2">
+        <a:scrgbClr r="0" g="0" b="0"/>
+      </a:lnRef>
+      <a:fillRef idx="1">
+        <a:scrgbClr r="0" g="0" b="0"/>
+      </a:fillRef>
+      <a:effectRef idx="0">
+        <a:scrgbClr r="0" g="0" b="0"/>
+      </a:effectRef>
+      <a:fontRef idx="minor"/>
+    </dgm:style>
+  </dgm:styleLbl>
+  <dgm:styleLbl name="fgAcc2">
+    <dgm:scene3d>
+      <a:camera prst="orthographicFront"/>
+      <a:lightRig rig="threePt" dir="t"/>
+    </dgm:scene3d>
+    <dgm:sp3d/>
+    <dgm:txPr/>
+    <dgm:style>
+      <a:lnRef idx="2">
+        <a:scrgbClr r="0" g="0" b="0"/>
+      </a:lnRef>
+      <a:fillRef idx="1">
+        <a:scrgbClr r="0" g="0" b="0"/>
+      </a:fillRef>
+      <a:effectRef idx="0">
+        <a:scrgbClr r="0" g="0" b="0"/>
+      </a:effectRef>
+      <a:fontRef idx="minor"/>
+    </dgm:style>
+  </dgm:styleLbl>
+  <dgm:styleLbl name="fgAcc3">
+    <dgm:scene3d>
+      <a:camera prst="orthographicFront"/>
+      <a:lightRig rig="threePt" dir="t"/>
+    </dgm:scene3d>
+    <dgm:sp3d/>
+    <dgm:txPr/>
+    <dgm:style>
+      <a:lnRef idx="2">
+        <a:scrgbClr r="0" g="0" b="0"/>
+      </a:lnRef>
+      <a:fillRef idx="1">
+        <a:scrgbClr r="0" g="0" b="0"/>
+      </a:fillRef>
+      <a:effectRef idx="0">
+        <a:scrgbClr r="0" g="0" b="0"/>
+      </a:effectRef>
+      <a:fontRef idx="minor"/>
+    </dgm:style>
+  </dgm:styleLbl>
+  <dgm:styleLbl name="fgAcc4">
+    <dgm:scene3d>
+      <a:camera prst="orthographicFront"/>
+      <a:lightRig rig="threePt" dir="t"/>
+    </dgm:scene3d>
+    <dgm:sp3d/>
+    <dgm:txPr/>
+    <dgm:style>
+      <a:lnRef idx="2">
+        <a:scrgbClr r="0" g="0" b="0"/>
+      </a:lnRef>
+      <a:fillRef idx="1">
+        <a:scrgbClr r="0" g="0" b="0"/>
+      </a:fillRef>
+      <a:effectRef idx="0">
+        <a:scrgbClr r="0" g="0" b="0"/>
+      </a:effectRef>
+      <a:fontRef idx="minor"/>
+    </dgm:style>
+  </dgm:styleLbl>
+  <dgm:styleLbl name="bgShp">
+    <dgm:scene3d>
+      <a:camera prst="orthographicFront"/>
+      <a:lightRig rig="threePt" dir="t"/>
+    </dgm:scene3d>
+    <dgm:sp3d/>
+    <dgm:txPr/>
+    <dgm:style>
+      <a:lnRef idx="0">
+        <a:scrgbClr r="0" g="0" b="0"/>
+      </a:lnRef>
+      <a:fillRef idx="1">
+        <a:scrgbClr r="0" g="0" b="0"/>
+      </a:fillRef>
+      <a:effectRef idx="0">
+        <a:scrgbClr r="0" g="0" b="0"/>
+      </a:effectRef>
+      <a:fontRef idx="minor"/>
+    </dgm:style>
+  </dgm:styleLbl>
+  <dgm:styleLbl name="dkBgShp">
+    <dgm:scene3d>
+      <a:camera prst="orthographicFront"/>
+      <a:lightRig rig="threePt" dir="t"/>
+    </dgm:scene3d>
+    <dgm:sp3d/>
+    <dgm:txPr/>
+    <dgm:style>
+      <a:lnRef idx="0">
+        <a:scrgbClr r="0" g="0" b="0"/>
+      </a:lnRef>
+      <a:fillRef idx="1">
+        <a:scrgbClr r="0" g="0" b="0"/>
+      </a:fillRef>
+      <a:effectRef idx="0">
+        <a:scrgbClr r="0" g="0" b="0"/>
+      </a:effectRef>
+      <a:fontRef idx="minor"/>
+    </dgm:style>
+  </dgm:styleLbl>
+  <dgm:styleLbl name="trBgShp">
+    <dgm:scene3d>
+      <a:camera prst="orthographicFront"/>
+      <a:lightRig rig="threePt" dir="t"/>
+    </dgm:scene3d>
+    <dgm:sp3d/>
+    <dgm:txPr/>
+    <dgm:style>
+      <a:lnRef idx="0">
+        <a:scrgbClr r="0" g="0" b="0"/>
+      </a:lnRef>
+      <a:fillRef idx="1">
+        <a:scrgbClr r="0" g="0" b="0"/>
+      </a:fillRef>
+      <a:effectRef idx="0">
+        <a:scrgbClr r="0" g="0" b="0"/>
+      </a:effectRef>
+      <a:fontRef idx="minor"/>
+    </dgm:style>
+  </dgm:styleLbl>
+  <dgm:styleLbl name="fgShp">
+    <dgm:scene3d>
+      <a:camera prst="orthographicFront"/>
+      <a:lightRig rig="threePt" dir="t"/>
+    </dgm:scene3d>
+    <dgm:sp3d/>
+    <dgm:txPr/>
+    <dgm:style>
+      <a:lnRef idx="2">
+        <a:scrgbClr r="0" g="0" b="0"/>
+      </a:lnRef>
+      <a:fillRef idx="1">
+        <a:scrgbClr r="0" g="0" b="0"/>
+      </a:fillRef>
+      <a:effectRef idx="0">
+        <a:scrgbClr r="0" g="0" b="0"/>
+      </a:effectRef>
+      <a:fontRef idx="minor"/>
+    </dgm:style>
+  </dgm:styleLbl>
+  <dgm:styleLbl name="revTx">
+    <dgm:scene3d>
+      <a:camera prst="orthographicFront"/>
+      <a:lightRig rig="threePt" dir="t"/>
+    </dgm:scene3d>
+    <dgm:sp3d/>
+    <dgm:txPr/>
+    <dgm:style>
+      <a:lnRef idx="0">
+        <a:scrgbClr r="0" g="0" b="0"/>
+      </a:lnRef>
+      <a:fillRef idx="0">
+        <a:scrgbClr r="0" g="0" b="0"/>
+      </a:fillRef>
+      <a:effectRef idx="0">
+        <a:scrgbClr r="0" g="0" b="0"/>
+      </a:effectRef>
+      <a:fontRef idx="minor"/>
+    </dgm:style>
+  </dgm:styleLbl>
+</dgm:styleDef>
+</file>
+
+<file path=ppt/diagrams/quickStyle4.xml><?xml version="1.0" encoding="utf-8"?>
 <dgm:styleDef xmlns:dgm="http://schemas.openxmlformats.org/drawingml/2006/diagram" xmlns:a="http://schemas.openxmlformats.org/drawingml/2006/main" uniqueId="urn:microsoft.com/office/officeart/2005/8/quickstyle/simple1">
   <dgm:title val=""/>
   <dgm:desc val=""/>
@@ -7485,7 +9520,7 @@
           <a:p>
             <a:fld id="{51C8D5AA-5294-4B64-819D-75088CEECDFA}" type="datetimeFigureOut">
               <a:rPr lang="en-US" smtClean="0"/>
-              <a:t>3/20/2021</a:t>
+              <a:t>3/22/2021</a:t>
             </a:fld>
             <a:endParaRPr lang="en-US"/>
           </a:p>
@@ -7899,7 +9934,7 @@
           <a:p>
             <a:fld id="{51609DBC-BC6A-4631-8A3B-506D77B5BFD1}" type="datetimeFigureOut">
               <a:rPr lang="en-US" smtClean="0"/>
-              <a:t>3/20/2021</a:t>
+              <a:t>3/22/2021</a:t>
             </a:fld>
             <a:endParaRPr lang="en-US"/>
           </a:p>
@@ -8097,7 +10132,7 @@
           <a:p>
             <a:fld id="{51609DBC-BC6A-4631-8A3B-506D77B5BFD1}" type="datetimeFigureOut">
               <a:rPr lang="en-US" smtClean="0"/>
-              <a:t>3/20/2021</a:t>
+              <a:t>3/22/2021</a:t>
             </a:fld>
             <a:endParaRPr lang="en-US"/>
           </a:p>
@@ -8305,7 +10340,7 @@
           <a:p>
             <a:fld id="{51609DBC-BC6A-4631-8A3B-506D77B5BFD1}" type="datetimeFigureOut">
               <a:rPr lang="en-US" smtClean="0"/>
-              <a:t>3/20/2021</a:t>
+              <a:t>3/22/2021</a:t>
             </a:fld>
             <a:endParaRPr lang="en-US"/>
           </a:p>
@@ -8503,7 +10538,7 @@
           <a:p>
             <a:fld id="{51609DBC-BC6A-4631-8A3B-506D77B5BFD1}" type="datetimeFigureOut">
               <a:rPr lang="en-US" smtClean="0"/>
-              <a:t>3/20/2021</a:t>
+              <a:t>3/22/2021</a:t>
             </a:fld>
             <a:endParaRPr lang="en-US"/>
           </a:p>
@@ -8778,7 +10813,7 @@
           <a:p>
             <a:fld id="{51609DBC-BC6A-4631-8A3B-506D77B5BFD1}" type="datetimeFigureOut">
               <a:rPr lang="en-US" smtClean="0"/>
-              <a:t>3/20/2021</a:t>
+              <a:t>3/22/2021</a:t>
             </a:fld>
             <a:endParaRPr lang="en-US"/>
           </a:p>
@@ -9043,7 +11078,7 @@
           <a:p>
             <a:fld id="{51609DBC-BC6A-4631-8A3B-506D77B5BFD1}" type="datetimeFigureOut">
               <a:rPr lang="en-US" smtClean="0"/>
-              <a:t>3/20/2021</a:t>
+              <a:t>3/22/2021</a:t>
             </a:fld>
             <a:endParaRPr lang="en-US"/>
           </a:p>
@@ -9455,7 +11490,7 @@
           <a:p>
             <a:fld id="{51609DBC-BC6A-4631-8A3B-506D77B5BFD1}" type="datetimeFigureOut">
               <a:rPr lang="en-US" smtClean="0"/>
-              <a:t>3/20/2021</a:t>
+              <a:t>3/22/2021</a:t>
             </a:fld>
             <a:endParaRPr lang="en-US"/>
           </a:p>
@@ -9596,7 +11631,7 @@
           <a:p>
             <a:fld id="{51609DBC-BC6A-4631-8A3B-506D77B5BFD1}" type="datetimeFigureOut">
               <a:rPr lang="en-US" smtClean="0"/>
-              <a:t>3/20/2021</a:t>
+              <a:t>3/22/2021</a:t>
             </a:fld>
             <a:endParaRPr lang="en-US"/>
           </a:p>
@@ -9709,7 +11744,7 @@
           <a:p>
             <a:fld id="{51609DBC-BC6A-4631-8A3B-506D77B5BFD1}" type="datetimeFigureOut">
               <a:rPr lang="en-US" smtClean="0"/>
-              <a:t>3/20/2021</a:t>
+              <a:t>3/22/2021</a:t>
             </a:fld>
             <a:endParaRPr lang="en-US"/>
           </a:p>
@@ -10020,7 +12055,7 @@
           <a:p>
             <a:fld id="{51609DBC-BC6A-4631-8A3B-506D77B5BFD1}" type="datetimeFigureOut">
               <a:rPr lang="en-US" smtClean="0"/>
-              <a:t>3/20/2021</a:t>
+              <a:t>3/22/2021</a:t>
             </a:fld>
             <a:endParaRPr lang="en-US"/>
           </a:p>
@@ -10308,7 +12343,7 @@
           <a:p>
             <a:fld id="{51609DBC-BC6A-4631-8A3B-506D77B5BFD1}" type="datetimeFigureOut">
               <a:rPr lang="en-US" smtClean="0"/>
-              <a:t>3/20/2021</a:t>
+              <a:t>3/22/2021</a:t>
             </a:fld>
             <a:endParaRPr lang="en-US"/>
           </a:p>
@@ -10549,7 +12584,7 @@
           <a:p>
             <a:fld id="{51609DBC-BC6A-4631-8A3B-506D77B5BFD1}" type="datetimeFigureOut">
               <a:rPr lang="en-US" smtClean="0"/>
-              <a:t>3/20/2021</a:t>
+              <a:t>3/22/2021</a:t>
             </a:fld>
             <a:endParaRPr lang="en-US"/>
           </a:p>
@@ -12576,6 +14611,173 @@
         </p:blipFill>
         <p:spPr>
           <a:xfrm>
+            <a:off x="0" y="210419"/>
+            <a:ext cx="12192000" cy="6096001"/>
+          </a:xfrm>
+          <a:prstGeom prst="rect">
+            <a:avLst/>
+          </a:prstGeom>
+        </p:spPr>
+      </p:pic>
+      <p:pic>
+        <p:nvPicPr>
+          <p:cNvPr id="4" name="Picture 3" descr="Shape, arrow&#10;&#10;Description automatically generated">
+            <a:extLst>
+              <a:ext uri="{FF2B5EF4-FFF2-40B4-BE49-F238E27FC236}">
+                <a16:creationId xmlns:a16="http://schemas.microsoft.com/office/drawing/2014/main" id="{B764722A-3416-4D48-9B7C-F3EAA3E2897F}"/>
+              </a:ext>
+            </a:extLst>
+          </p:cNvPr>
+          <p:cNvPicPr>
+            <a:picLocks noChangeAspect="1"/>
+          </p:cNvPicPr>
+          <p:nvPr/>
+        </p:nvPicPr>
+        <p:blipFill>
+          <a:blip r:embed="rId3">
+            <a:extLst>
+              <a:ext uri="{28A0092B-C50C-407E-A947-70E740481C1C}">
+                <a14:useLocalDpi xmlns:a14="http://schemas.microsoft.com/office/drawing/2010/main" val="0"/>
+              </a:ext>
+            </a:extLst>
+          </a:blip>
+          <a:stretch>
+            <a:fillRect/>
+          </a:stretch>
+        </p:blipFill>
+        <p:spPr>
+          <a:xfrm>
+            <a:off x="0" y="381000"/>
+            <a:ext cx="12192000" cy="6096000"/>
+          </a:xfrm>
+          <a:prstGeom prst="rect">
+            <a:avLst/>
+          </a:prstGeom>
+        </p:spPr>
+      </p:pic>
+      <p:pic>
+        <p:nvPicPr>
+          <p:cNvPr id="7" name="Picture 6" descr="Chart&#10;&#10;Description automatically generated">
+            <a:extLst>
+              <a:ext uri="{FF2B5EF4-FFF2-40B4-BE49-F238E27FC236}">
+                <a16:creationId xmlns:a16="http://schemas.microsoft.com/office/drawing/2014/main" id="{9CCA823F-866A-4A97-93E0-E70C131974D3}"/>
+              </a:ext>
+            </a:extLst>
+          </p:cNvPr>
+          <p:cNvPicPr>
+            <a:picLocks noChangeAspect="1"/>
+          </p:cNvPicPr>
+          <p:nvPr/>
+        </p:nvPicPr>
+        <p:blipFill>
+          <a:blip r:embed="rId4">
+            <a:extLst>
+              <a:ext uri="{28A0092B-C50C-407E-A947-70E740481C1C}">
+                <a14:useLocalDpi xmlns:a14="http://schemas.microsoft.com/office/drawing/2010/main" val="0"/>
+              </a:ext>
+            </a:extLst>
+          </a:blip>
+          <a:stretch>
+            <a:fillRect/>
+          </a:stretch>
+        </p:blipFill>
+        <p:spPr>
+          <a:xfrm>
+            <a:off x="0" y="381000"/>
+            <a:ext cx="12192000" cy="6096000"/>
+          </a:xfrm>
+          <a:prstGeom prst="rect">
+            <a:avLst/>
+          </a:prstGeom>
+        </p:spPr>
+      </p:pic>
+    </p:spTree>
+    <p:extLst>
+      <p:ext uri="{BB962C8B-B14F-4D97-AF65-F5344CB8AC3E}">
+        <p14:creationId xmlns:p14="http://schemas.microsoft.com/office/powerpoint/2010/main" val="2536173320"/>
+      </p:ext>
+    </p:extLst>
+  </p:cSld>
+  <p:clrMapOvr>
+    <a:masterClrMapping/>
+  </p:clrMapOvr>
+</p:sld>
+</file>
+
+<file path=ppt/slides/slide11.xml><?xml version="1.0" encoding="utf-8"?>
+<p:sld xmlns:a="http://schemas.openxmlformats.org/drawingml/2006/main" xmlns:r="http://schemas.openxmlformats.org/officeDocument/2006/relationships" xmlns:p="http://schemas.openxmlformats.org/presentationml/2006/main">
+  <p:cSld>
+    <p:spTree>
+      <p:nvGrpSpPr>
+        <p:cNvPr id="1" name=""/>
+        <p:cNvGrpSpPr/>
+        <p:nvPr/>
+      </p:nvGrpSpPr>
+      <p:grpSpPr>
+        <a:xfrm>
+          <a:off x="0" y="0"/>
+          <a:ext cx="0" cy="0"/>
+          <a:chOff x="0" y="0"/>
+          <a:chExt cx="0" cy="0"/>
+        </a:xfrm>
+      </p:grpSpPr>
+      <p:sp>
+        <p:nvSpPr>
+          <p:cNvPr id="2" name="Title 1">
+            <a:extLst>
+              <a:ext uri="{FF2B5EF4-FFF2-40B4-BE49-F238E27FC236}">
+                <a16:creationId xmlns:a16="http://schemas.microsoft.com/office/drawing/2014/main" id="{2B6DD1BC-F5B4-45FC-8E61-BA815D62FBDA}"/>
+              </a:ext>
+            </a:extLst>
+          </p:cNvPr>
+          <p:cNvSpPr>
+            <a:spLocks noGrp="1"/>
+          </p:cNvSpPr>
+          <p:nvPr>
+            <p:ph type="title"/>
+          </p:nvPr>
+        </p:nvSpPr>
+        <p:spPr/>
+        <p:txBody>
+          <a:bodyPr/>
+          <a:lstStyle/>
+          <a:p>
+            <a:r>
+              <a:rPr lang="en-US"/>
+              <a:t>Example Graphs</a:t>
+            </a:r>
+            <a:endParaRPr lang="en-US" dirty="0"/>
+          </a:p>
+        </p:txBody>
+      </p:sp>
+      <p:pic>
+        <p:nvPicPr>
+          <p:cNvPr id="5" name="Picture 4" descr="Chart, line chart&#10;&#10;Description automatically generated">
+            <a:extLst>
+              <a:ext uri="{FF2B5EF4-FFF2-40B4-BE49-F238E27FC236}">
+                <a16:creationId xmlns:a16="http://schemas.microsoft.com/office/drawing/2014/main" id="{46A2ABDD-E3E6-4761-AA92-1E68576E6538}"/>
+              </a:ext>
+            </a:extLst>
+          </p:cNvPr>
+          <p:cNvPicPr>
+            <a:picLocks noChangeAspect="1"/>
+          </p:cNvPicPr>
+          <p:nvPr/>
+        </p:nvPicPr>
+        <p:blipFill>
+          <a:blip r:embed="rId2">
+            <a:extLst>
+              <a:ext uri="{28A0092B-C50C-407E-A947-70E740481C1C}">
+                <a14:useLocalDpi xmlns:a14="http://schemas.microsoft.com/office/drawing/2010/main" val="0"/>
+              </a:ext>
+            </a:extLst>
+          </a:blip>
+          <a:stretch>
+            <a:fillRect/>
+          </a:stretch>
+        </p:blipFill>
+        <p:spPr>
+          <a:xfrm>
             <a:off x="0" y="1421254"/>
             <a:ext cx="5976594" cy="2988297"/>
           </a:xfrm>
@@ -12705,7 +14907,7 @@
 </p:sld>
 </file>
 
-<file path=ppt/slides/slide11.xml><?xml version="1.0" encoding="utf-8"?>
+<file path=ppt/slides/slide12.xml><?xml version="1.0" encoding="utf-8"?>
 <p:sld xmlns:a="http://schemas.openxmlformats.org/drawingml/2006/main" xmlns:r="http://schemas.openxmlformats.org/officeDocument/2006/relationships" xmlns:p="http://schemas.openxmlformats.org/presentationml/2006/main">
   <p:cSld>
     <p:spTree>
@@ -12872,7 +15074,7 @@
 </p:sld>
 </file>
 
-<file path=ppt/slides/slide12.xml><?xml version="1.0" encoding="utf-8"?>
+<file path=ppt/slides/slide13.xml><?xml version="1.0" encoding="utf-8"?>
 <p:sld xmlns:a="http://schemas.openxmlformats.org/drawingml/2006/main" xmlns:r="http://schemas.openxmlformats.org/officeDocument/2006/relationships" xmlns:p="http://schemas.openxmlformats.org/presentationml/2006/main">
   <p:cSld>
     <p:bg>
@@ -14458,7 +16660,7 @@
 </p:sld>
 </file>
 
-<file path=ppt/slides/slide13.xml><?xml version="1.0" encoding="utf-8"?>
+<file path=ppt/slides/slide14.xml><?xml version="1.0" encoding="utf-8"?>
 <p:sld xmlns:a="http://schemas.openxmlformats.org/drawingml/2006/main" xmlns:r="http://schemas.openxmlformats.org/officeDocument/2006/relationships" xmlns:p="http://schemas.openxmlformats.org/presentationml/2006/main">
   <p:cSld>
     <p:spTree>
@@ -14589,7 +16791,7 @@
 </p:sld>
 </file>
 
-<file path=ppt/slides/slide14.xml><?xml version="1.0" encoding="utf-8"?>
+<file path=ppt/slides/slide15.xml><?xml version="1.0" encoding="utf-8"?>
 <p:sld xmlns:a="http://schemas.openxmlformats.org/drawingml/2006/main" xmlns:r="http://schemas.openxmlformats.org/officeDocument/2006/relationships" xmlns:p="http://schemas.openxmlformats.org/presentationml/2006/main">
   <p:cSld>
     <p:spTree>
@@ -14720,7 +16922,7 @@
 </p:sld>
 </file>
 
-<file path=ppt/slides/slide15.xml><?xml version="1.0" encoding="utf-8"?>
+<file path=ppt/slides/slide16.xml><?xml version="1.0" encoding="utf-8"?>
 <p:sld xmlns:a="http://schemas.openxmlformats.org/drawingml/2006/main" xmlns:r="http://schemas.openxmlformats.org/officeDocument/2006/relationships" xmlns:p="http://schemas.openxmlformats.org/presentationml/2006/main">
   <p:cSld>
     <p:spTree>
@@ -14851,7 +17053,7 @@
 </p:sld>
 </file>
 
-<file path=ppt/slides/slide16.xml><?xml version="1.0" encoding="utf-8"?>
+<file path=ppt/slides/slide17.xml><?xml version="1.0" encoding="utf-8"?>
 <p:sld xmlns:a="http://schemas.openxmlformats.org/drawingml/2006/main" xmlns:r="http://schemas.openxmlformats.org/officeDocument/2006/relationships" xmlns:p="http://schemas.openxmlformats.org/presentationml/2006/main">
   <p:cSld>
     <p:spTree>
@@ -14982,7 +17184,7 @@
 </p:sld>
 </file>
 
-<file path=ppt/slides/slide17.xml><?xml version="1.0" encoding="utf-8"?>
+<file path=ppt/slides/slide18.xml><?xml version="1.0" encoding="utf-8"?>
 <p:sld xmlns:a="http://schemas.openxmlformats.org/drawingml/2006/main" xmlns:r="http://schemas.openxmlformats.org/officeDocument/2006/relationships" xmlns:p="http://schemas.openxmlformats.org/presentationml/2006/main">
   <p:cSld>
     <p:spTree>
@@ -15113,7 +17315,7 @@
 </p:sld>
 </file>
 
-<file path=ppt/slides/slide18.xml><?xml version="1.0" encoding="utf-8"?>
+<file path=ppt/slides/slide19.xml><?xml version="1.0" encoding="utf-8"?>
 <p:sld xmlns:a="http://schemas.openxmlformats.org/drawingml/2006/main" xmlns:r="http://schemas.openxmlformats.org/officeDocument/2006/relationships" xmlns:p="http://schemas.openxmlformats.org/presentationml/2006/main">
   <p:cSld>
     <p:spTree>
@@ -15280,7 +17482,1614 @@
 </p:sld>
 </file>
 
-<file path=ppt/slides/slide19.xml><?xml version="1.0" encoding="utf-8"?>
+<file path=ppt/slides/slide2.xml><?xml version="1.0" encoding="utf-8"?>
+<p:sld xmlns:a="http://schemas.openxmlformats.org/drawingml/2006/main" xmlns:r="http://schemas.openxmlformats.org/officeDocument/2006/relationships" xmlns:p="http://schemas.openxmlformats.org/presentationml/2006/main">
+  <p:cSld>
+    <p:bg>
+      <p:bgPr>
+        <a:solidFill>
+          <a:schemeClr val="bg1"/>
+        </a:solidFill>
+        <a:effectLst/>
+      </p:bgPr>
+    </p:bg>
+    <p:spTree>
+      <p:nvGrpSpPr>
+        <p:cNvPr id="1" name=""/>
+        <p:cNvGrpSpPr/>
+        <p:nvPr/>
+      </p:nvGrpSpPr>
+      <p:grpSpPr>
+        <a:xfrm>
+          <a:off x="0" y="0"/>
+          <a:ext cx="0" cy="0"/>
+          <a:chOff x="0" y="0"/>
+          <a:chExt cx="0" cy="0"/>
+        </a:xfrm>
+      </p:grpSpPr>
+      <p:sp useBgFill="1">
+        <p:nvSpPr>
+          <p:cNvPr id="21" name="Rectangle 20">
+            <a:extLst>
+              <a:ext uri="{FF2B5EF4-FFF2-40B4-BE49-F238E27FC236}">
+                <a16:creationId xmlns:a16="http://schemas.microsoft.com/office/drawing/2014/main" id="{4545836E-B050-4955-B80E-C5A35AC2F595}"/>
+              </a:ext>
+              <a:ext uri="{C183D7F6-B498-43B3-948B-1728B52AA6E4}">
+                <adec:decorative xmlns:adec="http://schemas.microsoft.com/office/drawing/2017/decorative" val="1"/>
+              </a:ext>
+            </a:extLst>
+          </p:cNvPr>
+          <p:cNvSpPr>
+            <a:spLocks noGrp="1" noRot="1" noChangeAspect="1" noMove="1" noResize="1" noEditPoints="1" noAdjustHandles="1" noChangeArrowheads="1" noChangeShapeType="1" noTextEdit="1"/>
+          </p:cNvSpPr>
+          <p:nvPr>
+            <p:extLst>
+              <p:ext uri="{386F3935-93C4-4BCD-93E2-E3B085C9AB24}">
+                <p16:designElem xmlns:p16="http://schemas.microsoft.com/office/powerpoint/2015/main" val="1"/>
+              </p:ext>
+            </p:extLst>
+          </p:nvPr>
+        </p:nvSpPr>
+        <p:spPr>
+          <a:xfrm>
+            <a:off x="0" y="0"/>
+            <a:ext cx="12192000" cy="6858000"/>
+          </a:xfrm>
+          <a:prstGeom prst="rect">
+            <a:avLst/>
+          </a:prstGeom>
+          <a:ln>
+            <a:noFill/>
+          </a:ln>
+        </p:spPr>
+        <p:style>
+          <a:lnRef idx="2">
+            <a:schemeClr val="accent1">
+              <a:shade val="50000"/>
+            </a:schemeClr>
+          </a:lnRef>
+          <a:fillRef idx="1">
+            <a:schemeClr val="accent1"/>
+          </a:fillRef>
+          <a:effectRef idx="0">
+            <a:schemeClr val="accent1"/>
+          </a:effectRef>
+          <a:fontRef idx="minor">
+            <a:schemeClr val="lt1"/>
+          </a:fontRef>
+        </p:style>
+        <p:txBody>
+          <a:bodyPr rtlCol="0" anchor="ctr"/>
+          <a:lstStyle/>
+          <a:p>
+            <a:pPr algn="ctr"/>
+            <a:endParaRPr lang="en-US"/>
+          </a:p>
+        </p:txBody>
+      </p:sp>
+      <p:sp>
+        <p:nvSpPr>
+          <p:cNvPr id="23" name="Rectangle 62">
+            <a:extLst>
+              <a:ext uri="{FF2B5EF4-FFF2-40B4-BE49-F238E27FC236}">
+                <a16:creationId xmlns:a16="http://schemas.microsoft.com/office/drawing/2014/main" id="{5E6024A1-5F3D-4233-865A-57F6E860561A}"/>
+              </a:ext>
+              <a:ext uri="{C183D7F6-B498-43B3-948B-1728B52AA6E4}">
+                <adec:decorative xmlns:adec="http://schemas.microsoft.com/office/drawing/2017/decorative" val="1"/>
+              </a:ext>
+            </a:extLst>
+          </p:cNvPr>
+          <p:cNvSpPr>
+            <a:spLocks noGrp="1" noRot="1" noChangeAspect="1" noMove="1" noResize="1" noEditPoints="1" noAdjustHandles="1" noChangeArrowheads="1" noChangeShapeType="1" noTextEdit="1"/>
+          </p:cNvSpPr>
+          <p:nvPr>
+            <p:extLst>
+              <p:ext uri="{386F3935-93C4-4BCD-93E2-E3B085C9AB24}">
+                <p16:designElem xmlns:p16="http://schemas.microsoft.com/office/powerpoint/2015/main" val="1"/>
+              </p:ext>
+            </p:extLst>
+          </p:nvPr>
+        </p:nvSpPr>
+        <p:spPr>
+          <a:xfrm rot="5400000">
+            <a:off x="4802473" y="-4805300"/>
+            <a:ext cx="2587052" cy="12192001"/>
+          </a:xfrm>
+          <a:prstGeom prst="rect">
+            <a:avLst/>
+          </a:prstGeom>
+          <a:solidFill>
+            <a:schemeClr val="bg1">
+              <a:lumMod val="95000"/>
+            </a:schemeClr>
+          </a:solidFill>
+          <a:ln>
+            <a:noFill/>
+          </a:ln>
+        </p:spPr>
+        <p:style>
+          <a:lnRef idx="2">
+            <a:schemeClr val="accent1">
+              <a:shade val="50000"/>
+            </a:schemeClr>
+          </a:lnRef>
+          <a:fillRef idx="1">
+            <a:schemeClr val="accent1"/>
+          </a:fillRef>
+          <a:effectRef idx="0">
+            <a:schemeClr val="accent1"/>
+          </a:effectRef>
+          <a:fontRef idx="minor">
+            <a:schemeClr val="lt1"/>
+          </a:fontRef>
+        </p:style>
+        <p:txBody>
+          <a:bodyPr rtlCol="0" anchor="ctr"/>
+          <a:lstStyle/>
+          <a:p>
+            <a:pPr algn="ctr"/>
+            <a:endParaRPr lang="en-US"/>
+          </a:p>
+        </p:txBody>
+      </p:sp>
+      <p:sp>
+        <p:nvSpPr>
+          <p:cNvPr id="2" name="Title 1">
+            <a:extLst>
+              <a:ext uri="{FF2B5EF4-FFF2-40B4-BE49-F238E27FC236}">
+                <a16:creationId xmlns:a16="http://schemas.microsoft.com/office/drawing/2014/main" id="{C59E888B-2364-45F8-9AC1-F4FCE5AE5596}"/>
+              </a:ext>
+            </a:extLst>
+          </p:cNvPr>
+          <p:cNvSpPr>
+            <a:spLocks noGrp="1"/>
+          </p:cNvSpPr>
+          <p:nvPr>
+            <p:ph type="title"/>
+          </p:nvPr>
+        </p:nvSpPr>
+        <p:spPr>
+          <a:xfrm>
+            <a:off x="594360" y="1395481"/>
+            <a:ext cx="11003280" cy="932081"/>
+          </a:xfrm>
+        </p:spPr>
+        <p:txBody>
+          <a:bodyPr vert="horz" lIns="91440" tIns="45720" rIns="91440" bIns="45720" rtlCol="0" anchor="t">
+            <a:normAutofit/>
+          </a:bodyPr>
+          <a:lstStyle/>
+          <a:p>
+            <a:pPr algn="ctr"/>
+            <a:r>
+              <a:rPr lang="en-US" sz="4800"/>
+              <a:t>The Experiment</a:t>
+            </a:r>
+          </a:p>
+        </p:txBody>
+      </p:sp>
+      <p:grpSp>
+        <p:nvGrpSpPr>
+          <p:cNvPr id="25" name="Group 24">
+            <a:extLst>
+              <a:ext uri="{FF2B5EF4-FFF2-40B4-BE49-F238E27FC236}">
+                <a16:creationId xmlns:a16="http://schemas.microsoft.com/office/drawing/2014/main" id="{1E0B6C5E-DDD9-4A13-9800-3D49EF4A74B1}"/>
+              </a:ext>
+              <a:ext uri="{C183D7F6-B498-43B3-948B-1728B52AA6E4}">
+                <adec:decorative xmlns:adec="http://schemas.microsoft.com/office/drawing/2017/decorative" val="1"/>
+              </a:ext>
+            </a:extLst>
+          </p:cNvPr>
+          <p:cNvGrpSpPr>
+            <a:grpSpLocks noGrp="1" noUngrp="1" noRot="1" noChangeAspect="1" noMove="1" noResize="1"/>
+          </p:cNvGrpSpPr>
+          <p:nvPr>
+            <p:extLst>
+              <p:ext uri="{386F3935-93C4-4BCD-93E2-E3B085C9AB24}">
+                <p16:designElem xmlns:p16="http://schemas.microsoft.com/office/powerpoint/2015/main" val="1"/>
+              </p:ext>
+            </p:extLst>
+          </p:nvPr>
+        </p:nvGrpSpPr>
+        <p:grpSpPr>
+          <a:xfrm>
+            <a:off x="5425570" y="73152"/>
+            <a:ext cx="1340860" cy="223819"/>
+            <a:chOff x="5394960" y="73152"/>
+            <a:chExt cx="1340860" cy="223819"/>
+          </a:xfrm>
+        </p:grpSpPr>
+        <p:sp>
+          <p:nvSpPr>
+            <p:cNvPr id="26" name="Rectangle 64">
+              <a:extLst>
+                <a:ext uri="{FF2B5EF4-FFF2-40B4-BE49-F238E27FC236}">
+                  <a16:creationId xmlns:a16="http://schemas.microsoft.com/office/drawing/2014/main" id="{1C5189C0-11B3-4F02-AD68-236B97A90CFF}"/>
+                </a:ext>
+                <a:ext uri="{C183D7F6-B498-43B3-948B-1728B52AA6E4}">
+                  <adec:decorative xmlns:adec="http://schemas.microsoft.com/office/drawing/2017/decorative" val="1"/>
+                </a:ext>
+              </a:extLst>
+            </p:cNvPr>
+            <p:cNvSpPr/>
+            <p:nvPr>
+              <p:extLst>
+                <p:ext uri="{386F3935-93C4-4BCD-93E2-E3B085C9AB24}">
+                  <p16:designElem xmlns:p16="http://schemas.microsoft.com/office/powerpoint/2015/main" val="1"/>
+                </p:ext>
+              </p:extLst>
+            </p:nvPr>
+          </p:nvSpPr>
+          <p:spPr>
+            <a:xfrm>
+              <a:off x="5963415" y="73152"/>
+              <a:ext cx="61834" cy="59227"/>
+            </a:xfrm>
+            <a:prstGeom prst="ellipse">
+              <a:avLst/>
+            </a:prstGeom>
+            <a:solidFill>
+              <a:schemeClr val="accent1"/>
+            </a:solidFill>
+            <a:ln>
+              <a:noFill/>
+            </a:ln>
+          </p:spPr>
+          <p:style>
+            <a:lnRef idx="2">
+              <a:schemeClr val="accent1">
+                <a:shade val="50000"/>
+              </a:schemeClr>
+            </a:lnRef>
+            <a:fillRef idx="1">
+              <a:schemeClr val="accent1"/>
+            </a:fillRef>
+            <a:effectRef idx="0">
+              <a:schemeClr val="accent1"/>
+            </a:effectRef>
+            <a:fontRef idx="minor">
+              <a:schemeClr val="lt1"/>
+            </a:fontRef>
+          </p:style>
+          <p:txBody>
+            <a:bodyPr rtlCol="0" anchor="ctr"/>
+            <a:lstStyle/>
+            <a:p>
+              <a:pPr algn="ctr"/>
+              <a:endParaRPr lang="en-US"/>
+            </a:p>
+          </p:txBody>
+        </p:sp>
+        <p:sp>
+          <p:nvSpPr>
+            <p:cNvPr id="27" name="Rectangle 66">
+              <a:extLst>
+                <a:ext uri="{FF2B5EF4-FFF2-40B4-BE49-F238E27FC236}">
+                  <a16:creationId xmlns:a16="http://schemas.microsoft.com/office/drawing/2014/main" id="{E340FE3F-D1C6-4F04-A6BC-02D884D5171E}"/>
+                </a:ext>
+                <a:ext uri="{C183D7F6-B498-43B3-948B-1728B52AA6E4}">
+                  <adec:decorative xmlns:adec="http://schemas.microsoft.com/office/drawing/2017/decorative" val="1"/>
+                </a:ext>
+              </a:extLst>
+            </p:cNvPr>
+            <p:cNvSpPr/>
+            <p:nvPr>
+              <p:extLst>
+                <p:ext uri="{386F3935-93C4-4BCD-93E2-E3B085C9AB24}">
+                  <p16:designElem xmlns:p16="http://schemas.microsoft.com/office/powerpoint/2015/main" val="1"/>
+                </p:ext>
+              </p:extLst>
+            </p:nvPr>
+          </p:nvSpPr>
+          <p:spPr>
+            <a:xfrm>
+              <a:off x="5963415" y="237744"/>
+              <a:ext cx="61834" cy="59227"/>
+            </a:xfrm>
+            <a:prstGeom prst="ellipse">
+              <a:avLst/>
+            </a:prstGeom>
+            <a:solidFill>
+              <a:schemeClr val="accent1"/>
+            </a:solidFill>
+            <a:ln>
+              <a:noFill/>
+            </a:ln>
+          </p:spPr>
+          <p:style>
+            <a:lnRef idx="2">
+              <a:schemeClr val="accent1">
+                <a:shade val="50000"/>
+              </a:schemeClr>
+            </a:lnRef>
+            <a:fillRef idx="1">
+              <a:schemeClr val="accent1"/>
+            </a:fillRef>
+            <a:effectRef idx="0">
+              <a:schemeClr val="accent1"/>
+            </a:effectRef>
+            <a:fontRef idx="minor">
+              <a:schemeClr val="lt1"/>
+            </a:fontRef>
+          </p:style>
+          <p:txBody>
+            <a:bodyPr rtlCol="0" anchor="ctr"/>
+            <a:lstStyle/>
+            <a:p>
+              <a:pPr algn="ctr"/>
+              <a:endParaRPr lang="en-US"/>
+            </a:p>
+          </p:txBody>
+        </p:sp>
+        <p:sp>
+          <p:nvSpPr>
+            <p:cNvPr id="28" name="Rectangle 64">
+              <a:extLst>
+                <a:ext uri="{FF2B5EF4-FFF2-40B4-BE49-F238E27FC236}">
+                  <a16:creationId xmlns:a16="http://schemas.microsoft.com/office/drawing/2014/main" id="{43369AB0-38EF-4FA1-B421-5C1E1D5BE0B8}"/>
+                </a:ext>
+                <a:ext uri="{C183D7F6-B498-43B3-948B-1728B52AA6E4}">
+                  <adec:decorative xmlns:adec="http://schemas.microsoft.com/office/drawing/2017/decorative" val="1"/>
+                </a:ext>
+              </a:extLst>
+            </p:cNvPr>
+            <p:cNvSpPr/>
+            <p:nvPr>
+              <p:extLst>
+                <p:ext uri="{386F3935-93C4-4BCD-93E2-E3B085C9AB24}">
+                  <p16:designElem xmlns:p16="http://schemas.microsoft.com/office/powerpoint/2015/main" val="1"/>
+                </p:ext>
+              </p:extLst>
+            </p:nvPr>
+          </p:nvSpPr>
+          <p:spPr>
+            <a:xfrm>
+              <a:off x="5821302" y="73152"/>
+              <a:ext cx="61834" cy="59227"/>
+            </a:xfrm>
+            <a:prstGeom prst="ellipse">
+              <a:avLst/>
+            </a:prstGeom>
+            <a:solidFill>
+              <a:schemeClr val="accent1"/>
+            </a:solidFill>
+            <a:ln>
+              <a:noFill/>
+            </a:ln>
+          </p:spPr>
+          <p:style>
+            <a:lnRef idx="2">
+              <a:schemeClr val="accent1">
+                <a:shade val="50000"/>
+              </a:schemeClr>
+            </a:lnRef>
+            <a:fillRef idx="1">
+              <a:schemeClr val="accent1"/>
+            </a:fillRef>
+            <a:effectRef idx="0">
+              <a:schemeClr val="accent1"/>
+            </a:effectRef>
+            <a:fontRef idx="minor">
+              <a:schemeClr val="lt1"/>
+            </a:fontRef>
+          </p:style>
+          <p:txBody>
+            <a:bodyPr rtlCol="0" anchor="ctr"/>
+            <a:lstStyle/>
+            <a:p>
+              <a:pPr algn="ctr"/>
+              <a:endParaRPr lang="en-US"/>
+            </a:p>
+          </p:txBody>
+        </p:sp>
+        <p:sp>
+          <p:nvSpPr>
+            <p:cNvPr id="29" name="Rectangle 66">
+              <a:extLst>
+                <a:ext uri="{FF2B5EF4-FFF2-40B4-BE49-F238E27FC236}">
+                  <a16:creationId xmlns:a16="http://schemas.microsoft.com/office/drawing/2014/main" id="{C1133C01-0CBD-4C88-B1FE-F2A0B5FC8B8A}"/>
+                </a:ext>
+                <a:ext uri="{C183D7F6-B498-43B3-948B-1728B52AA6E4}">
+                  <adec:decorative xmlns:adec="http://schemas.microsoft.com/office/drawing/2017/decorative" val="1"/>
+                </a:ext>
+              </a:extLst>
+            </p:cNvPr>
+            <p:cNvSpPr/>
+            <p:nvPr>
+              <p:extLst>
+                <p:ext uri="{386F3935-93C4-4BCD-93E2-E3B085C9AB24}">
+                  <p16:designElem xmlns:p16="http://schemas.microsoft.com/office/powerpoint/2015/main" val="1"/>
+                </p:ext>
+              </p:extLst>
+            </p:nvPr>
+          </p:nvSpPr>
+          <p:spPr>
+            <a:xfrm>
+              <a:off x="5821302" y="237744"/>
+              <a:ext cx="61834" cy="59227"/>
+            </a:xfrm>
+            <a:prstGeom prst="ellipse">
+              <a:avLst/>
+            </a:prstGeom>
+            <a:solidFill>
+              <a:schemeClr val="accent1"/>
+            </a:solidFill>
+            <a:ln>
+              <a:noFill/>
+            </a:ln>
+          </p:spPr>
+          <p:style>
+            <a:lnRef idx="2">
+              <a:schemeClr val="accent1">
+                <a:shade val="50000"/>
+              </a:schemeClr>
+            </a:lnRef>
+            <a:fillRef idx="1">
+              <a:schemeClr val="accent1"/>
+            </a:fillRef>
+            <a:effectRef idx="0">
+              <a:schemeClr val="accent1"/>
+            </a:effectRef>
+            <a:fontRef idx="minor">
+              <a:schemeClr val="lt1"/>
+            </a:fontRef>
+          </p:style>
+          <p:txBody>
+            <a:bodyPr rtlCol="0" anchor="ctr"/>
+            <a:lstStyle/>
+            <a:p>
+              <a:pPr algn="ctr"/>
+              <a:endParaRPr lang="en-US"/>
+            </a:p>
+          </p:txBody>
+        </p:sp>
+        <p:sp>
+          <p:nvSpPr>
+            <p:cNvPr id="30" name="Rectangle 64">
+              <a:extLst>
+                <a:ext uri="{FF2B5EF4-FFF2-40B4-BE49-F238E27FC236}">
+                  <a16:creationId xmlns:a16="http://schemas.microsoft.com/office/drawing/2014/main" id="{6BF3402E-C527-41D8-9CE6-610D0D5B86FB}"/>
+                </a:ext>
+                <a:ext uri="{C183D7F6-B498-43B3-948B-1728B52AA6E4}">
+                  <adec:decorative xmlns:adec="http://schemas.microsoft.com/office/drawing/2017/decorative" val="1"/>
+                </a:ext>
+              </a:extLst>
+            </p:cNvPr>
+            <p:cNvSpPr/>
+            <p:nvPr>
+              <p:extLst>
+                <p:ext uri="{386F3935-93C4-4BCD-93E2-E3B085C9AB24}">
+                  <p16:designElem xmlns:p16="http://schemas.microsoft.com/office/powerpoint/2015/main" val="1"/>
+                </p:ext>
+              </p:extLst>
+            </p:nvPr>
+          </p:nvSpPr>
+          <p:spPr>
+            <a:xfrm>
+              <a:off x="5679188" y="73152"/>
+              <a:ext cx="61834" cy="59227"/>
+            </a:xfrm>
+            <a:prstGeom prst="ellipse">
+              <a:avLst/>
+            </a:prstGeom>
+            <a:solidFill>
+              <a:schemeClr val="accent1"/>
+            </a:solidFill>
+            <a:ln>
+              <a:noFill/>
+            </a:ln>
+          </p:spPr>
+          <p:style>
+            <a:lnRef idx="2">
+              <a:schemeClr val="accent1">
+                <a:shade val="50000"/>
+              </a:schemeClr>
+            </a:lnRef>
+            <a:fillRef idx="1">
+              <a:schemeClr val="accent1"/>
+            </a:fillRef>
+            <a:effectRef idx="0">
+              <a:schemeClr val="accent1"/>
+            </a:effectRef>
+            <a:fontRef idx="minor">
+              <a:schemeClr val="lt1"/>
+            </a:fontRef>
+          </p:style>
+          <p:txBody>
+            <a:bodyPr rtlCol="0" anchor="ctr"/>
+            <a:lstStyle/>
+            <a:p>
+              <a:pPr algn="ctr"/>
+              <a:endParaRPr lang="en-US"/>
+            </a:p>
+          </p:txBody>
+        </p:sp>
+        <p:sp>
+          <p:nvSpPr>
+            <p:cNvPr id="31" name="Rectangle 66">
+              <a:extLst>
+                <a:ext uri="{FF2B5EF4-FFF2-40B4-BE49-F238E27FC236}">
+                  <a16:creationId xmlns:a16="http://schemas.microsoft.com/office/drawing/2014/main" id="{C55FA82F-F553-43E0-8D6D-E7FD3C17BC44}"/>
+                </a:ext>
+                <a:ext uri="{C183D7F6-B498-43B3-948B-1728B52AA6E4}">
+                  <adec:decorative xmlns:adec="http://schemas.microsoft.com/office/drawing/2017/decorative" val="1"/>
+                </a:ext>
+              </a:extLst>
+            </p:cNvPr>
+            <p:cNvSpPr/>
+            <p:nvPr>
+              <p:extLst>
+                <p:ext uri="{386F3935-93C4-4BCD-93E2-E3B085C9AB24}">
+                  <p16:designElem xmlns:p16="http://schemas.microsoft.com/office/powerpoint/2015/main" val="1"/>
+                </p:ext>
+              </p:extLst>
+            </p:nvPr>
+          </p:nvSpPr>
+          <p:spPr>
+            <a:xfrm>
+              <a:off x="5679188" y="237744"/>
+              <a:ext cx="61834" cy="59227"/>
+            </a:xfrm>
+            <a:prstGeom prst="ellipse">
+              <a:avLst/>
+            </a:prstGeom>
+            <a:solidFill>
+              <a:schemeClr val="accent1"/>
+            </a:solidFill>
+            <a:ln>
+              <a:noFill/>
+            </a:ln>
+          </p:spPr>
+          <p:style>
+            <a:lnRef idx="2">
+              <a:schemeClr val="accent1">
+                <a:shade val="50000"/>
+              </a:schemeClr>
+            </a:lnRef>
+            <a:fillRef idx="1">
+              <a:schemeClr val="accent1"/>
+            </a:fillRef>
+            <a:effectRef idx="0">
+              <a:schemeClr val="accent1"/>
+            </a:effectRef>
+            <a:fontRef idx="minor">
+              <a:schemeClr val="lt1"/>
+            </a:fontRef>
+          </p:style>
+          <p:txBody>
+            <a:bodyPr rtlCol="0" anchor="ctr"/>
+            <a:lstStyle/>
+            <a:p>
+              <a:pPr algn="ctr"/>
+              <a:endParaRPr lang="en-US"/>
+            </a:p>
+          </p:txBody>
+        </p:sp>
+        <p:sp>
+          <p:nvSpPr>
+            <p:cNvPr id="32" name="Rectangle 64">
+              <a:extLst>
+                <a:ext uri="{FF2B5EF4-FFF2-40B4-BE49-F238E27FC236}">
+                  <a16:creationId xmlns:a16="http://schemas.microsoft.com/office/drawing/2014/main" id="{B66ED163-A979-4CEB-ACD2-5EC30B0B593A}"/>
+                </a:ext>
+                <a:ext uri="{C183D7F6-B498-43B3-948B-1728B52AA6E4}">
+                  <adec:decorative xmlns:adec="http://schemas.microsoft.com/office/drawing/2017/decorative" val="1"/>
+                </a:ext>
+              </a:extLst>
+            </p:cNvPr>
+            <p:cNvSpPr/>
+            <p:nvPr>
+              <p:extLst>
+                <p:ext uri="{386F3935-93C4-4BCD-93E2-E3B085C9AB24}">
+                  <p16:designElem xmlns:p16="http://schemas.microsoft.com/office/powerpoint/2015/main" val="1"/>
+                </p:ext>
+              </p:extLst>
+            </p:nvPr>
+          </p:nvSpPr>
+          <p:spPr>
+            <a:xfrm>
+              <a:off x="5537074" y="73152"/>
+              <a:ext cx="61834" cy="59227"/>
+            </a:xfrm>
+            <a:prstGeom prst="ellipse">
+              <a:avLst/>
+            </a:prstGeom>
+            <a:solidFill>
+              <a:schemeClr val="accent1"/>
+            </a:solidFill>
+            <a:ln>
+              <a:noFill/>
+            </a:ln>
+          </p:spPr>
+          <p:style>
+            <a:lnRef idx="2">
+              <a:schemeClr val="accent1">
+                <a:shade val="50000"/>
+              </a:schemeClr>
+            </a:lnRef>
+            <a:fillRef idx="1">
+              <a:schemeClr val="accent1"/>
+            </a:fillRef>
+            <a:effectRef idx="0">
+              <a:schemeClr val="accent1"/>
+            </a:effectRef>
+            <a:fontRef idx="minor">
+              <a:schemeClr val="lt1"/>
+            </a:fontRef>
+          </p:style>
+          <p:txBody>
+            <a:bodyPr rtlCol="0" anchor="ctr"/>
+            <a:lstStyle/>
+            <a:p>
+              <a:pPr algn="ctr"/>
+              <a:endParaRPr lang="en-US"/>
+            </a:p>
+          </p:txBody>
+        </p:sp>
+        <p:sp>
+          <p:nvSpPr>
+            <p:cNvPr id="33" name="Rectangle 66">
+              <a:extLst>
+                <a:ext uri="{FF2B5EF4-FFF2-40B4-BE49-F238E27FC236}">
+                  <a16:creationId xmlns:a16="http://schemas.microsoft.com/office/drawing/2014/main" id="{45A2DEB9-F649-4444-8DEA-3B7C3F61FEC3}"/>
+                </a:ext>
+                <a:ext uri="{C183D7F6-B498-43B3-948B-1728B52AA6E4}">
+                  <adec:decorative xmlns:adec="http://schemas.microsoft.com/office/drawing/2017/decorative" val="1"/>
+                </a:ext>
+              </a:extLst>
+            </p:cNvPr>
+            <p:cNvSpPr/>
+            <p:nvPr>
+              <p:extLst>
+                <p:ext uri="{386F3935-93C4-4BCD-93E2-E3B085C9AB24}">
+                  <p16:designElem xmlns:p16="http://schemas.microsoft.com/office/powerpoint/2015/main" val="1"/>
+                </p:ext>
+              </p:extLst>
+            </p:nvPr>
+          </p:nvSpPr>
+          <p:spPr>
+            <a:xfrm>
+              <a:off x="5537074" y="237744"/>
+              <a:ext cx="61834" cy="59227"/>
+            </a:xfrm>
+            <a:prstGeom prst="ellipse">
+              <a:avLst/>
+            </a:prstGeom>
+            <a:solidFill>
+              <a:schemeClr val="accent1"/>
+            </a:solidFill>
+            <a:ln>
+              <a:noFill/>
+            </a:ln>
+          </p:spPr>
+          <p:style>
+            <a:lnRef idx="2">
+              <a:schemeClr val="accent1">
+                <a:shade val="50000"/>
+              </a:schemeClr>
+            </a:lnRef>
+            <a:fillRef idx="1">
+              <a:schemeClr val="accent1"/>
+            </a:fillRef>
+            <a:effectRef idx="0">
+              <a:schemeClr val="accent1"/>
+            </a:effectRef>
+            <a:fontRef idx="minor">
+              <a:schemeClr val="lt1"/>
+            </a:fontRef>
+          </p:style>
+          <p:txBody>
+            <a:bodyPr rtlCol="0" anchor="ctr"/>
+            <a:lstStyle/>
+            <a:p>
+              <a:pPr algn="ctr"/>
+              <a:endParaRPr lang="en-US"/>
+            </a:p>
+          </p:txBody>
+        </p:sp>
+        <p:sp>
+          <p:nvSpPr>
+            <p:cNvPr id="34" name="Rectangle 64">
+              <a:extLst>
+                <a:ext uri="{FF2B5EF4-FFF2-40B4-BE49-F238E27FC236}">
+                  <a16:creationId xmlns:a16="http://schemas.microsoft.com/office/drawing/2014/main" id="{D72774A2-4D85-4587-B924-B0B969248224}"/>
+                </a:ext>
+                <a:ext uri="{C183D7F6-B498-43B3-948B-1728B52AA6E4}">
+                  <adec:decorative xmlns:adec="http://schemas.microsoft.com/office/drawing/2017/decorative" val="1"/>
+                </a:ext>
+              </a:extLst>
+            </p:cNvPr>
+            <p:cNvSpPr/>
+            <p:nvPr>
+              <p:extLst>
+                <p:ext uri="{386F3935-93C4-4BCD-93E2-E3B085C9AB24}">
+                  <p16:designElem xmlns:p16="http://schemas.microsoft.com/office/powerpoint/2015/main" val="1"/>
+                </p:ext>
+              </p:extLst>
+            </p:nvPr>
+          </p:nvSpPr>
+          <p:spPr>
+            <a:xfrm>
+              <a:off x="5394960" y="73152"/>
+              <a:ext cx="61834" cy="59227"/>
+            </a:xfrm>
+            <a:prstGeom prst="ellipse">
+              <a:avLst/>
+            </a:prstGeom>
+            <a:solidFill>
+              <a:schemeClr val="accent1"/>
+            </a:solidFill>
+            <a:ln>
+              <a:noFill/>
+            </a:ln>
+          </p:spPr>
+          <p:style>
+            <a:lnRef idx="2">
+              <a:schemeClr val="accent1">
+                <a:shade val="50000"/>
+              </a:schemeClr>
+            </a:lnRef>
+            <a:fillRef idx="1">
+              <a:schemeClr val="accent1"/>
+            </a:fillRef>
+            <a:effectRef idx="0">
+              <a:schemeClr val="accent1"/>
+            </a:effectRef>
+            <a:fontRef idx="minor">
+              <a:schemeClr val="lt1"/>
+            </a:fontRef>
+          </p:style>
+          <p:txBody>
+            <a:bodyPr rtlCol="0" anchor="ctr"/>
+            <a:lstStyle/>
+            <a:p>
+              <a:pPr algn="ctr"/>
+              <a:endParaRPr lang="en-US"/>
+            </a:p>
+          </p:txBody>
+        </p:sp>
+        <p:sp>
+          <p:nvSpPr>
+            <p:cNvPr id="35" name="Rectangle 66">
+              <a:extLst>
+                <a:ext uri="{FF2B5EF4-FFF2-40B4-BE49-F238E27FC236}">
+                  <a16:creationId xmlns:a16="http://schemas.microsoft.com/office/drawing/2014/main" id="{49F912DB-0537-4BEF-925D-68320382D92C}"/>
+                </a:ext>
+                <a:ext uri="{C183D7F6-B498-43B3-948B-1728B52AA6E4}">
+                  <adec:decorative xmlns:adec="http://schemas.microsoft.com/office/drawing/2017/decorative" val="1"/>
+                </a:ext>
+              </a:extLst>
+            </p:cNvPr>
+            <p:cNvSpPr/>
+            <p:nvPr>
+              <p:extLst>
+                <p:ext uri="{386F3935-93C4-4BCD-93E2-E3B085C9AB24}">
+                  <p16:designElem xmlns:p16="http://schemas.microsoft.com/office/powerpoint/2015/main" val="1"/>
+                </p:ext>
+              </p:extLst>
+            </p:nvPr>
+          </p:nvSpPr>
+          <p:spPr>
+            <a:xfrm>
+              <a:off x="5394960" y="237744"/>
+              <a:ext cx="61834" cy="59227"/>
+            </a:xfrm>
+            <a:prstGeom prst="ellipse">
+              <a:avLst/>
+            </a:prstGeom>
+            <a:solidFill>
+              <a:schemeClr val="accent1"/>
+            </a:solidFill>
+            <a:ln>
+              <a:noFill/>
+            </a:ln>
+          </p:spPr>
+          <p:style>
+            <a:lnRef idx="2">
+              <a:schemeClr val="accent1">
+                <a:shade val="50000"/>
+              </a:schemeClr>
+            </a:lnRef>
+            <a:fillRef idx="1">
+              <a:schemeClr val="accent1"/>
+            </a:fillRef>
+            <a:effectRef idx="0">
+              <a:schemeClr val="accent1"/>
+            </a:effectRef>
+            <a:fontRef idx="minor">
+              <a:schemeClr val="lt1"/>
+            </a:fontRef>
+          </p:style>
+          <p:txBody>
+            <a:bodyPr rtlCol="0" anchor="ctr"/>
+            <a:lstStyle/>
+            <a:p>
+              <a:pPr algn="ctr"/>
+              <a:endParaRPr lang="en-US"/>
+            </a:p>
+          </p:txBody>
+        </p:sp>
+        <p:sp>
+          <p:nvSpPr>
+            <p:cNvPr id="36" name="Rectangle 64">
+              <a:extLst>
+                <a:ext uri="{FF2B5EF4-FFF2-40B4-BE49-F238E27FC236}">
+                  <a16:creationId xmlns:a16="http://schemas.microsoft.com/office/drawing/2014/main" id="{B7A19C94-DD69-4CD7-9E6C-BB7E1375B331}"/>
+                </a:ext>
+                <a:ext uri="{C183D7F6-B498-43B3-948B-1728B52AA6E4}">
+                  <adec:decorative xmlns:adec="http://schemas.microsoft.com/office/drawing/2017/decorative" val="1"/>
+                </a:ext>
+              </a:extLst>
+            </p:cNvPr>
+            <p:cNvSpPr/>
+            <p:nvPr>
+              <p:extLst>
+                <p:ext uri="{386F3935-93C4-4BCD-93E2-E3B085C9AB24}">
+                  <p16:designElem xmlns:p16="http://schemas.microsoft.com/office/powerpoint/2015/main" val="1"/>
+                </p:ext>
+              </p:extLst>
+            </p:nvPr>
+          </p:nvSpPr>
+          <p:spPr>
+            <a:xfrm>
+              <a:off x="6673986" y="73152"/>
+              <a:ext cx="61834" cy="59227"/>
+            </a:xfrm>
+            <a:prstGeom prst="ellipse">
+              <a:avLst/>
+            </a:prstGeom>
+            <a:solidFill>
+              <a:schemeClr val="accent1"/>
+            </a:solidFill>
+            <a:ln>
+              <a:noFill/>
+            </a:ln>
+          </p:spPr>
+          <p:style>
+            <a:lnRef idx="2">
+              <a:schemeClr val="accent1">
+                <a:shade val="50000"/>
+              </a:schemeClr>
+            </a:lnRef>
+            <a:fillRef idx="1">
+              <a:schemeClr val="accent1"/>
+            </a:fillRef>
+            <a:effectRef idx="0">
+              <a:schemeClr val="accent1"/>
+            </a:effectRef>
+            <a:fontRef idx="minor">
+              <a:schemeClr val="lt1"/>
+            </a:fontRef>
+          </p:style>
+          <p:txBody>
+            <a:bodyPr rtlCol="0" anchor="ctr"/>
+            <a:lstStyle/>
+            <a:p>
+              <a:pPr algn="ctr"/>
+              <a:endParaRPr lang="en-US"/>
+            </a:p>
+          </p:txBody>
+        </p:sp>
+        <p:sp>
+          <p:nvSpPr>
+            <p:cNvPr id="37" name="Rectangle 66">
+              <a:extLst>
+                <a:ext uri="{FF2B5EF4-FFF2-40B4-BE49-F238E27FC236}">
+                  <a16:creationId xmlns:a16="http://schemas.microsoft.com/office/drawing/2014/main" id="{B3DB7244-56D2-4F58-AF3C-8F94C3BAACDF}"/>
+                </a:ext>
+                <a:ext uri="{C183D7F6-B498-43B3-948B-1728B52AA6E4}">
+                  <adec:decorative xmlns:adec="http://schemas.microsoft.com/office/drawing/2017/decorative" val="1"/>
+                </a:ext>
+              </a:extLst>
+            </p:cNvPr>
+            <p:cNvSpPr/>
+            <p:nvPr>
+              <p:extLst>
+                <p:ext uri="{386F3935-93C4-4BCD-93E2-E3B085C9AB24}">
+                  <p16:designElem xmlns:p16="http://schemas.microsoft.com/office/powerpoint/2015/main" val="1"/>
+                </p:ext>
+              </p:extLst>
+            </p:nvPr>
+          </p:nvSpPr>
+          <p:spPr>
+            <a:xfrm>
+              <a:off x="6673986" y="237744"/>
+              <a:ext cx="61834" cy="59227"/>
+            </a:xfrm>
+            <a:prstGeom prst="ellipse">
+              <a:avLst/>
+            </a:prstGeom>
+            <a:solidFill>
+              <a:schemeClr val="accent1"/>
+            </a:solidFill>
+            <a:ln>
+              <a:noFill/>
+            </a:ln>
+          </p:spPr>
+          <p:style>
+            <a:lnRef idx="2">
+              <a:schemeClr val="accent1">
+                <a:shade val="50000"/>
+              </a:schemeClr>
+            </a:lnRef>
+            <a:fillRef idx="1">
+              <a:schemeClr val="accent1"/>
+            </a:fillRef>
+            <a:effectRef idx="0">
+              <a:schemeClr val="accent1"/>
+            </a:effectRef>
+            <a:fontRef idx="minor">
+              <a:schemeClr val="lt1"/>
+            </a:fontRef>
+          </p:style>
+          <p:txBody>
+            <a:bodyPr rtlCol="0" anchor="ctr"/>
+            <a:lstStyle/>
+            <a:p>
+              <a:pPr algn="ctr"/>
+              <a:endParaRPr lang="en-US"/>
+            </a:p>
+          </p:txBody>
+        </p:sp>
+        <p:sp>
+          <p:nvSpPr>
+            <p:cNvPr id="38" name="Rectangle 64">
+              <a:extLst>
+                <a:ext uri="{FF2B5EF4-FFF2-40B4-BE49-F238E27FC236}">
+                  <a16:creationId xmlns:a16="http://schemas.microsoft.com/office/drawing/2014/main" id="{5B21E4F4-B76C-4450-A5E9-16228E34A3A3}"/>
+                </a:ext>
+                <a:ext uri="{C183D7F6-B498-43B3-948B-1728B52AA6E4}">
+                  <adec:decorative xmlns:adec="http://schemas.microsoft.com/office/drawing/2017/decorative" val="1"/>
+                </a:ext>
+              </a:extLst>
+            </p:cNvPr>
+            <p:cNvSpPr/>
+            <p:nvPr>
+              <p:extLst>
+                <p:ext uri="{386F3935-93C4-4BCD-93E2-E3B085C9AB24}">
+                  <p16:designElem xmlns:p16="http://schemas.microsoft.com/office/powerpoint/2015/main" val="1"/>
+                </p:ext>
+              </p:extLst>
+            </p:nvPr>
+          </p:nvSpPr>
+          <p:spPr>
+            <a:xfrm>
+              <a:off x="6531873" y="73152"/>
+              <a:ext cx="61834" cy="59227"/>
+            </a:xfrm>
+            <a:prstGeom prst="ellipse">
+              <a:avLst/>
+            </a:prstGeom>
+            <a:solidFill>
+              <a:schemeClr val="accent1"/>
+            </a:solidFill>
+            <a:ln>
+              <a:noFill/>
+            </a:ln>
+          </p:spPr>
+          <p:style>
+            <a:lnRef idx="2">
+              <a:schemeClr val="accent1">
+                <a:shade val="50000"/>
+              </a:schemeClr>
+            </a:lnRef>
+            <a:fillRef idx="1">
+              <a:schemeClr val="accent1"/>
+            </a:fillRef>
+            <a:effectRef idx="0">
+              <a:schemeClr val="accent1"/>
+            </a:effectRef>
+            <a:fontRef idx="minor">
+              <a:schemeClr val="lt1"/>
+            </a:fontRef>
+          </p:style>
+          <p:txBody>
+            <a:bodyPr rtlCol="0" anchor="ctr"/>
+            <a:lstStyle/>
+            <a:p>
+              <a:pPr algn="ctr"/>
+              <a:endParaRPr lang="en-US"/>
+            </a:p>
+          </p:txBody>
+        </p:sp>
+        <p:sp>
+          <p:nvSpPr>
+            <p:cNvPr id="39" name="Rectangle 66">
+              <a:extLst>
+                <a:ext uri="{FF2B5EF4-FFF2-40B4-BE49-F238E27FC236}">
+                  <a16:creationId xmlns:a16="http://schemas.microsoft.com/office/drawing/2014/main" id="{77A6DBBF-BEC9-48F0-B79A-F4E16FCA713A}"/>
+                </a:ext>
+                <a:ext uri="{C183D7F6-B498-43B3-948B-1728B52AA6E4}">
+                  <adec:decorative xmlns:adec="http://schemas.microsoft.com/office/drawing/2017/decorative" val="1"/>
+                </a:ext>
+              </a:extLst>
+            </p:cNvPr>
+            <p:cNvSpPr/>
+            <p:nvPr>
+              <p:extLst>
+                <p:ext uri="{386F3935-93C4-4BCD-93E2-E3B085C9AB24}">
+                  <p16:designElem xmlns:p16="http://schemas.microsoft.com/office/powerpoint/2015/main" val="1"/>
+                </p:ext>
+              </p:extLst>
+            </p:nvPr>
+          </p:nvSpPr>
+          <p:spPr>
+            <a:xfrm>
+              <a:off x="6531873" y="237744"/>
+              <a:ext cx="61834" cy="59227"/>
+            </a:xfrm>
+            <a:prstGeom prst="ellipse">
+              <a:avLst/>
+            </a:prstGeom>
+            <a:solidFill>
+              <a:schemeClr val="accent1"/>
+            </a:solidFill>
+            <a:ln>
+              <a:noFill/>
+            </a:ln>
+          </p:spPr>
+          <p:style>
+            <a:lnRef idx="2">
+              <a:schemeClr val="accent1">
+                <a:shade val="50000"/>
+              </a:schemeClr>
+            </a:lnRef>
+            <a:fillRef idx="1">
+              <a:schemeClr val="accent1"/>
+            </a:fillRef>
+            <a:effectRef idx="0">
+              <a:schemeClr val="accent1"/>
+            </a:effectRef>
+            <a:fontRef idx="minor">
+              <a:schemeClr val="lt1"/>
+            </a:fontRef>
+          </p:style>
+          <p:txBody>
+            <a:bodyPr rtlCol="0" anchor="ctr"/>
+            <a:lstStyle/>
+            <a:p>
+              <a:pPr algn="ctr"/>
+              <a:endParaRPr lang="en-US"/>
+            </a:p>
+          </p:txBody>
+        </p:sp>
+        <p:sp>
+          <p:nvSpPr>
+            <p:cNvPr id="40" name="Rectangle 64">
+              <a:extLst>
+                <a:ext uri="{FF2B5EF4-FFF2-40B4-BE49-F238E27FC236}">
+                  <a16:creationId xmlns:a16="http://schemas.microsoft.com/office/drawing/2014/main" id="{124B0717-5326-4BAF-ACD2-EAB61E02DD32}"/>
+                </a:ext>
+                <a:ext uri="{C183D7F6-B498-43B3-948B-1728B52AA6E4}">
+                  <adec:decorative xmlns:adec="http://schemas.microsoft.com/office/drawing/2017/decorative" val="1"/>
+                </a:ext>
+              </a:extLst>
+            </p:cNvPr>
+            <p:cNvSpPr/>
+            <p:nvPr>
+              <p:extLst>
+                <p:ext uri="{386F3935-93C4-4BCD-93E2-E3B085C9AB24}">
+                  <p16:designElem xmlns:p16="http://schemas.microsoft.com/office/powerpoint/2015/main" val="1"/>
+                </p:ext>
+              </p:extLst>
+            </p:nvPr>
+          </p:nvSpPr>
+          <p:spPr>
+            <a:xfrm>
+              <a:off x="6389759" y="73152"/>
+              <a:ext cx="61834" cy="59227"/>
+            </a:xfrm>
+            <a:prstGeom prst="ellipse">
+              <a:avLst/>
+            </a:prstGeom>
+            <a:solidFill>
+              <a:schemeClr val="accent1"/>
+            </a:solidFill>
+            <a:ln>
+              <a:noFill/>
+            </a:ln>
+          </p:spPr>
+          <p:style>
+            <a:lnRef idx="2">
+              <a:schemeClr val="accent1">
+                <a:shade val="50000"/>
+              </a:schemeClr>
+            </a:lnRef>
+            <a:fillRef idx="1">
+              <a:schemeClr val="accent1"/>
+            </a:fillRef>
+            <a:effectRef idx="0">
+              <a:schemeClr val="accent1"/>
+            </a:effectRef>
+            <a:fontRef idx="minor">
+              <a:schemeClr val="lt1"/>
+            </a:fontRef>
+          </p:style>
+          <p:txBody>
+            <a:bodyPr rtlCol="0" anchor="ctr"/>
+            <a:lstStyle/>
+            <a:p>
+              <a:pPr algn="ctr"/>
+              <a:endParaRPr lang="en-US"/>
+            </a:p>
+          </p:txBody>
+        </p:sp>
+        <p:sp>
+          <p:nvSpPr>
+            <p:cNvPr id="41" name="Rectangle 66">
+              <a:extLst>
+                <a:ext uri="{FF2B5EF4-FFF2-40B4-BE49-F238E27FC236}">
+                  <a16:creationId xmlns:a16="http://schemas.microsoft.com/office/drawing/2014/main" id="{D936008B-7A70-4C98-8516-2649041325B9}"/>
+                </a:ext>
+                <a:ext uri="{C183D7F6-B498-43B3-948B-1728B52AA6E4}">
+                  <adec:decorative xmlns:adec="http://schemas.microsoft.com/office/drawing/2017/decorative" val="1"/>
+                </a:ext>
+              </a:extLst>
+            </p:cNvPr>
+            <p:cNvSpPr/>
+            <p:nvPr>
+              <p:extLst>
+                <p:ext uri="{386F3935-93C4-4BCD-93E2-E3B085C9AB24}">
+                  <p16:designElem xmlns:p16="http://schemas.microsoft.com/office/powerpoint/2015/main" val="1"/>
+                </p:ext>
+              </p:extLst>
+            </p:nvPr>
+          </p:nvSpPr>
+          <p:spPr>
+            <a:xfrm>
+              <a:off x="6389759" y="237744"/>
+              <a:ext cx="61834" cy="59227"/>
+            </a:xfrm>
+            <a:prstGeom prst="ellipse">
+              <a:avLst/>
+            </a:prstGeom>
+            <a:solidFill>
+              <a:schemeClr val="accent1"/>
+            </a:solidFill>
+            <a:ln>
+              <a:noFill/>
+            </a:ln>
+          </p:spPr>
+          <p:style>
+            <a:lnRef idx="2">
+              <a:schemeClr val="accent1">
+                <a:shade val="50000"/>
+              </a:schemeClr>
+            </a:lnRef>
+            <a:fillRef idx="1">
+              <a:schemeClr val="accent1"/>
+            </a:fillRef>
+            <a:effectRef idx="0">
+              <a:schemeClr val="accent1"/>
+            </a:effectRef>
+            <a:fontRef idx="minor">
+              <a:schemeClr val="lt1"/>
+            </a:fontRef>
+          </p:style>
+          <p:txBody>
+            <a:bodyPr rtlCol="0" anchor="ctr"/>
+            <a:lstStyle/>
+            <a:p>
+              <a:pPr algn="ctr"/>
+              <a:endParaRPr lang="en-US"/>
+            </a:p>
+          </p:txBody>
+        </p:sp>
+        <p:sp>
+          <p:nvSpPr>
+            <p:cNvPr id="42" name="Rectangle 64">
+              <a:extLst>
+                <a:ext uri="{FF2B5EF4-FFF2-40B4-BE49-F238E27FC236}">
+                  <a16:creationId xmlns:a16="http://schemas.microsoft.com/office/drawing/2014/main" id="{9A52D630-68E6-4244-9512-2145F6C699C9}"/>
+                </a:ext>
+                <a:ext uri="{C183D7F6-B498-43B3-948B-1728B52AA6E4}">
+                  <adec:decorative xmlns:adec="http://schemas.microsoft.com/office/drawing/2017/decorative" val="1"/>
+                </a:ext>
+              </a:extLst>
+            </p:cNvPr>
+            <p:cNvSpPr/>
+            <p:nvPr>
+              <p:extLst>
+                <p:ext uri="{386F3935-93C4-4BCD-93E2-E3B085C9AB24}">
+                  <p16:designElem xmlns:p16="http://schemas.microsoft.com/office/powerpoint/2015/main" val="1"/>
+                </p:ext>
+              </p:extLst>
+            </p:nvPr>
+          </p:nvSpPr>
+          <p:spPr>
+            <a:xfrm>
+              <a:off x="6247645" y="73152"/>
+              <a:ext cx="61834" cy="59227"/>
+            </a:xfrm>
+            <a:prstGeom prst="ellipse">
+              <a:avLst/>
+            </a:prstGeom>
+            <a:solidFill>
+              <a:schemeClr val="accent1"/>
+            </a:solidFill>
+            <a:ln>
+              <a:noFill/>
+            </a:ln>
+          </p:spPr>
+          <p:style>
+            <a:lnRef idx="2">
+              <a:schemeClr val="accent1">
+                <a:shade val="50000"/>
+              </a:schemeClr>
+            </a:lnRef>
+            <a:fillRef idx="1">
+              <a:schemeClr val="accent1"/>
+            </a:fillRef>
+            <a:effectRef idx="0">
+              <a:schemeClr val="accent1"/>
+            </a:effectRef>
+            <a:fontRef idx="minor">
+              <a:schemeClr val="lt1"/>
+            </a:fontRef>
+          </p:style>
+          <p:txBody>
+            <a:bodyPr rtlCol="0" anchor="ctr"/>
+            <a:lstStyle/>
+            <a:p>
+              <a:pPr algn="ctr"/>
+              <a:endParaRPr lang="en-US"/>
+            </a:p>
+          </p:txBody>
+        </p:sp>
+        <p:sp>
+          <p:nvSpPr>
+            <p:cNvPr id="43" name="Rectangle 66">
+              <a:extLst>
+                <a:ext uri="{FF2B5EF4-FFF2-40B4-BE49-F238E27FC236}">
+                  <a16:creationId xmlns:a16="http://schemas.microsoft.com/office/drawing/2014/main" id="{8951EAF5-C904-498D-8CD4-40F9DDEEE6A1}"/>
+                </a:ext>
+                <a:ext uri="{C183D7F6-B498-43B3-948B-1728B52AA6E4}">
+                  <adec:decorative xmlns:adec="http://schemas.microsoft.com/office/drawing/2017/decorative" val="1"/>
+                </a:ext>
+              </a:extLst>
+            </p:cNvPr>
+            <p:cNvSpPr/>
+            <p:nvPr>
+              <p:extLst>
+                <p:ext uri="{386F3935-93C4-4BCD-93E2-E3B085C9AB24}">
+                  <p16:designElem xmlns:p16="http://schemas.microsoft.com/office/powerpoint/2015/main" val="1"/>
+                </p:ext>
+              </p:extLst>
+            </p:nvPr>
+          </p:nvSpPr>
+          <p:spPr>
+            <a:xfrm>
+              <a:off x="6247645" y="237744"/>
+              <a:ext cx="61834" cy="59227"/>
+            </a:xfrm>
+            <a:prstGeom prst="ellipse">
+              <a:avLst/>
+            </a:prstGeom>
+            <a:solidFill>
+              <a:schemeClr val="accent1"/>
+            </a:solidFill>
+            <a:ln>
+              <a:noFill/>
+            </a:ln>
+          </p:spPr>
+          <p:style>
+            <a:lnRef idx="2">
+              <a:schemeClr val="accent1">
+                <a:shade val="50000"/>
+              </a:schemeClr>
+            </a:lnRef>
+            <a:fillRef idx="1">
+              <a:schemeClr val="accent1"/>
+            </a:fillRef>
+            <a:effectRef idx="0">
+              <a:schemeClr val="accent1"/>
+            </a:effectRef>
+            <a:fontRef idx="minor">
+              <a:schemeClr val="lt1"/>
+            </a:fontRef>
+          </p:style>
+          <p:txBody>
+            <a:bodyPr rtlCol="0" anchor="ctr"/>
+            <a:lstStyle/>
+            <a:p>
+              <a:pPr algn="ctr"/>
+              <a:endParaRPr lang="en-US"/>
+            </a:p>
+          </p:txBody>
+        </p:sp>
+        <p:sp>
+          <p:nvSpPr>
+            <p:cNvPr id="44" name="Rectangle 64">
+              <a:extLst>
+                <a:ext uri="{FF2B5EF4-FFF2-40B4-BE49-F238E27FC236}">
+                  <a16:creationId xmlns:a16="http://schemas.microsoft.com/office/drawing/2014/main" id="{AE84EBEA-F60C-4F03-AFC9-97FDC7B0A7F2}"/>
+                </a:ext>
+                <a:ext uri="{C183D7F6-B498-43B3-948B-1728B52AA6E4}">
+                  <adec:decorative xmlns:adec="http://schemas.microsoft.com/office/drawing/2017/decorative" val="1"/>
+                </a:ext>
+              </a:extLst>
+            </p:cNvPr>
+            <p:cNvSpPr/>
+            <p:nvPr>
+              <p:extLst>
+                <p:ext uri="{386F3935-93C4-4BCD-93E2-E3B085C9AB24}">
+                  <p16:designElem xmlns:p16="http://schemas.microsoft.com/office/powerpoint/2015/main" val="1"/>
+                </p:ext>
+              </p:extLst>
+            </p:nvPr>
+          </p:nvSpPr>
+          <p:spPr>
+            <a:xfrm>
+              <a:off x="6105531" y="73152"/>
+              <a:ext cx="61834" cy="59227"/>
+            </a:xfrm>
+            <a:prstGeom prst="ellipse">
+              <a:avLst/>
+            </a:prstGeom>
+            <a:solidFill>
+              <a:schemeClr val="accent1"/>
+            </a:solidFill>
+            <a:ln>
+              <a:noFill/>
+            </a:ln>
+          </p:spPr>
+          <p:style>
+            <a:lnRef idx="2">
+              <a:schemeClr val="accent1">
+                <a:shade val="50000"/>
+              </a:schemeClr>
+            </a:lnRef>
+            <a:fillRef idx="1">
+              <a:schemeClr val="accent1"/>
+            </a:fillRef>
+            <a:effectRef idx="0">
+              <a:schemeClr val="accent1"/>
+            </a:effectRef>
+            <a:fontRef idx="minor">
+              <a:schemeClr val="lt1"/>
+            </a:fontRef>
+          </p:style>
+          <p:txBody>
+            <a:bodyPr rtlCol="0" anchor="ctr"/>
+            <a:lstStyle/>
+            <a:p>
+              <a:pPr algn="ctr"/>
+              <a:endParaRPr lang="en-US"/>
+            </a:p>
+          </p:txBody>
+        </p:sp>
+        <p:sp>
+          <p:nvSpPr>
+            <p:cNvPr id="45" name="Rectangle 66">
+              <a:extLst>
+                <a:ext uri="{FF2B5EF4-FFF2-40B4-BE49-F238E27FC236}">
+                  <a16:creationId xmlns:a16="http://schemas.microsoft.com/office/drawing/2014/main" id="{C7D1B797-2404-4431-8D75-FC8DF6508567}"/>
+                </a:ext>
+                <a:ext uri="{C183D7F6-B498-43B3-948B-1728B52AA6E4}">
+                  <adec:decorative xmlns:adec="http://schemas.microsoft.com/office/drawing/2017/decorative" val="1"/>
+                </a:ext>
+              </a:extLst>
+            </p:cNvPr>
+            <p:cNvSpPr/>
+            <p:nvPr>
+              <p:extLst>
+                <p:ext uri="{386F3935-93C4-4BCD-93E2-E3B085C9AB24}">
+                  <p16:designElem xmlns:p16="http://schemas.microsoft.com/office/powerpoint/2015/main" val="1"/>
+                </p:ext>
+              </p:extLst>
+            </p:nvPr>
+          </p:nvSpPr>
+          <p:spPr>
+            <a:xfrm>
+              <a:off x="6105531" y="237744"/>
+              <a:ext cx="61834" cy="59227"/>
+            </a:xfrm>
+            <a:prstGeom prst="ellipse">
+              <a:avLst/>
+            </a:prstGeom>
+            <a:solidFill>
+              <a:schemeClr val="accent1"/>
+            </a:solidFill>
+            <a:ln>
+              <a:noFill/>
+            </a:ln>
+          </p:spPr>
+          <p:style>
+            <a:lnRef idx="2">
+              <a:schemeClr val="accent1">
+                <a:shade val="50000"/>
+              </a:schemeClr>
+            </a:lnRef>
+            <a:fillRef idx="1">
+              <a:schemeClr val="accent1"/>
+            </a:fillRef>
+            <a:effectRef idx="0">
+              <a:schemeClr val="accent1"/>
+            </a:effectRef>
+            <a:fontRef idx="minor">
+              <a:schemeClr val="lt1"/>
+            </a:fontRef>
+          </p:style>
+          <p:txBody>
+            <a:bodyPr rtlCol="0" anchor="ctr"/>
+            <a:lstStyle/>
+            <a:p>
+              <a:pPr algn="ctr"/>
+              <a:endParaRPr lang="en-US"/>
+            </a:p>
+          </p:txBody>
+        </p:sp>
+      </p:grpSp>
+      <p:pic>
+        <p:nvPicPr>
+          <p:cNvPr id="5" name="Picture 4">
+            <a:extLst>
+              <a:ext uri="{FF2B5EF4-FFF2-40B4-BE49-F238E27FC236}">
+                <a16:creationId xmlns:a16="http://schemas.microsoft.com/office/drawing/2014/main" id="{AFE1F1AA-9178-461E-B6B8-88530FE3ABFB}"/>
+              </a:ext>
+            </a:extLst>
+          </p:cNvPr>
+          <p:cNvPicPr>
+            <a:picLocks noChangeAspect="1"/>
+          </p:cNvPicPr>
+          <p:nvPr/>
+        </p:nvPicPr>
+        <p:blipFill>
+          <a:blip r:embed="rId2"/>
+          <a:stretch>
+            <a:fillRect/>
+          </a:stretch>
+        </p:blipFill>
+        <p:spPr>
+          <a:xfrm>
+            <a:off x="228600" y="3392180"/>
+            <a:ext cx="3794760" cy="2427829"/>
+          </a:xfrm>
+          <a:prstGeom prst="rect">
+            <a:avLst/>
+          </a:prstGeom>
+        </p:spPr>
+      </p:pic>
+      <p:pic>
+        <p:nvPicPr>
+          <p:cNvPr id="7" name="Picture 6">
+            <a:extLst>
+              <a:ext uri="{FF2B5EF4-FFF2-40B4-BE49-F238E27FC236}">
+                <a16:creationId xmlns:a16="http://schemas.microsoft.com/office/drawing/2014/main" id="{0E027873-B5CF-4E4F-89B1-9AF91E8B0FCF}"/>
+              </a:ext>
+            </a:extLst>
+          </p:cNvPr>
+          <p:cNvPicPr>
+            <a:picLocks noChangeAspect="1"/>
+          </p:cNvPicPr>
+          <p:nvPr/>
+        </p:nvPicPr>
+        <p:blipFill>
+          <a:blip r:embed="rId3"/>
+          <a:stretch>
+            <a:fillRect/>
+          </a:stretch>
+        </p:blipFill>
+        <p:spPr>
+          <a:xfrm>
+            <a:off x="4197096" y="3390561"/>
+            <a:ext cx="3794760" cy="2408213"/>
+          </a:xfrm>
+          <a:prstGeom prst="rect">
+            <a:avLst/>
+          </a:prstGeom>
+        </p:spPr>
+      </p:pic>
+      <p:pic>
+        <p:nvPicPr>
+          <p:cNvPr id="9" name="Picture 8">
+            <a:extLst>
+              <a:ext uri="{FF2B5EF4-FFF2-40B4-BE49-F238E27FC236}">
+                <a16:creationId xmlns:a16="http://schemas.microsoft.com/office/drawing/2014/main" id="{1A89DC3F-9834-4F76-869A-C2AD6FB5BF52}"/>
+              </a:ext>
+            </a:extLst>
+          </p:cNvPr>
+          <p:cNvPicPr>
+            <a:picLocks noChangeAspect="1"/>
+          </p:cNvPicPr>
+          <p:nvPr/>
+        </p:nvPicPr>
+        <p:blipFill>
+          <a:blip r:embed="rId4"/>
+          <a:stretch>
+            <a:fillRect/>
+          </a:stretch>
+        </p:blipFill>
+        <p:spPr>
+          <a:xfrm>
+            <a:off x="8168642" y="3391952"/>
+            <a:ext cx="3794760" cy="1203216"/>
+          </a:xfrm>
+          <a:prstGeom prst="rect">
+            <a:avLst/>
+          </a:prstGeom>
+        </p:spPr>
+      </p:pic>
+      <p:sp>
+        <p:nvSpPr>
+          <p:cNvPr id="47" name="Rectangle 46">
+            <a:extLst>
+              <a:ext uri="{FF2B5EF4-FFF2-40B4-BE49-F238E27FC236}">
+                <a16:creationId xmlns:a16="http://schemas.microsoft.com/office/drawing/2014/main" id="{A628292D-0555-4158-9B1A-07414B27FB1A}"/>
+              </a:ext>
+              <a:ext uri="{C183D7F6-B498-43B3-948B-1728B52AA6E4}">
+                <adec:decorative xmlns:adec="http://schemas.microsoft.com/office/drawing/2017/decorative" val="1"/>
+              </a:ext>
+            </a:extLst>
+          </p:cNvPr>
+          <p:cNvSpPr>
+            <a:spLocks noGrp="1" noRot="1" noChangeAspect="1" noMove="1" noResize="1" noEditPoints="1" noAdjustHandles="1" noChangeArrowheads="1" noChangeShapeType="1" noTextEdit="1"/>
+          </p:cNvSpPr>
+          <p:nvPr>
+            <p:extLst>
+              <p:ext uri="{386F3935-93C4-4BCD-93E2-E3B085C9AB24}">
+                <p16:designElem xmlns:p16="http://schemas.microsoft.com/office/powerpoint/2015/main" val="1"/>
+              </p:ext>
+            </p:extLst>
+          </p:nvPr>
+        </p:nvSpPr>
+        <p:spPr>
+          <a:xfrm flipH="1">
+            <a:off x="0" y="6501384"/>
+            <a:ext cx="12192000" cy="356616"/>
+          </a:xfrm>
+          <a:prstGeom prst="rect">
+            <a:avLst/>
+          </a:prstGeom>
+          <a:solidFill>
+            <a:schemeClr val="tx1">
+              <a:lumMod val="85000"/>
+              <a:lumOff val="15000"/>
+            </a:schemeClr>
+          </a:solidFill>
+          <a:ln>
+            <a:noFill/>
+          </a:ln>
+        </p:spPr>
+        <p:style>
+          <a:lnRef idx="2">
+            <a:schemeClr val="accent1">
+              <a:shade val="50000"/>
+            </a:schemeClr>
+          </a:lnRef>
+          <a:fillRef idx="1">
+            <a:schemeClr val="accent1"/>
+          </a:fillRef>
+          <a:effectRef idx="0">
+            <a:schemeClr val="accent1"/>
+          </a:effectRef>
+          <a:fontRef idx="minor">
+            <a:schemeClr val="lt1"/>
+          </a:fontRef>
+        </p:style>
+        <p:txBody>
+          <a:bodyPr rtlCol="0" anchor="ctr"/>
+          <a:lstStyle/>
+          <a:p>
+            <a:pPr algn="ctr"/>
+            <a:endParaRPr lang="en-US"/>
+          </a:p>
+        </p:txBody>
+      </p:sp>
+    </p:spTree>
+    <p:extLst>
+      <p:ext uri="{BB962C8B-B14F-4D97-AF65-F5344CB8AC3E}">
+        <p14:creationId xmlns:p14="http://schemas.microsoft.com/office/powerpoint/2010/main" val="3539138357"/>
+      </p:ext>
+    </p:extLst>
+  </p:cSld>
+  <p:clrMapOvr>
+    <a:masterClrMapping/>
+  </p:clrMapOvr>
+</p:sld>
+</file>
+
+<file path=ppt/slides/slide20.xml><?xml version="1.0" encoding="utf-8"?>
 <p:sld xmlns:a="http://schemas.openxmlformats.org/drawingml/2006/main" xmlns:r="http://schemas.openxmlformats.org/officeDocument/2006/relationships" xmlns:p="http://schemas.openxmlformats.org/presentationml/2006/main">
   <p:cSld>
     <p:bg>
@@ -16938,1614 +20747,7 @@
 </p:sld>
 </file>
 
-<file path=ppt/slides/slide2.xml><?xml version="1.0" encoding="utf-8"?>
-<p:sld xmlns:a="http://schemas.openxmlformats.org/drawingml/2006/main" xmlns:r="http://schemas.openxmlformats.org/officeDocument/2006/relationships" xmlns:p="http://schemas.openxmlformats.org/presentationml/2006/main">
-  <p:cSld>
-    <p:bg>
-      <p:bgPr>
-        <a:solidFill>
-          <a:schemeClr val="bg1"/>
-        </a:solidFill>
-        <a:effectLst/>
-      </p:bgPr>
-    </p:bg>
-    <p:spTree>
-      <p:nvGrpSpPr>
-        <p:cNvPr id="1" name=""/>
-        <p:cNvGrpSpPr/>
-        <p:nvPr/>
-      </p:nvGrpSpPr>
-      <p:grpSpPr>
-        <a:xfrm>
-          <a:off x="0" y="0"/>
-          <a:ext cx="0" cy="0"/>
-          <a:chOff x="0" y="0"/>
-          <a:chExt cx="0" cy="0"/>
-        </a:xfrm>
-      </p:grpSpPr>
-      <p:sp useBgFill="1">
-        <p:nvSpPr>
-          <p:cNvPr id="21" name="Rectangle 20">
-            <a:extLst>
-              <a:ext uri="{FF2B5EF4-FFF2-40B4-BE49-F238E27FC236}">
-                <a16:creationId xmlns:a16="http://schemas.microsoft.com/office/drawing/2014/main" id="{4545836E-B050-4955-B80E-C5A35AC2F595}"/>
-              </a:ext>
-              <a:ext uri="{C183D7F6-B498-43B3-948B-1728B52AA6E4}">
-                <adec:decorative xmlns:adec="http://schemas.microsoft.com/office/drawing/2017/decorative" val="1"/>
-              </a:ext>
-            </a:extLst>
-          </p:cNvPr>
-          <p:cNvSpPr>
-            <a:spLocks noGrp="1" noRot="1" noChangeAspect="1" noMove="1" noResize="1" noEditPoints="1" noAdjustHandles="1" noChangeArrowheads="1" noChangeShapeType="1" noTextEdit="1"/>
-          </p:cNvSpPr>
-          <p:nvPr>
-            <p:extLst>
-              <p:ext uri="{386F3935-93C4-4BCD-93E2-E3B085C9AB24}">
-                <p16:designElem xmlns:p16="http://schemas.microsoft.com/office/powerpoint/2015/main" val="1"/>
-              </p:ext>
-            </p:extLst>
-          </p:nvPr>
-        </p:nvSpPr>
-        <p:spPr>
-          <a:xfrm>
-            <a:off x="0" y="0"/>
-            <a:ext cx="12192000" cy="6858000"/>
-          </a:xfrm>
-          <a:prstGeom prst="rect">
-            <a:avLst/>
-          </a:prstGeom>
-          <a:ln>
-            <a:noFill/>
-          </a:ln>
-        </p:spPr>
-        <p:style>
-          <a:lnRef idx="2">
-            <a:schemeClr val="accent1">
-              <a:shade val="50000"/>
-            </a:schemeClr>
-          </a:lnRef>
-          <a:fillRef idx="1">
-            <a:schemeClr val="accent1"/>
-          </a:fillRef>
-          <a:effectRef idx="0">
-            <a:schemeClr val="accent1"/>
-          </a:effectRef>
-          <a:fontRef idx="minor">
-            <a:schemeClr val="lt1"/>
-          </a:fontRef>
-        </p:style>
-        <p:txBody>
-          <a:bodyPr rtlCol="0" anchor="ctr"/>
-          <a:lstStyle/>
-          <a:p>
-            <a:pPr algn="ctr"/>
-            <a:endParaRPr lang="en-US"/>
-          </a:p>
-        </p:txBody>
-      </p:sp>
-      <p:sp>
-        <p:nvSpPr>
-          <p:cNvPr id="23" name="Rectangle 62">
-            <a:extLst>
-              <a:ext uri="{FF2B5EF4-FFF2-40B4-BE49-F238E27FC236}">
-                <a16:creationId xmlns:a16="http://schemas.microsoft.com/office/drawing/2014/main" id="{5E6024A1-5F3D-4233-865A-57F6E860561A}"/>
-              </a:ext>
-              <a:ext uri="{C183D7F6-B498-43B3-948B-1728B52AA6E4}">
-                <adec:decorative xmlns:adec="http://schemas.microsoft.com/office/drawing/2017/decorative" val="1"/>
-              </a:ext>
-            </a:extLst>
-          </p:cNvPr>
-          <p:cNvSpPr>
-            <a:spLocks noGrp="1" noRot="1" noChangeAspect="1" noMove="1" noResize="1" noEditPoints="1" noAdjustHandles="1" noChangeArrowheads="1" noChangeShapeType="1" noTextEdit="1"/>
-          </p:cNvSpPr>
-          <p:nvPr>
-            <p:extLst>
-              <p:ext uri="{386F3935-93C4-4BCD-93E2-E3B085C9AB24}">
-                <p16:designElem xmlns:p16="http://schemas.microsoft.com/office/powerpoint/2015/main" val="1"/>
-              </p:ext>
-            </p:extLst>
-          </p:nvPr>
-        </p:nvSpPr>
-        <p:spPr>
-          <a:xfrm rot="5400000">
-            <a:off x="4802473" y="-4805300"/>
-            <a:ext cx="2587052" cy="12192001"/>
-          </a:xfrm>
-          <a:prstGeom prst="rect">
-            <a:avLst/>
-          </a:prstGeom>
-          <a:solidFill>
-            <a:schemeClr val="bg1">
-              <a:lumMod val="95000"/>
-            </a:schemeClr>
-          </a:solidFill>
-          <a:ln>
-            <a:noFill/>
-          </a:ln>
-        </p:spPr>
-        <p:style>
-          <a:lnRef idx="2">
-            <a:schemeClr val="accent1">
-              <a:shade val="50000"/>
-            </a:schemeClr>
-          </a:lnRef>
-          <a:fillRef idx="1">
-            <a:schemeClr val="accent1"/>
-          </a:fillRef>
-          <a:effectRef idx="0">
-            <a:schemeClr val="accent1"/>
-          </a:effectRef>
-          <a:fontRef idx="minor">
-            <a:schemeClr val="lt1"/>
-          </a:fontRef>
-        </p:style>
-        <p:txBody>
-          <a:bodyPr rtlCol="0" anchor="ctr"/>
-          <a:lstStyle/>
-          <a:p>
-            <a:pPr algn="ctr"/>
-            <a:endParaRPr lang="en-US"/>
-          </a:p>
-        </p:txBody>
-      </p:sp>
-      <p:sp>
-        <p:nvSpPr>
-          <p:cNvPr id="2" name="Title 1">
-            <a:extLst>
-              <a:ext uri="{FF2B5EF4-FFF2-40B4-BE49-F238E27FC236}">
-                <a16:creationId xmlns:a16="http://schemas.microsoft.com/office/drawing/2014/main" id="{C59E888B-2364-45F8-9AC1-F4FCE5AE5596}"/>
-              </a:ext>
-            </a:extLst>
-          </p:cNvPr>
-          <p:cNvSpPr>
-            <a:spLocks noGrp="1"/>
-          </p:cNvSpPr>
-          <p:nvPr>
-            <p:ph type="title"/>
-          </p:nvPr>
-        </p:nvSpPr>
-        <p:spPr>
-          <a:xfrm>
-            <a:off x="594360" y="1395481"/>
-            <a:ext cx="11003280" cy="932081"/>
-          </a:xfrm>
-        </p:spPr>
-        <p:txBody>
-          <a:bodyPr vert="horz" lIns="91440" tIns="45720" rIns="91440" bIns="45720" rtlCol="0" anchor="t">
-            <a:normAutofit/>
-          </a:bodyPr>
-          <a:lstStyle/>
-          <a:p>
-            <a:pPr algn="ctr"/>
-            <a:r>
-              <a:rPr lang="en-US" sz="4800"/>
-              <a:t>The Experiment</a:t>
-            </a:r>
-          </a:p>
-        </p:txBody>
-      </p:sp>
-      <p:grpSp>
-        <p:nvGrpSpPr>
-          <p:cNvPr id="25" name="Group 24">
-            <a:extLst>
-              <a:ext uri="{FF2B5EF4-FFF2-40B4-BE49-F238E27FC236}">
-                <a16:creationId xmlns:a16="http://schemas.microsoft.com/office/drawing/2014/main" id="{1E0B6C5E-DDD9-4A13-9800-3D49EF4A74B1}"/>
-              </a:ext>
-              <a:ext uri="{C183D7F6-B498-43B3-948B-1728B52AA6E4}">
-                <adec:decorative xmlns:adec="http://schemas.microsoft.com/office/drawing/2017/decorative" val="1"/>
-              </a:ext>
-            </a:extLst>
-          </p:cNvPr>
-          <p:cNvGrpSpPr>
-            <a:grpSpLocks noGrp="1" noUngrp="1" noRot="1" noChangeAspect="1" noMove="1" noResize="1"/>
-          </p:cNvGrpSpPr>
-          <p:nvPr>
-            <p:extLst>
-              <p:ext uri="{386F3935-93C4-4BCD-93E2-E3B085C9AB24}">
-                <p16:designElem xmlns:p16="http://schemas.microsoft.com/office/powerpoint/2015/main" val="1"/>
-              </p:ext>
-            </p:extLst>
-          </p:nvPr>
-        </p:nvGrpSpPr>
-        <p:grpSpPr>
-          <a:xfrm>
-            <a:off x="5425570" y="73152"/>
-            <a:ext cx="1340860" cy="223819"/>
-            <a:chOff x="5394960" y="73152"/>
-            <a:chExt cx="1340860" cy="223819"/>
-          </a:xfrm>
-        </p:grpSpPr>
-        <p:sp>
-          <p:nvSpPr>
-            <p:cNvPr id="26" name="Rectangle 64">
-              <a:extLst>
-                <a:ext uri="{FF2B5EF4-FFF2-40B4-BE49-F238E27FC236}">
-                  <a16:creationId xmlns:a16="http://schemas.microsoft.com/office/drawing/2014/main" id="{1C5189C0-11B3-4F02-AD68-236B97A90CFF}"/>
-                </a:ext>
-                <a:ext uri="{C183D7F6-B498-43B3-948B-1728B52AA6E4}">
-                  <adec:decorative xmlns:adec="http://schemas.microsoft.com/office/drawing/2017/decorative" val="1"/>
-                </a:ext>
-              </a:extLst>
-            </p:cNvPr>
-            <p:cNvSpPr/>
-            <p:nvPr>
-              <p:extLst>
-                <p:ext uri="{386F3935-93C4-4BCD-93E2-E3B085C9AB24}">
-                  <p16:designElem xmlns:p16="http://schemas.microsoft.com/office/powerpoint/2015/main" val="1"/>
-                </p:ext>
-              </p:extLst>
-            </p:nvPr>
-          </p:nvSpPr>
-          <p:spPr>
-            <a:xfrm>
-              <a:off x="5963415" y="73152"/>
-              <a:ext cx="61834" cy="59227"/>
-            </a:xfrm>
-            <a:prstGeom prst="ellipse">
-              <a:avLst/>
-            </a:prstGeom>
-            <a:solidFill>
-              <a:schemeClr val="accent1"/>
-            </a:solidFill>
-            <a:ln>
-              <a:noFill/>
-            </a:ln>
-          </p:spPr>
-          <p:style>
-            <a:lnRef idx="2">
-              <a:schemeClr val="accent1">
-                <a:shade val="50000"/>
-              </a:schemeClr>
-            </a:lnRef>
-            <a:fillRef idx="1">
-              <a:schemeClr val="accent1"/>
-            </a:fillRef>
-            <a:effectRef idx="0">
-              <a:schemeClr val="accent1"/>
-            </a:effectRef>
-            <a:fontRef idx="minor">
-              <a:schemeClr val="lt1"/>
-            </a:fontRef>
-          </p:style>
-          <p:txBody>
-            <a:bodyPr rtlCol="0" anchor="ctr"/>
-            <a:lstStyle/>
-            <a:p>
-              <a:pPr algn="ctr"/>
-              <a:endParaRPr lang="en-US"/>
-            </a:p>
-          </p:txBody>
-        </p:sp>
-        <p:sp>
-          <p:nvSpPr>
-            <p:cNvPr id="27" name="Rectangle 66">
-              <a:extLst>
-                <a:ext uri="{FF2B5EF4-FFF2-40B4-BE49-F238E27FC236}">
-                  <a16:creationId xmlns:a16="http://schemas.microsoft.com/office/drawing/2014/main" id="{E340FE3F-D1C6-4F04-A6BC-02D884D5171E}"/>
-                </a:ext>
-                <a:ext uri="{C183D7F6-B498-43B3-948B-1728B52AA6E4}">
-                  <adec:decorative xmlns:adec="http://schemas.microsoft.com/office/drawing/2017/decorative" val="1"/>
-                </a:ext>
-              </a:extLst>
-            </p:cNvPr>
-            <p:cNvSpPr/>
-            <p:nvPr>
-              <p:extLst>
-                <p:ext uri="{386F3935-93C4-4BCD-93E2-E3B085C9AB24}">
-                  <p16:designElem xmlns:p16="http://schemas.microsoft.com/office/powerpoint/2015/main" val="1"/>
-                </p:ext>
-              </p:extLst>
-            </p:nvPr>
-          </p:nvSpPr>
-          <p:spPr>
-            <a:xfrm>
-              <a:off x="5963415" y="237744"/>
-              <a:ext cx="61834" cy="59227"/>
-            </a:xfrm>
-            <a:prstGeom prst="ellipse">
-              <a:avLst/>
-            </a:prstGeom>
-            <a:solidFill>
-              <a:schemeClr val="accent1"/>
-            </a:solidFill>
-            <a:ln>
-              <a:noFill/>
-            </a:ln>
-          </p:spPr>
-          <p:style>
-            <a:lnRef idx="2">
-              <a:schemeClr val="accent1">
-                <a:shade val="50000"/>
-              </a:schemeClr>
-            </a:lnRef>
-            <a:fillRef idx="1">
-              <a:schemeClr val="accent1"/>
-            </a:fillRef>
-            <a:effectRef idx="0">
-              <a:schemeClr val="accent1"/>
-            </a:effectRef>
-            <a:fontRef idx="minor">
-              <a:schemeClr val="lt1"/>
-            </a:fontRef>
-          </p:style>
-          <p:txBody>
-            <a:bodyPr rtlCol="0" anchor="ctr"/>
-            <a:lstStyle/>
-            <a:p>
-              <a:pPr algn="ctr"/>
-              <a:endParaRPr lang="en-US"/>
-            </a:p>
-          </p:txBody>
-        </p:sp>
-        <p:sp>
-          <p:nvSpPr>
-            <p:cNvPr id="28" name="Rectangle 64">
-              <a:extLst>
-                <a:ext uri="{FF2B5EF4-FFF2-40B4-BE49-F238E27FC236}">
-                  <a16:creationId xmlns:a16="http://schemas.microsoft.com/office/drawing/2014/main" id="{43369AB0-38EF-4FA1-B421-5C1E1D5BE0B8}"/>
-                </a:ext>
-                <a:ext uri="{C183D7F6-B498-43B3-948B-1728B52AA6E4}">
-                  <adec:decorative xmlns:adec="http://schemas.microsoft.com/office/drawing/2017/decorative" val="1"/>
-                </a:ext>
-              </a:extLst>
-            </p:cNvPr>
-            <p:cNvSpPr/>
-            <p:nvPr>
-              <p:extLst>
-                <p:ext uri="{386F3935-93C4-4BCD-93E2-E3B085C9AB24}">
-                  <p16:designElem xmlns:p16="http://schemas.microsoft.com/office/powerpoint/2015/main" val="1"/>
-                </p:ext>
-              </p:extLst>
-            </p:nvPr>
-          </p:nvSpPr>
-          <p:spPr>
-            <a:xfrm>
-              <a:off x="5821302" y="73152"/>
-              <a:ext cx="61834" cy="59227"/>
-            </a:xfrm>
-            <a:prstGeom prst="ellipse">
-              <a:avLst/>
-            </a:prstGeom>
-            <a:solidFill>
-              <a:schemeClr val="accent1"/>
-            </a:solidFill>
-            <a:ln>
-              <a:noFill/>
-            </a:ln>
-          </p:spPr>
-          <p:style>
-            <a:lnRef idx="2">
-              <a:schemeClr val="accent1">
-                <a:shade val="50000"/>
-              </a:schemeClr>
-            </a:lnRef>
-            <a:fillRef idx="1">
-              <a:schemeClr val="accent1"/>
-            </a:fillRef>
-            <a:effectRef idx="0">
-              <a:schemeClr val="accent1"/>
-            </a:effectRef>
-            <a:fontRef idx="minor">
-              <a:schemeClr val="lt1"/>
-            </a:fontRef>
-          </p:style>
-          <p:txBody>
-            <a:bodyPr rtlCol="0" anchor="ctr"/>
-            <a:lstStyle/>
-            <a:p>
-              <a:pPr algn="ctr"/>
-              <a:endParaRPr lang="en-US"/>
-            </a:p>
-          </p:txBody>
-        </p:sp>
-        <p:sp>
-          <p:nvSpPr>
-            <p:cNvPr id="29" name="Rectangle 66">
-              <a:extLst>
-                <a:ext uri="{FF2B5EF4-FFF2-40B4-BE49-F238E27FC236}">
-                  <a16:creationId xmlns:a16="http://schemas.microsoft.com/office/drawing/2014/main" id="{C1133C01-0CBD-4C88-B1FE-F2A0B5FC8B8A}"/>
-                </a:ext>
-                <a:ext uri="{C183D7F6-B498-43B3-948B-1728B52AA6E4}">
-                  <adec:decorative xmlns:adec="http://schemas.microsoft.com/office/drawing/2017/decorative" val="1"/>
-                </a:ext>
-              </a:extLst>
-            </p:cNvPr>
-            <p:cNvSpPr/>
-            <p:nvPr>
-              <p:extLst>
-                <p:ext uri="{386F3935-93C4-4BCD-93E2-E3B085C9AB24}">
-                  <p16:designElem xmlns:p16="http://schemas.microsoft.com/office/powerpoint/2015/main" val="1"/>
-                </p:ext>
-              </p:extLst>
-            </p:nvPr>
-          </p:nvSpPr>
-          <p:spPr>
-            <a:xfrm>
-              <a:off x="5821302" y="237744"/>
-              <a:ext cx="61834" cy="59227"/>
-            </a:xfrm>
-            <a:prstGeom prst="ellipse">
-              <a:avLst/>
-            </a:prstGeom>
-            <a:solidFill>
-              <a:schemeClr val="accent1"/>
-            </a:solidFill>
-            <a:ln>
-              <a:noFill/>
-            </a:ln>
-          </p:spPr>
-          <p:style>
-            <a:lnRef idx="2">
-              <a:schemeClr val="accent1">
-                <a:shade val="50000"/>
-              </a:schemeClr>
-            </a:lnRef>
-            <a:fillRef idx="1">
-              <a:schemeClr val="accent1"/>
-            </a:fillRef>
-            <a:effectRef idx="0">
-              <a:schemeClr val="accent1"/>
-            </a:effectRef>
-            <a:fontRef idx="minor">
-              <a:schemeClr val="lt1"/>
-            </a:fontRef>
-          </p:style>
-          <p:txBody>
-            <a:bodyPr rtlCol="0" anchor="ctr"/>
-            <a:lstStyle/>
-            <a:p>
-              <a:pPr algn="ctr"/>
-              <a:endParaRPr lang="en-US"/>
-            </a:p>
-          </p:txBody>
-        </p:sp>
-        <p:sp>
-          <p:nvSpPr>
-            <p:cNvPr id="30" name="Rectangle 64">
-              <a:extLst>
-                <a:ext uri="{FF2B5EF4-FFF2-40B4-BE49-F238E27FC236}">
-                  <a16:creationId xmlns:a16="http://schemas.microsoft.com/office/drawing/2014/main" id="{6BF3402E-C527-41D8-9CE6-610D0D5B86FB}"/>
-                </a:ext>
-                <a:ext uri="{C183D7F6-B498-43B3-948B-1728B52AA6E4}">
-                  <adec:decorative xmlns:adec="http://schemas.microsoft.com/office/drawing/2017/decorative" val="1"/>
-                </a:ext>
-              </a:extLst>
-            </p:cNvPr>
-            <p:cNvSpPr/>
-            <p:nvPr>
-              <p:extLst>
-                <p:ext uri="{386F3935-93C4-4BCD-93E2-E3B085C9AB24}">
-                  <p16:designElem xmlns:p16="http://schemas.microsoft.com/office/powerpoint/2015/main" val="1"/>
-                </p:ext>
-              </p:extLst>
-            </p:nvPr>
-          </p:nvSpPr>
-          <p:spPr>
-            <a:xfrm>
-              <a:off x="5679188" y="73152"/>
-              <a:ext cx="61834" cy="59227"/>
-            </a:xfrm>
-            <a:prstGeom prst="ellipse">
-              <a:avLst/>
-            </a:prstGeom>
-            <a:solidFill>
-              <a:schemeClr val="accent1"/>
-            </a:solidFill>
-            <a:ln>
-              <a:noFill/>
-            </a:ln>
-          </p:spPr>
-          <p:style>
-            <a:lnRef idx="2">
-              <a:schemeClr val="accent1">
-                <a:shade val="50000"/>
-              </a:schemeClr>
-            </a:lnRef>
-            <a:fillRef idx="1">
-              <a:schemeClr val="accent1"/>
-            </a:fillRef>
-            <a:effectRef idx="0">
-              <a:schemeClr val="accent1"/>
-            </a:effectRef>
-            <a:fontRef idx="minor">
-              <a:schemeClr val="lt1"/>
-            </a:fontRef>
-          </p:style>
-          <p:txBody>
-            <a:bodyPr rtlCol="0" anchor="ctr"/>
-            <a:lstStyle/>
-            <a:p>
-              <a:pPr algn="ctr"/>
-              <a:endParaRPr lang="en-US"/>
-            </a:p>
-          </p:txBody>
-        </p:sp>
-        <p:sp>
-          <p:nvSpPr>
-            <p:cNvPr id="31" name="Rectangle 66">
-              <a:extLst>
-                <a:ext uri="{FF2B5EF4-FFF2-40B4-BE49-F238E27FC236}">
-                  <a16:creationId xmlns:a16="http://schemas.microsoft.com/office/drawing/2014/main" id="{C55FA82F-F553-43E0-8D6D-E7FD3C17BC44}"/>
-                </a:ext>
-                <a:ext uri="{C183D7F6-B498-43B3-948B-1728B52AA6E4}">
-                  <adec:decorative xmlns:adec="http://schemas.microsoft.com/office/drawing/2017/decorative" val="1"/>
-                </a:ext>
-              </a:extLst>
-            </p:cNvPr>
-            <p:cNvSpPr/>
-            <p:nvPr>
-              <p:extLst>
-                <p:ext uri="{386F3935-93C4-4BCD-93E2-E3B085C9AB24}">
-                  <p16:designElem xmlns:p16="http://schemas.microsoft.com/office/powerpoint/2015/main" val="1"/>
-                </p:ext>
-              </p:extLst>
-            </p:nvPr>
-          </p:nvSpPr>
-          <p:spPr>
-            <a:xfrm>
-              <a:off x="5679188" y="237744"/>
-              <a:ext cx="61834" cy="59227"/>
-            </a:xfrm>
-            <a:prstGeom prst="ellipse">
-              <a:avLst/>
-            </a:prstGeom>
-            <a:solidFill>
-              <a:schemeClr val="accent1"/>
-            </a:solidFill>
-            <a:ln>
-              <a:noFill/>
-            </a:ln>
-          </p:spPr>
-          <p:style>
-            <a:lnRef idx="2">
-              <a:schemeClr val="accent1">
-                <a:shade val="50000"/>
-              </a:schemeClr>
-            </a:lnRef>
-            <a:fillRef idx="1">
-              <a:schemeClr val="accent1"/>
-            </a:fillRef>
-            <a:effectRef idx="0">
-              <a:schemeClr val="accent1"/>
-            </a:effectRef>
-            <a:fontRef idx="minor">
-              <a:schemeClr val="lt1"/>
-            </a:fontRef>
-          </p:style>
-          <p:txBody>
-            <a:bodyPr rtlCol="0" anchor="ctr"/>
-            <a:lstStyle/>
-            <a:p>
-              <a:pPr algn="ctr"/>
-              <a:endParaRPr lang="en-US"/>
-            </a:p>
-          </p:txBody>
-        </p:sp>
-        <p:sp>
-          <p:nvSpPr>
-            <p:cNvPr id="32" name="Rectangle 64">
-              <a:extLst>
-                <a:ext uri="{FF2B5EF4-FFF2-40B4-BE49-F238E27FC236}">
-                  <a16:creationId xmlns:a16="http://schemas.microsoft.com/office/drawing/2014/main" id="{B66ED163-A979-4CEB-ACD2-5EC30B0B593A}"/>
-                </a:ext>
-                <a:ext uri="{C183D7F6-B498-43B3-948B-1728B52AA6E4}">
-                  <adec:decorative xmlns:adec="http://schemas.microsoft.com/office/drawing/2017/decorative" val="1"/>
-                </a:ext>
-              </a:extLst>
-            </p:cNvPr>
-            <p:cNvSpPr/>
-            <p:nvPr>
-              <p:extLst>
-                <p:ext uri="{386F3935-93C4-4BCD-93E2-E3B085C9AB24}">
-                  <p16:designElem xmlns:p16="http://schemas.microsoft.com/office/powerpoint/2015/main" val="1"/>
-                </p:ext>
-              </p:extLst>
-            </p:nvPr>
-          </p:nvSpPr>
-          <p:spPr>
-            <a:xfrm>
-              <a:off x="5537074" y="73152"/>
-              <a:ext cx="61834" cy="59227"/>
-            </a:xfrm>
-            <a:prstGeom prst="ellipse">
-              <a:avLst/>
-            </a:prstGeom>
-            <a:solidFill>
-              <a:schemeClr val="accent1"/>
-            </a:solidFill>
-            <a:ln>
-              <a:noFill/>
-            </a:ln>
-          </p:spPr>
-          <p:style>
-            <a:lnRef idx="2">
-              <a:schemeClr val="accent1">
-                <a:shade val="50000"/>
-              </a:schemeClr>
-            </a:lnRef>
-            <a:fillRef idx="1">
-              <a:schemeClr val="accent1"/>
-            </a:fillRef>
-            <a:effectRef idx="0">
-              <a:schemeClr val="accent1"/>
-            </a:effectRef>
-            <a:fontRef idx="minor">
-              <a:schemeClr val="lt1"/>
-            </a:fontRef>
-          </p:style>
-          <p:txBody>
-            <a:bodyPr rtlCol="0" anchor="ctr"/>
-            <a:lstStyle/>
-            <a:p>
-              <a:pPr algn="ctr"/>
-              <a:endParaRPr lang="en-US"/>
-            </a:p>
-          </p:txBody>
-        </p:sp>
-        <p:sp>
-          <p:nvSpPr>
-            <p:cNvPr id="33" name="Rectangle 66">
-              <a:extLst>
-                <a:ext uri="{FF2B5EF4-FFF2-40B4-BE49-F238E27FC236}">
-                  <a16:creationId xmlns:a16="http://schemas.microsoft.com/office/drawing/2014/main" id="{45A2DEB9-F649-4444-8DEA-3B7C3F61FEC3}"/>
-                </a:ext>
-                <a:ext uri="{C183D7F6-B498-43B3-948B-1728B52AA6E4}">
-                  <adec:decorative xmlns:adec="http://schemas.microsoft.com/office/drawing/2017/decorative" val="1"/>
-                </a:ext>
-              </a:extLst>
-            </p:cNvPr>
-            <p:cNvSpPr/>
-            <p:nvPr>
-              <p:extLst>
-                <p:ext uri="{386F3935-93C4-4BCD-93E2-E3B085C9AB24}">
-                  <p16:designElem xmlns:p16="http://schemas.microsoft.com/office/powerpoint/2015/main" val="1"/>
-                </p:ext>
-              </p:extLst>
-            </p:nvPr>
-          </p:nvSpPr>
-          <p:spPr>
-            <a:xfrm>
-              <a:off x="5537074" y="237744"/>
-              <a:ext cx="61834" cy="59227"/>
-            </a:xfrm>
-            <a:prstGeom prst="ellipse">
-              <a:avLst/>
-            </a:prstGeom>
-            <a:solidFill>
-              <a:schemeClr val="accent1"/>
-            </a:solidFill>
-            <a:ln>
-              <a:noFill/>
-            </a:ln>
-          </p:spPr>
-          <p:style>
-            <a:lnRef idx="2">
-              <a:schemeClr val="accent1">
-                <a:shade val="50000"/>
-              </a:schemeClr>
-            </a:lnRef>
-            <a:fillRef idx="1">
-              <a:schemeClr val="accent1"/>
-            </a:fillRef>
-            <a:effectRef idx="0">
-              <a:schemeClr val="accent1"/>
-            </a:effectRef>
-            <a:fontRef idx="minor">
-              <a:schemeClr val="lt1"/>
-            </a:fontRef>
-          </p:style>
-          <p:txBody>
-            <a:bodyPr rtlCol="0" anchor="ctr"/>
-            <a:lstStyle/>
-            <a:p>
-              <a:pPr algn="ctr"/>
-              <a:endParaRPr lang="en-US"/>
-            </a:p>
-          </p:txBody>
-        </p:sp>
-        <p:sp>
-          <p:nvSpPr>
-            <p:cNvPr id="34" name="Rectangle 64">
-              <a:extLst>
-                <a:ext uri="{FF2B5EF4-FFF2-40B4-BE49-F238E27FC236}">
-                  <a16:creationId xmlns:a16="http://schemas.microsoft.com/office/drawing/2014/main" id="{D72774A2-4D85-4587-B924-B0B969248224}"/>
-                </a:ext>
-                <a:ext uri="{C183D7F6-B498-43B3-948B-1728B52AA6E4}">
-                  <adec:decorative xmlns:adec="http://schemas.microsoft.com/office/drawing/2017/decorative" val="1"/>
-                </a:ext>
-              </a:extLst>
-            </p:cNvPr>
-            <p:cNvSpPr/>
-            <p:nvPr>
-              <p:extLst>
-                <p:ext uri="{386F3935-93C4-4BCD-93E2-E3B085C9AB24}">
-                  <p16:designElem xmlns:p16="http://schemas.microsoft.com/office/powerpoint/2015/main" val="1"/>
-                </p:ext>
-              </p:extLst>
-            </p:nvPr>
-          </p:nvSpPr>
-          <p:spPr>
-            <a:xfrm>
-              <a:off x="5394960" y="73152"/>
-              <a:ext cx="61834" cy="59227"/>
-            </a:xfrm>
-            <a:prstGeom prst="ellipse">
-              <a:avLst/>
-            </a:prstGeom>
-            <a:solidFill>
-              <a:schemeClr val="accent1"/>
-            </a:solidFill>
-            <a:ln>
-              <a:noFill/>
-            </a:ln>
-          </p:spPr>
-          <p:style>
-            <a:lnRef idx="2">
-              <a:schemeClr val="accent1">
-                <a:shade val="50000"/>
-              </a:schemeClr>
-            </a:lnRef>
-            <a:fillRef idx="1">
-              <a:schemeClr val="accent1"/>
-            </a:fillRef>
-            <a:effectRef idx="0">
-              <a:schemeClr val="accent1"/>
-            </a:effectRef>
-            <a:fontRef idx="minor">
-              <a:schemeClr val="lt1"/>
-            </a:fontRef>
-          </p:style>
-          <p:txBody>
-            <a:bodyPr rtlCol="0" anchor="ctr"/>
-            <a:lstStyle/>
-            <a:p>
-              <a:pPr algn="ctr"/>
-              <a:endParaRPr lang="en-US"/>
-            </a:p>
-          </p:txBody>
-        </p:sp>
-        <p:sp>
-          <p:nvSpPr>
-            <p:cNvPr id="35" name="Rectangle 66">
-              <a:extLst>
-                <a:ext uri="{FF2B5EF4-FFF2-40B4-BE49-F238E27FC236}">
-                  <a16:creationId xmlns:a16="http://schemas.microsoft.com/office/drawing/2014/main" id="{49F912DB-0537-4BEF-925D-68320382D92C}"/>
-                </a:ext>
-                <a:ext uri="{C183D7F6-B498-43B3-948B-1728B52AA6E4}">
-                  <adec:decorative xmlns:adec="http://schemas.microsoft.com/office/drawing/2017/decorative" val="1"/>
-                </a:ext>
-              </a:extLst>
-            </p:cNvPr>
-            <p:cNvSpPr/>
-            <p:nvPr>
-              <p:extLst>
-                <p:ext uri="{386F3935-93C4-4BCD-93E2-E3B085C9AB24}">
-                  <p16:designElem xmlns:p16="http://schemas.microsoft.com/office/powerpoint/2015/main" val="1"/>
-                </p:ext>
-              </p:extLst>
-            </p:nvPr>
-          </p:nvSpPr>
-          <p:spPr>
-            <a:xfrm>
-              <a:off x="5394960" y="237744"/>
-              <a:ext cx="61834" cy="59227"/>
-            </a:xfrm>
-            <a:prstGeom prst="ellipse">
-              <a:avLst/>
-            </a:prstGeom>
-            <a:solidFill>
-              <a:schemeClr val="accent1"/>
-            </a:solidFill>
-            <a:ln>
-              <a:noFill/>
-            </a:ln>
-          </p:spPr>
-          <p:style>
-            <a:lnRef idx="2">
-              <a:schemeClr val="accent1">
-                <a:shade val="50000"/>
-              </a:schemeClr>
-            </a:lnRef>
-            <a:fillRef idx="1">
-              <a:schemeClr val="accent1"/>
-            </a:fillRef>
-            <a:effectRef idx="0">
-              <a:schemeClr val="accent1"/>
-            </a:effectRef>
-            <a:fontRef idx="minor">
-              <a:schemeClr val="lt1"/>
-            </a:fontRef>
-          </p:style>
-          <p:txBody>
-            <a:bodyPr rtlCol="0" anchor="ctr"/>
-            <a:lstStyle/>
-            <a:p>
-              <a:pPr algn="ctr"/>
-              <a:endParaRPr lang="en-US"/>
-            </a:p>
-          </p:txBody>
-        </p:sp>
-        <p:sp>
-          <p:nvSpPr>
-            <p:cNvPr id="36" name="Rectangle 64">
-              <a:extLst>
-                <a:ext uri="{FF2B5EF4-FFF2-40B4-BE49-F238E27FC236}">
-                  <a16:creationId xmlns:a16="http://schemas.microsoft.com/office/drawing/2014/main" id="{B7A19C94-DD69-4CD7-9E6C-BB7E1375B331}"/>
-                </a:ext>
-                <a:ext uri="{C183D7F6-B498-43B3-948B-1728B52AA6E4}">
-                  <adec:decorative xmlns:adec="http://schemas.microsoft.com/office/drawing/2017/decorative" val="1"/>
-                </a:ext>
-              </a:extLst>
-            </p:cNvPr>
-            <p:cNvSpPr/>
-            <p:nvPr>
-              <p:extLst>
-                <p:ext uri="{386F3935-93C4-4BCD-93E2-E3B085C9AB24}">
-                  <p16:designElem xmlns:p16="http://schemas.microsoft.com/office/powerpoint/2015/main" val="1"/>
-                </p:ext>
-              </p:extLst>
-            </p:nvPr>
-          </p:nvSpPr>
-          <p:spPr>
-            <a:xfrm>
-              <a:off x="6673986" y="73152"/>
-              <a:ext cx="61834" cy="59227"/>
-            </a:xfrm>
-            <a:prstGeom prst="ellipse">
-              <a:avLst/>
-            </a:prstGeom>
-            <a:solidFill>
-              <a:schemeClr val="accent1"/>
-            </a:solidFill>
-            <a:ln>
-              <a:noFill/>
-            </a:ln>
-          </p:spPr>
-          <p:style>
-            <a:lnRef idx="2">
-              <a:schemeClr val="accent1">
-                <a:shade val="50000"/>
-              </a:schemeClr>
-            </a:lnRef>
-            <a:fillRef idx="1">
-              <a:schemeClr val="accent1"/>
-            </a:fillRef>
-            <a:effectRef idx="0">
-              <a:schemeClr val="accent1"/>
-            </a:effectRef>
-            <a:fontRef idx="minor">
-              <a:schemeClr val="lt1"/>
-            </a:fontRef>
-          </p:style>
-          <p:txBody>
-            <a:bodyPr rtlCol="0" anchor="ctr"/>
-            <a:lstStyle/>
-            <a:p>
-              <a:pPr algn="ctr"/>
-              <a:endParaRPr lang="en-US"/>
-            </a:p>
-          </p:txBody>
-        </p:sp>
-        <p:sp>
-          <p:nvSpPr>
-            <p:cNvPr id="37" name="Rectangle 66">
-              <a:extLst>
-                <a:ext uri="{FF2B5EF4-FFF2-40B4-BE49-F238E27FC236}">
-                  <a16:creationId xmlns:a16="http://schemas.microsoft.com/office/drawing/2014/main" id="{B3DB7244-56D2-4F58-AF3C-8F94C3BAACDF}"/>
-                </a:ext>
-                <a:ext uri="{C183D7F6-B498-43B3-948B-1728B52AA6E4}">
-                  <adec:decorative xmlns:adec="http://schemas.microsoft.com/office/drawing/2017/decorative" val="1"/>
-                </a:ext>
-              </a:extLst>
-            </p:cNvPr>
-            <p:cNvSpPr/>
-            <p:nvPr>
-              <p:extLst>
-                <p:ext uri="{386F3935-93C4-4BCD-93E2-E3B085C9AB24}">
-                  <p16:designElem xmlns:p16="http://schemas.microsoft.com/office/powerpoint/2015/main" val="1"/>
-                </p:ext>
-              </p:extLst>
-            </p:nvPr>
-          </p:nvSpPr>
-          <p:spPr>
-            <a:xfrm>
-              <a:off x="6673986" y="237744"/>
-              <a:ext cx="61834" cy="59227"/>
-            </a:xfrm>
-            <a:prstGeom prst="ellipse">
-              <a:avLst/>
-            </a:prstGeom>
-            <a:solidFill>
-              <a:schemeClr val="accent1"/>
-            </a:solidFill>
-            <a:ln>
-              <a:noFill/>
-            </a:ln>
-          </p:spPr>
-          <p:style>
-            <a:lnRef idx="2">
-              <a:schemeClr val="accent1">
-                <a:shade val="50000"/>
-              </a:schemeClr>
-            </a:lnRef>
-            <a:fillRef idx="1">
-              <a:schemeClr val="accent1"/>
-            </a:fillRef>
-            <a:effectRef idx="0">
-              <a:schemeClr val="accent1"/>
-            </a:effectRef>
-            <a:fontRef idx="minor">
-              <a:schemeClr val="lt1"/>
-            </a:fontRef>
-          </p:style>
-          <p:txBody>
-            <a:bodyPr rtlCol="0" anchor="ctr"/>
-            <a:lstStyle/>
-            <a:p>
-              <a:pPr algn="ctr"/>
-              <a:endParaRPr lang="en-US"/>
-            </a:p>
-          </p:txBody>
-        </p:sp>
-        <p:sp>
-          <p:nvSpPr>
-            <p:cNvPr id="38" name="Rectangle 64">
-              <a:extLst>
-                <a:ext uri="{FF2B5EF4-FFF2-40B4-BE49-F238E27FC236}">
-                  <a16:creationId xmlns:a16="http://schemas.microsoft.com/office/drawing/2014/main" id="{5B21E4F4-B76C-4450-A5E9-16228E34A3A3}"/>
-                </a:ext>
-                <a:ext uri="{C183D7F6-B498-43B3-948B-1728B52AA6E4}">
-                  <adec:decorative xmlns:adec="http://schemas.microsoft.com/office/drawing/2017/decorative" val="1"/>
-                </a:ext>
-              </a:extLst>
-            </p:cNvPr>
-            <p:cNvSpPr/>
-            <p:nvPr>
-              <p:extLst>
-                <p:ext uri="{386F3935-93C4-4BCD-93E2-E3B085C9AB24}">
-                  <p16:designElem xmlns:p16="http://schemas.microsoft.com/office/powerpoint/2015/main" val="1"/>
-                </p:ext>
-              </p:extLst>
-            </p:nvPr>
-          </p:nvSpPr>
-          <p:spPr>
-            <a:xfrm>
-              <a:off x="6531873" y="73152"/>
-              <a:ext cx="61834" cy="59227"/>
-            </a:xfrm>
-            <a:prstGeom prst="ellipse">
-              <a:avLst/>
-            </a:prstGeom>
-            <a:solidFill>
-              <a:schemeClr val="accent1"/>
-            </a:solidFill>
-            <a:ln>
-              <a:noFill/>
-            </a:ln>
-          </p:spPr>
-          <p:style>
-            <a:lnRef idx="2">
-              <a:schemeClr val="accent1">
-                <a:shade val="50000"/>
-              </a:schemeClr>
-            </a:lnRef>
-            <a:fillRef idx="1">
-              <a:schemeClr val="accent1"/>
-            </a:fillRef>
-            <a:effectRef idx="0">
-              <a:schemeClr val="accent1"/>
-            </a:effectRef>
-            <a:fontRef idx="minor">
-              <a:schemeClr val="lt1"/>
-            </a:fontRef>
-          </p:style>
-          <p:txBody>
-            <a:bodyPr rtlCol="0" anchor="ctr"/>
-            <a:lstStyle/>
-            <a:p>
-              <a:pPr algn="ctr"/>
-              <a:endParaRPr lang="en-US"/>
-            </a:p>
-          </p:txBody>
-        </p:sp>
-        <p:sp>
-          <p:nvSpPr>
-            <p:cNvPr id="39" name="Rectangle 66">
-              <a:extLst>
-                <a:ext uri="{FF2B5EF4-FFF2-40B4-BE49-F238E27FC236}">
-                  <a16:creationId xmlns:a16="http://schemas.microsoft.com/office/drawing/2014/main" id="{77A6DBBF-BEC9-48F0-B79A-F4E16FCA713A}"/>
-                </a:ext>
-                <a:ext uri="{C183D7F6-B498-43B3-948B-1728B52AA6E4}">
-                  <adec:decorative xmlns:adec="http://schemas.microsoft.com/office/drawing/2017/decorative" val="1"/>
-                </a:ext>
-              </a:extLst>
-            </p:cNvPr>
-            <p:cNvSpPr/>
-            <p:nvPr>
-              <p:extLst>
-                <p:ext uri="{386F3935-93C4-4BCD-93E2-E3B085C9AB24}">
-                  <p16:designElem xmlns:p16="http://schemas.microsoft.com/office/powerpoint/2015/main" val="1"/>
-                </p:ext>
-              </p:extLst>
-            </p:nvPr>
-          </p:nvSpPr>
-          <p:spPr>
-            <a:xfrm>
-              <a:off x="6531873" y="237744"/>
-              <a:ext cx="61834" cy="59227"/>
-            </a:xfrm>
-            <a:prstGeom prst="ellipse">
-              <a:avLst/>
-            </a:prstGeom>
-            <a:solidFill>
-              <a:schemeClr val="accent1"/>
-            </a:solidFill>
-            <a:ln>
-              <a:noFill/>
-            </a:ln>
-          </p:spPr>
-          <p:style>
-            <a:lnRef idx="2">
-              <a:schemeClr val="accent1">
-                <a:shade val="50000"/>
-              </a:schemeClr>
-            </a:lnRef>
-            <a:fillRef idx="1">
-              <a:schemeClr val="accent1"/>
-            </a:fillRef>
-            <a:effectRef idx="0">
-              <a:schemeClr val="accent1"/>
-            </a:effectRef>
-            <a:fontRef idx="minor">
-              <a:schemeClr val="lt1"/>
-            </a:fontRef>
-          </p:style>
-          <p:txBody>
-            <a:bodyPr rtlCol="0" anchor="ctr"/>
-            <a:lstStyle/>
-            <a:p>
-              <a:pPr algn="ctr"/>
-              <a:endParaRPr lang="en-US"/>
-            </a:p>
-          </p:txBody>
-        </p:sp>
-        <p:sp>
-          <p:nvSpPr>
-            <p:cNvPr id="40" name="Rectangle 64">
-              <a:extLst>
-                <a:ext uri="{FF2B5EF4-FFF2-40B4-BE49-F238E27FC236}">
-                  <a16:creationId xmlns:a16="http://schemas.microsoft.com/office/drawing/2014/main" id="{124B0717-5326-4BAF-ACD2-EAB61E02DD32}"/>
-                </a:ext>
-                <a:ext uri="{C183D7F6-B498-43B3-948B-1728B52AA6E4}">
-                  <adec:decorative xmlns:adec="http://schemas.microsoft.com/office/drawing/2017/decorative" val="1"/>
-                </a:ext>
-              </a:extLst>
-            </p:cNvPr>
-            <p:cNvSpPr/>
-            <p:nvPr>
-              <p:extLst>
-                <p:ext uri="{386F3935-93C4-4BCD-93E2-E3B085C9AB24}">
-                  <p16:designElem xmlns:p16="http://schemas.microsoft.com/office/powerpoint/2015/main" val="1"/>
-                </p:ext>
-              </p:extLst>
-            </p:nvPr>
-          </p:nvSpPr>
-          <p:spPr>
-            <a:xfrm>
-              <a:off x="6389759" y="73152"/>
-              <a:ext cx="61834" cy="59227"/>
-            </a:xfrm>
-            <a:prstGeom prst="ellipse">
-              <a:avLst/>
-            </a:prstGeom>
-            <a:solidFill>
-              <a:schemeClr val="accent1"/>
-            </a:solidFill>
-            <a:ln>
-              <a:noFill/>
-            </a:ln>
-          </p:spPr>
-          <p:style>
-            <a:lnRef idx="2">
-              <a:schemeClr val="accent1">
-                <a:shade val="50000"/>
-              </a:schemeClr>
-            </a:lnRef>
-            <a:fillRef idx="1">
-              <a:schemeClr val="accent1"/>
-            </a:fillRef>
-            <a:effectRef idx="0">
-              <a:schemeClr val="accent1"/>
-            </a:effectRef>
-            <a:fontRef idx="minor">
-              <a:schemeClr val="lt1"/>
-            </a:fontRef>
-          </p:style>
-          <p:txBody>
-            <a:bodyPr rtlCol="0" anchor="ctr"/>
-            <a:lstStyle/>
-            <a:p>
-              <a:pPr algn="ctr"/>
-              <a:endParaRPr lang="en-US"/>
-            </a:p>
-          </p:txBody>
-        </p:sp>
-        <p:sp>
-          <p:nvSpPr>
-            <p:cNvPr id="41" name="Rectangle 66">
-              <a:extLst>
-                <a:ext uri="{FF2B5EF4-FFF2-40B4-BE49-F238E27FC236}">
-                  <a16:creationId xmlns:a16="http://schemas.microsoft.com/office/drawing/2014/main" id="{D936008B-7A70-4C98-8516-2649041325B9}"/>
-                </a:ext>
-                <a:ext uri="{C183D7F6-B498-43B3-948B-1728B52AA6E4}">
-                  <adec:decorative xmlns:adec="http://schemas.microsoft.com/office/drawing/2017/decorative" val="1"/>
-                </a:ext>
-              </a:extLst>
-            </p:cNvPr>
-            <p:cNvSpPr/>
-            <p:nvPr>
-              <p:extLst>
-                <p:ext uri="{386F3935-93C4-4BCD-93E2-E3B085C9AB24}">
-                  <p16:designElem xmlns:p16="http://schemas.microsoft.com/office/powerpoint/2015/main" val="1"/>
-                </p:ext>
-              </p:extLst>
-            </p:nvPr>
-          </p:nvSpPr>
-          <p:spPr>
-            <a:xfrm>
-              <a:off x="6389759" y="237744"/>
-              <a:ext cx="61834" cy="59227"/>
-            </a:xfrm>
-            <a:prstGeom prst="ellipse">
-              <a:avLst/>
-            </a:prstGeom>
-            <a:solidFill>
-              <a:schemeClr val="accent1"/>
-            </a:solidFill>
-            <a:ln>
-              <a:noFill/>
-            </a:ln>
-          </p:spPr>
-          <p:style>
-            <a:lnRef idx="2">
-              <a:schemeClr val="accent1">
-                <a:shade val="50000"/>
-              </a:schemeClr>
-            </a:lnRef>
-            <a:fillRef idx="1">
-              <a:schemeClr val="accent1"/>
-            </a:fillRef>
-            <a:effectRef idx="0">
-              <a:schemeClr val="accent1"/>
-            </a:effectRef>
-            <a:fontRef idx="minor">
-              <a:schemeClr val="lt1"/>
-            </a:fontRef>
-          </p:style>
-          <p:txBody>
-            <a:bodyPr rtlCol="0" anchor="ctr"/>
-            <a:lstStyle/>
-            <a:p>
-              <a:pPr algn="ctr"/>
-              <a:endParaRPr lang="en-US"/>
-            </a:p>
-          </p:txBody>
-        </p:sp>
-        <p:sp>
-          <p:nvSpPr>
-            <p:cNvPr id="42" name="Rectangle 64">
-              <a:extLst>
-                <a:ext uri="{FF2B5EF4-FFF2-40B4-BE49-F238E27FC236}">
-                  <a16:creationId xmlns:a16="http://schemas.microsoft.com/office/drawing/2014/main" id="{9A52D630-68E6-4244-9512-2145F6C699C9}"/>
-                </a:ext>
-                <a:ext uri="{C183D7F6-B498-43B3-948B-1728B52AA6E4}">
-                  <adec:decorative xmlns:adec="http://schemas.microsoft.com/office/drawing/2017/decorative" val="1"/>
-                </a:ext>
-              </a:extLst>
-            </p:cNvPr>
-            <p:cNvSpPr/>
-            <p:nvPr>
-              <p:extLst>
-                <p:ext uri="{386F3935-93C4-4BCD-93E2-E3B085C9AB24}">
-                  <p16:designElem xmlns:p16="http://schemas.microsoft.com/office/powerpoint/2015/main" val="1"/>
-                </p:ext>
-              </p:extLst>
-            </p:nvPr>
-          </p:nvSpPr>
-          <p:spPr>
-            <a:xfrm>
-              <a:off x="6247645" y="73152"/>
-              <a:ext cx="61834" cy="59227"/>
-            </a:xfrm>
-            <a:prstGeom prst="ellipse">
-              <a:avLst/>
-            </a:prstGeom>
-            <a:solidFill>
-              <a:schemeClr val="accent1"/>
-            </a:solidFill>
-            <a:ln>
-              <a:noFill/>
-            </a:ln>
-          </p:spPr>
-          <p:style>
-            <a:lnRef idx="2">
-              <a:schemeClr val="accent1">
-                <a:shade val="50000"/>
-              </a:schemeClr>
-            </a:lnRef>
-            <a:fillRef idx="1">
-              <a:schemeClr val="accent1"/>
-            </a:fillRef>
-            <a:effectRef idx="0">
-              <a:schemeClr val="accent1"/>
-            </a:effectRef>
-            <a:fontRef idx="minor">
-              <a:schemeClr val="lt1"/>
-            </a:fontRef>
-          </p:style>
-          <p:txBody>
-            <a:bodyPr rtlCol="0" anchor="ctr"/>
-            <a:lstStyle/>
-            <a:p>
-              <a:pPr algn="ctr"/>
-              <a:endParaRPr lang="en-US"/>
-            </a:p>
-          </p:txBody>
-        </p:sp>
-        <p:sp>
-          <p:nvSpPr>
-            <p:cNvPr id="43" name="Rectangle 66">
-              <a:extLst>
-                <a:ext uri="{FF2B5EF4-FFF2-40B4-BE49-F238E27FC236}">
-                  <a16:creationId xmlns:a16="http://schemas.microsoft.com/office/drawing/2014/main" id="{8951EAF5-C904-498D-8CD4-40F9DDEEE6A1}"/>
-                </a:ext>
-                <a:ext uri="{C183D7F6-B498-43B3-948B-1728B52AA6E4}">
-                  <adec:decorative xmlns:adec="http://schemas.microsoft.com/office/drawing/2017/decorative" val="1"/>
-                </a:ext>
-              </a:extLst>
-            </p:cNvPr>
-            <p:cNvSpPr/>
-            <p:nvPr>
-              <p:extLst>
-                <p:ext uri="{386F3935-93C4-4BCD-93E2-E3B085C9AB24}">
-                  <p16:designElem xmlns:p16="http://schemas.microsoft.com/office/powerpoint/2015/main" val="1"/>
-                </p:ext>
-              </p:extLst>
-            </p:nvPr>
-          </p:nvSpPr>
-          <p:spPr>
-            <a:xfrm>
-              <a:off x="6247645" y="237744"/>
-              <a:ext cx="61834" cy="59227"/>
-            </a:xfrm>
-            <a:prstGeom prst="ellipse">
-              <a:avLst/>
-            </a:prstGeom>
-            <a:solidFill>
-              <a:schemeClr val="accent1"/>
-            </a:solidFill>
-            <a:ln>
-              <a:noFill/>
-            </a:ln>
-          </p:spPr>
-          <p:style>
-            <a:lnRef idx="2">
-              <a:schemeClr val="accent1">
-                <a:shade val="50000"/>
-              </a:schemeClr>
-            </a:lnRef>
-            <a:fillRef idx="1">
-              <a:schemeClr val="accent1"/>
-            </a:fillRef>
-            <a:effectRef idx="0">
-              <a:schemeClr val="accent1"/>
-            </a:effectRef>
-            <a:fontRef idx="minor">
-              <a:schemeClr val="lt1"/>
-            </a:fontRef>
-          </p:style>
-          <p:txBody>
-            <a:bodyPr rtlCol="0" anchor="ctr"/>
-            <a:lstStyle/>
-            <a:p>
-              <a:pPr algn="ctr"/>
-              <a:endParaRPr lang="en-US"/>
-            </a:p>
-          </p:txBody>
-        </p:sp>
-        <p:sp>
-          <p:nvSpPr>
-            <p:cNvPr id="44" name="Rectangle 64">
-              <a:extLst>
-                <a:ext uri="{FF2B5EF4-FFF2-40B4-BE49-F238E27FC236}">
-                  <a16:creationId xmlns:a16="http://schemas.microsoft.com/office/drawing/2014/main" id="{AE84EBEA-F60C-4F03-AFC9-97FDC7B0A7F2}"/>
-                </a:ext>
-                <a:ext uri="{C183D7F6-B498-43B3-948B-1728B52AA6E4}">
-                  <adec:decorative xmlns:adec="http://schemas.microsoft.com/office/drawing/2017/decorative" val="1"/>
-                </a:ext>
-              </a:extLst>
-            </p:cNvPr>
-            <p:cNvSpPr/>
-            <p:nvPr>
-              <p:extLst>
-                <p:ext uri="{386F3935-93C4-4BCD-93E2-E3B085C9AB24}">
-                  <p16:designElem xmlns:p16="http://schemas.microsoft.com/office/powerpoint/2015/main" val="1"/>
-                </p:ext>
-              </p:extLst>
-            </p:nvPr>
-          </p:nvSpPr>
-          <p:spPr>
-            <a:xfrm>
-              <a:off x="6105531" y="73152"/>
-              <a:ext cx="61834" cy="59227"/>
-            </a:xfrm>
-            <a:prstGeom prst="ellipse">
-              <a:avLst/>
-            </a:prstGeom>
-            <a:solidFill>
-              <a:schemeClr val="accent1"/>
-            </a:solidFill>
-            <a:ln>
-              <a:noFill/>
-            </a:ln>
-          </p:spPr>
-          <p:style>
-            <a:lnRef idx="2">
-              <a:schemeClr val="accent1">
-                <a:shade val="50000"/>
-              </a:schemeClr>
-            </a:lnRef>
-            <a:fillRef idx="1">
-              <a:schemeClr val="accent1"/>
-            </a:fillRef>
-            <a:effectRef idx="0">
-              <a:schemeClr val="accent1"/>
-            </a:effectRef>
-            <a:fontRef idx="minor">
-              <a:schemeClr val="lt1"/>
-            </a:fontRef>
-          </p:style>
-          <p:txBody>
-            <a:bodyPr rtlCol="0" anchor="ctr"/>
-            <a:lstStyle/>
-            <a:p>
-              <a:pPr algn="ctr"/>
-              <a:endParaRPr lang="en-US"/>
-            </a:p>
-          </p:txBody>
-        </p:sp>
-        <p:sp>
-          <p:nvSpPr>
-            <p:cNvPr id="45" name="Rectangle 66">
-              <a:extLst>
-                <a:ext uri="{FF2B5EF4-FFF2-40B4-BE49-F238E27FC236}">
-                  <a16:creationId xmlns:a16="http://schemas.microsoft.com/office/drawing/2014/main" id="{C7D1B797-2404-4431-8D75-FC8DF6508567}"/>
-                </a:ext>
-                <a:ext uri="{C183D7F6-B498-43B3-948B-1728B52AA6E4}">
-                  <adec:decorative xmlns:adec="http://schemas.microsoft.com/office/drawing/2017/decorative" val="1"/>
-                </a:ext>
-              </a:extLst>
-            </p:cNvPr>
-            <p:cNvSpPr/>
-            <p:nvPr>
-              <p:extLst>
-                <p:ext uri="{386F3935-93C4-4BCD-93E2-E3B085C9AB24}">
-                  <p16:designElem xmlns:p16="http://schemas.microsoft.com/office/powerpoint/2015/main" val="1"/>
-                </p:ext>
-              </p:extLst>
-            </p:nvPr>
-          </p:nvSpPr>
-          <p:spPr>
-            <a:xfrm>
-              <a:off x="6105531" y="237744"/>
-              <a:ext cx="61834" cy="59227"/>
-            </a:xfrm>
-            <a:prstGeom prst="ellipse">
-              <a:avLst/>
-            </a:prstGeom>
-            <a:solidFill>
-              <a:schemeClr val="accent1"/>
-            </a:solidFill>
-            <a:ln>
-              <a:noFill/>
-            </a:ln>
-          </p:spPr>
-          <p:style>
-            <a:lnRef idx="2">
-              <a:schemeClr val="accent1">
-                <a:shade val="50000"/>
-              </a:schemeClr>
-            </a:lnRef>
-            <a:fillRef idx="1">
-              <a:schemeClr val="accent1"/>
-            </a:fillRef>
-            <a:effectRef idx="0">
-              <a:schemeClr val="accent1"/>
-            </a:effectRef>
-            <a:fontRef idx="minor">
-              <a:schemeClr val="lt1"/>
-            </a:fontRef>
-          </p:style>
-          <p:txBody>
-            <a:bodyPr rtlCol="0" anchor="ctr"/>
-            <a:lstStyle/>
-            <a:p>
-              <a:pPr algn="ctr"/>
-              <a:endParaRPr lang="en-US"/>
-            </a:p>
-          </p:txBody>
-        </p:sp>
-      </p:grpSp>
-      <p:pic>
-        <p:nvPicPr>
-          <p:cNvPr id="5" name="Picture 4">
-            <a:extLst>
-              <a:ext uri="{FF2B5EF4-FFF2-40B4-BE49-F238E27FC236}">
-                <a16:creationId xmlns:a16="http://schemas.microsoft.com/office/drawing/2014/main" id="{AFE1F1AA-9178-461E-B6B8-88530FE3ABFB}"/>
-              </a:ext>
-            </a:extLst>
-          </p:cNvPr>
-          <p:cNvPicPr>
-            <a:picLocks noChangeAspect="1"/>
-          </p:cNvPicPr>
-          <p:nvPr/>
-        </p:nvPicPr>
-        <p:blipFill>
-          <a:blip r:embed="rId2"/>
-          <a:stretch>
-            <a:fillRect/>
-          </a:stretch>
-        </p:blipFill>
-        <p:spPr>
-          <a:xfrm>
-            <a:off x="228600" y="3392180"/>
-            <a:ext cx="3794760" cy="2427829"/>
-          </a:xfrm>
-          <a:prstGeom prst="rect">
-            <a:avLst/>
-          </a:prstGeom>
-        </p:spPr>
-      </p:pic>
-      <p:pic>
-        <p:nvPicPr>
-          <p:cNvPr id="7" name="Picture 6">
-            <a:extLst>
-              <a:ext uri="{FF2B5EF4-FFF2-40B4-BE49-F238E27FC236}">
-                <a16:creationId xmlns:a16="http://schemas.microsoft.com/office/drawing/2014/main" id="{0E027873-B5CF-4E4F-89B1-9AF91E8B0FCF}"/>
-              </a:ext>
-            </a:extLst>
-          </p:cNvPr>
-          <p:cNvPicPr>
-            <a:picLocks noChangeAspect="1"/>
-          </p:cNvPicPr>
-          <p:nvPr/>
-        </p:nvPicPr>
-        <p:blipFill>
-          <a:blip r:embed="rId3"/>
-          <a:stretch>
-            <a:fillRect/>
-          </a:stretch>
-        </p:blipFill>
-        <p:spPr>
-          <a:xfrm>
-            <a:off x="4197096" y="3390561"/>
-            <a:ext cx="3794760" cy="2408213"/>
-          </a:xfrm>
-          <a:prstGeom prst="rect">
-            <a:avLst/>
-          </a:prstGeom>
-        </p:spPr>
-      </p:pic>
-      <p:pic>
-        <p:nvPicPr>
-          <p:cNvPr id="9" name="Picture 8">
-            <a:extLst>
-              <a:ext uri="{FF2B5EF4-FFF2-40B4-BE49-F238E27FC236}">
-                <a16:creationId xmlns:a16="http://schemas.microsoft.com/office/drawing/2014/main" id="{1A89DC3F-9834-4F76-869A-C2AD6FB5BF52}"/>
-              </a:ext>
-            </a:extLst>
-          </p:cNvPr>
-          <p:cNvPicPr>
-            <a:picLocks noChangeAspect="1"/>
-          </p:cNvPicPr>
-          <p:nvPr/>
-        </p:nvPicPr>
-        <p:blipFill>
-          <a:blip r:embed="rId4"/>
-          <a:stretch>
-            <a:fillRect/>
-          </a:stretch>
-        </p:blipFill>
-        <p:spPr>
-          <a:xfrm>
-            <a:off x="8168642" y="3391952"/>
-            <a:ext cx="3794760" cy="1203216"/>
-          </a:xfrm>
-          <a:prstGeom prst="rect">
-            <a:avLst/>
-          </a:prstGeom>
-        </p:spPr>
-      </p:pic>
-      <p:sp>
-        <p:nvSpPr>
-          <p:cNvPr id="47" name="Rectangle 46">
-            <a:extLst>
-              <a:ext uri="{FF2B5EF4-FFF2-40B4-BE49-F238E27FC236}">
-                <a16:creationId xmlns:a16="http://schemas.microsoft.com/office/drawing/2014/main" id="{A628292D-0555-4158-9B1A-07414B27FB1A}"/>
-              </a:ext>
-              <a:ext uri="{C183D7F6-B498-43B3-948B-1728B52AA6E4}">
-                <adec:decorative xmlns:adec="http://schemas.microsoft.com/office/drawing/2017/decorative" val="1"/>
-              </a:ext>
-            </a:extLst>
-          </p:cNvPr>
-          <p:cNvSpPr>
-            <a:spLocks noGrp="1" noRot="1" noChangeAspect="1" noMove="1" noResize="1" noEditPoints="1" noAdjustHandles="1" noChangeArrowheads="1" noChangeShapeType="1" noTextEdit="1"/>
-          </p:cNvSpPr>
-          <p:nvPr>
-            <p:extLst>
-              <p:ext uri="{386F3935-93C4-4BCD-93E2-E3B085C9AB24}">
-                <p16:designElem xmlns:p16="http://schemas.microsoft.com/office/powerpoint/2015/main" val="1"/>
-              </p:ext>
-            </p:extLst>
-          </p:nvPr>
-        </p:nvSpPr>
-        <p:spPr>
-          <a:xfrm flipH="1">
-            <a:off x="0" y="6501384"/>
-            <a:ext cx="12192000" cy="356616"/>
-          </a:xfrm>
-          <a:prstGeom prst="rect">
-            <a:avLst/>
-          </a:prstGeom>
-          <a:solidFill>
-            <a:schemeClr val="tx1">
-              <a:lumMod val="85000"/>
-              <a:lumOff val="15000"/>
-            </a:schemeClr>
-          </a:solidFill>
-          <a:ln>
-            <a:noFill/>
-          </a:ln>
-        </p:spPr>
-        <p:style>
-          <a:lnRef idx="2">
-            <a:schemeClr val="accent1">
-              <a:shade val="50000"/>
-            </a:schemeClr>
-          </a:lnRef>
-          <a:fillRef idx="1">
-            <a:schemeClr val="accent1"/>
-          </a:fillRef>
-          <a:effectRef idx="0">
-            <a:schemeClr val="accent1"/>
-          </a:effectRef>
-          <a:fontRef idx="minor">
-            <a:schemeClr val="lt1"/>
-          </a:fontRef>
-        </p:style>
-        <p:txBody>
-          <a:bodyPr rtlCol="0" anchor="ctr"/>
-          <a:lstStyle/>
-          <a:p>
-            <a:pPr algn="ctr"/>
-            <a:endParaRPr lang="en-US"/>
-          </a:p>
-        </p:txBody>
-      </p:sp>
-    </p:spTree>
-    <p:extLst>
-      <p:ext uri="{BB962C8B-B14F-4D97-AF65-F5344CB8AC3E}">
-        <p14:creationId xmlns:p14="http://schemas.microsoft.com/office/powerpoint/2010/main" val="3539138357"/>
-      </p:ext>
-    </p:extLst>
-  </p:cSld>
-  <p:clrMapOvr>
-    <a:masterClrMapping/>
-  </p:clrMapOvr>
-</p:sld>
-</file>
-
-<file path=ppt/slides/slide20.xml><?xml version="1.0" encoding="utf-8"?>
+<file path=ppt/slides/slide21.xml><?xml version="1.0" encoding="utf-8"?>
 <p:sld xmlns:a="http://schemas.openxmlformats.org/drawingml/2006/main" xmlns:r="http://schemas.openxmlformats.org/officeDocument/2006/relationships" xmlns:p="http://schemas.openxmlformats.org/presentationml/2006/main">
   <p:cSld>
     <p:bg>
@@ -20167,7 +22369,7 @@
 </p:sld>
 </file>
 
-<file path=ppt/slides/slide21.xml><?xml version="1.0" encoding="utf-8"?>
+<file path=ppt/slides/slide22.xml><?xml version="1.0" encoding="utf-8"?>
 <p:sld xmlns:a="http://schemas.openxmlformats.org/drawingml/2006/main" xmlns:r="http://schemas.openxmlformats.org/officeDocument/2006/relationships" xmlns:p="http://schemas.openxmlformats.org/presentationml/2006/main">
   <p:cSld>
     <p:bg>
@@ -23359,7 +25561,7 @@
             <p:ph idx="1"/>
             <p:extLst>
               <p:ext uri="{D42A27DB-BD31-4B8C-83A1-F6EECF244321}">
-                <p14:modId xmlns:p14="http://schemas.microsoft.com/office/powerpoint/2010/main" val="2788886147"/>
+                <p14:modId xmlns:p14="http://schemas.microsoft.com/office/powerpoint/2010/main" val="3666027997"/>
               </p:ext>
             </p:extLst>
           </p:nvPr>
@@ -23388,6 +25590,1706 @@
 </file>
 
 <file path=ppt/slides/slide4.xml><?xml version="1.0" encoding="utf-8"?>
+<p:sld xmlns:a="http://schemas.openxmlformats.org/drawingml/2006/main" xmlns:r="http://schemas.openxmlformats.org/officeDocument/2006/relationships" xmlns:p="http://schemas.openxmlformats.org/presentationml/2006/main">
+  <p:cSld>
+    <p:bg>
+      <p:bgPr>
+        <a:solidFill>
+          <a:schemeClr val="bg1"/>
+        </a:solidFill>
+        <a:effectLst/>
+      </p:bgPr>
+    </p:bg>
+    <p:spTree>
+      <p:nvGrpSpPr>
+        <p:cNvPr id="1" name=""/>
+        <p:cNvGrpSpPr/>
+        <p:nvPr/>
+      </p:nvGrpSpPr>
+      <p:grpSpPr>
+        <a:xfrm>
+          <a:off x="0" y="0"/>
+          <a:ext cx="0" cy="0"/>
+          <a:chOff x="0" y="0"/>
+          <a:chExt cx="0" cy="0"/>
+        </a:xfrm>
+      </p:grpSpPr>
+      <p:sp useBgFill="1">
+        <p:nvSpPr>
+          <p:cNvPr id="14" name="Rectangle 8">
+            <a:extLst>
+              <a:ext uri="{FF2B5EF4-FFF2-40B4-BE49-F238E27FC236}">
+                <a16:creationId xmlns:a16="http://schemas.microsoft.com/office/drawing/2014/main" id="{778AB447-A4B7-44D2-A99D-2E39CCFBD048}"/>
+              </a:ext>
+              <a:ext uri="{C183D7F6-B498-43B3-948B-1728B52AA6E4}">
+                <adec:decorative xmlns:adec="http://schemas.microsoft.com/office/drawing/2017/decorative" val="1"/>
+              </a:ext>
+            </a:extLst>
+          </p:cNvPr>
+          <p:cNvSpPr>
+            <a:spLocks noGrp="1" noRot="1" noChangeAspect="1" noMove="1" noResize="1" noEditPoints="1" noAdjustHandles="1" noChangeArrowheads="1" noChangeShapeType="1" noTextEdit="1"/>
+          </p:cNvSpPr>
+          <p:nvPr>
+            <p:extLst>
+              <p:ext uri="{386F3935-93C4-4BCD-93E2-E3B085C9AB24}">
+                <p16:designElem xmlns:p16="http://schemas.microsoft.com/office/powerpoint/2015/main" val="1"/>
+              </p:ext>
+            </p:extLst>
+          </p:nvPr>
+        </p:nvSpPr>
+        <p:spPr>
+          <a:xfrm>
+            <a:off x="0" y="0"/>
+            <a:ext cx="12188952" cy="6858000"/>
+          </a:xfrm>
+          <a:prstGeom prst="rect">
+            <a:avLst/>
+          </a:prstGeom>
+          <a:ln>
+            <a:noFill/>
+          </a:ln>
+        </p:spPr>
+        <p:style>
+          <a:lnRef idx="2">
+            <a:schemeClr val="accent1">
+              <a:shade val="50000"/>
+            </a:schemeClr>
+          </a:lnRef>
+          <a:fillRef idx="1">
+            <a:schemeClr val="accent1"/>
+          </a:fillRef>
+          <a:effectRef idx="0">
+            <a:schemeClr val="accent1"/>
+          </a:effectRef>
+          <a:fontRef idx="minor">
+            <a:schemeClr val="lt1"/>
+          </a:fontRef>
+        </p:style>
+        <p:txBody>
+          <a:bodyPr rtlCol="0" anchor="ctr"/>
+          <a:lstStyle/>
+          <a:p>
+            <a:pPr algn="ctr"/>
+            <a:endParaRPr lang="en-US"/>
+          </a:p>
+        </p:txBody>
+      </p:sp>
+      <p:sp>
+        <p:nvSpPr>
+          <p:cNvPr id="16" name="Rectangle 10">
+            <a:extLst>
+              <a:ext uri="{FF2B5EF4-FFF2-40B4-BE49-F238E27FC236}">
+                <a16:creationId xmlns:a16="http://schemas.microsoft.com/office/drawing/2014/main" id="{A5271697-90F1-4A23-8EF2-0179F2EAFACB}"/>
+              </a:ext>
+              <a:ext uri="{C183D7F6-B498-43B3-948B-1728B52AA6E4}">
+                <adec:decorative xmlns:adec="http://schemas.microsoft.com/office/drawing/2017/decorative" val="1"/>
+              </a:ext>
+            </a:extLst>
+          </p:cNvPr>
+          <p:cNvSpPr>
+            <a:spLocks noGrp="1" noRot="1" noChangeAspect="1" noMove="1" noResize="1" noEditPoints="1" noAdjustHandles="1" noChangeArrowheads="1" noChangeShapeType="1" noTextEdit="1"/>
+          </p:cNvSpPr>
+          <p:nvPr>
+            <p:extLst>
+              <p:ext uri="{386F3935-93C4-4BCD-93E2-E3B085C9AB24}">
+                <p16:designElem xmlns:p16="http://schemas.microsoft.com/office/powerpoint/2015/main" val="1"/>
+              </p:ext>
+            </p:extLst>
+          </p:nvPr>
+        </p:nvSpPr>
+        <p:spPr>
+          <a:xfrm>
+            <a:off x="-1" y="1"/>
+            <a:ext cx="606972" cy="3233984"/>
+          </a:xfrm>
+          <a:prstGeom prst="rect">
+            <a:avLst/>
+          </a:prstGeom>
+          <a:solidFill>
+            <a:schemeClr val="tx1">
+              <a:lumMod val="85000"/>
+              <a:lumOff val="15000"/>
+            </a:schemeClr>
+          </a:solidFill>
+          <a:ln>
+            <a:noFill/>
+          </a:ln>
+        </p:spPr>
+        <p:style>
+          <a:lnRef idx="2">
+            <a:schemeClr val="accent1">
+              <a:shade val="50000"/>
+            </a:schemeClr>
+          </a:lnRef>
+          <a:fillRef idx="1">
+            <a:schemeClr val="accent1"/>
+          </a:fillRef>
+          <a:effectRef idx="0">
+            <a:schemeClr val="accent1"/>
+          </a:effectRef>
+          <a:fontRef idx="minor">
+            <a:schemeClr val="lt1"/>
+          </a:fontRef>
+        </p:style>
+        <p:txBody>
+          <a:bodyPr rtlCol="0" anchor="ctr"/>
+          <a:lstStyle/>
+          <a:p>
+            <a:pPr algn="ctr"/>
+            <a:endParaRPr lang="en-US"/>
+          </a:p>
+        </p:txBody>
+      </p:sp>
+      <p:sp>
+        <p:nvSpPr>
+          <p:cNvPr id="13" name="Rectangle 12">
+            <a:extLst>
+              <a:ext uri="{FF2B5EF4-FFF2-40B4-BE49-F238E27FC236}">
+                <a16:creationId xmlns:a16="http://schemas.microsoft.com/office/drawing/2014/main" id="{D9F5512A-48E1-4C07-B75E-3CCC517B6804}"/>
+              </a:ext>
+              <a:ext uri="{C183D7F6-B498-43B3-948B-1728B52AA6E4}">
+                <adec:decorative xmlns:adec="http://schemas.microsoft.com/office/drawing/2017/decorative" val="1"/>
+              </a:ext>
+            </a:extLst>
+          </p:cNvPr>
+          <p:cNvSpPr>
+            <a:spLocks noGrp="1" noRot="1" noChangeAspect="1" noMove="1" noResize="1" noEditPoints="1" noAdjustHandles="1" noChangeArrowheads="1" noChangeShapeType="1" noTextEdit="1"/>
+          </p:cNvSpPr>
+          <p:nvPr>
+            <p:extLst>
+              <p:ext uri="{386F3935-93C4-4BCD-93E2-E3B085C9AB24}">
+                <p16:designElem xmlns:p16="http://schemas.microsoft.com/office/powerpoint/2015/main" val="1"/>
+              </p:ext>
+            </p:extLst>
+          </p:nvPr>
+        </p:nvSpPr>
+        <p:spPr>
+          <a:xfrm>
+            <a:off x="-1" y="3233984"/>
+            <a:ext cx="606972" cy="3624015"/>
+          </a:xfrm>
+          <a:prstGeom prst="rect">
+            <a:avLst/>
+          </a:prstGeom>
+          <a:solidFill>
+            <a:schemeClr val="accent1"/>
+          </a:solidFill>
+          <a:ln>
+            <a:noFill/>
+          </a:ln>
+        </p:spPr>
+        <p:style>
+          <a:lnRef idx="2">
+            <a:schemeClr val="accent1">
+              <a:shade val="50000"/>
+            </a:schemeClr>
+          </a:lnRef>
+          <a:fillRef idx="1">
+            <a:schemeClr val="accent1"/>
+          </a:fillRef>
+          <a:effectRef idx="0">
+            <a:schemeClr val="accent1"/>
+          </a:effectRef>
+          <a:fontRef idx="minor">
+            <a:schemeClr val="lt1"/>
+          </a:fontRef>
+        </p:style>
+        <p:txBody>
+          <a:bodyPr rtlCol="0" anchor="ctr"/>
+          <a:lstStyle/>
+          <a:p>
+            <a:pPr algn="ctr"/>
+            <a:endParaRPr lang="en-US"/>
+          </a:p>
+        </p:txBody>
+      </p:sp>
+      <p:sp>
+        <p:nvSpPr>
+          <p:cNvPr id="15" name="Rectangle 14">
+            <a:extLst>
+              <a:ext uri="{FF2B5EF4-FFF2-40B4-BE49-F238E27FC236}">
+                <a16:creationId xmlns:a16="http://schemas.microsoft.com/office/drawing/2014/main" id="{9D800584-727A-48CF-8223-244AD9717CAA}"/>
+              </a:ext>
+              <a:ext uri="{C183D7F6-B498-43B3-948B-1728B52AA6E4}">
+                <adec:decorative xmlns:adec="http://schemas.microsoft.com/office/drawing/2017/decorative" val="1"/>
+              </a:ext>
+            </a:extLst>
+          </p:cNvPr>
+          <p:cNvSpPr>
+            <a:spLocks noGrp="1" noRot="1" noChangeAspect="1" noMove="1" noResize="1" noEditPoints="1" noAdjustHandles="1" noChangeArrowheads="1" noChangeShapeType="1" noTextEdit="1"/>
+          </p:cNvSpPr>
+          <p:nvPr>
+            <p:extLst>
+              <p:ext uri="{386F3935-93C4-4BCD-93E2-E3B085C9AB24}">
+                <p16:designElem xmlns:p16="http://schemas.microsoft.com/office/powerpoint/2015/main" val="1"/>
+              </p:ext>
+            </p:extLst>
+          </p:nvPr>
+        </p:nvSpPr>
+        <p:spPr>
+          <a:xfrm>
+            <a:off x="606967" y="-1"/>
+            <a:ext cx="5037375" cy="6857999"/>
+          </a:xfrm>
+          <a:prstGeom prst="rect">
+            <a:avLst/>
+          </a:prstGeom>
+          <a:solidFill>
+            <a:schemeClr val="bg1">
+              <a:lumMod val="95000"/>
+            </a:schemeClr>
+          </a:solidFill>
+          <a:ln>
+            <a:noFill/>
+          </a:ln>
+        </p:spPr>
+        <p:style>
+          <a:lnRef idx="2">
+            <a:schemeClr val="accent1">
+              <a:shade val="50000"/>
+            </a:schemeClr>
+          </a:lnRef>
+          <a:fillRef idx="1">
+            <a:schemeClr val="accent1"/>
+          </a:fillRef>
+          <a:effectRef idx="0">
+            <a:schemeClr val="accent1"/>
+          </a:effectRef>
+          <a:fontRef idx="minor">
+            <a:schemeClr val="lt1"/>
+          </a:fontRef>
+        </p:style>
+        <p:txBody>
+          <a:bodyPr rtlCol="0" anchor="ctr"/>
+          <a:lstStyle/>
+          <a:p>
+            <a:pPr algn="ctr"/>
+            <a:endParaRPr lang="en-US"/>
+          </a:p>
+        </p:txBody>
+      </p:sp>
+      <p:sp>
+        <p:nvSpPr>
+          <p:cNvPr id="2" name="Title 1">
+            <a:extLst>
+              <a:ext uri="{FF2B5EF4-FFF2-40B4-BE49-F238E27FC236}">
+                <a16:creationId xmlns:a16="http://schemas.microsoft.com/office/drawing/2014/main" id="{E915AD76-B3D2-467B-B2DF-8B6F60231D67}"/>
+              </a:ext>
+            </a:extLst>
+          </p:cNvPr>
+          <p:cNvSpPr>
+            <a:spLocks noGrp="1"/>
+          </p:cNvSpPr>
+          <p:nvPr>
+            <p:ph type="title"/>
+          </p:nvPr>
+        </p:nvSpPr>
+        <p:spPr>
+          <a:xfrm>
+            <a:off x="1166649" y="1200457"/>
+            <a:ext cx="3771111" cy="4075386"/>
+          </a:xfrm>
+        </p:spPr>
+        <p:txBody>
+          <a:bodyPr anchor="ctr">
+            <a:normAutofit/>
+          </a:bodyPr>
+          <a:lstStyle/>
+          <a:p>
+            <a:r>
+              <a:rPr lang="en-US" sz="5400" dirty="0"/>
+              <a:t>Kernel Socket Options</a:t>
+            </a:r>
+          </a:p>
+        </p:txBody>
+      </p:sp>
+      <p:grpSp>
+        <p:nvGrpSpPr>
+          <p:cNvPr id="17" name="Group 16">
+            <a:extLst>
+              <a:ext uri="{FF2B5EF4-FFF2-40B4-BE49-F238E27FC236}">
+                <a16:creationId xmlns:a16="http://schemas.microsoft.com/office/drawing/2014/main" id="{0F06CE9D-DF08-4313-8DD2-D81E1D59F323}"/>
+              </a:ext>
+              <a:ext uri="{C183D7F6-B498-43B3-948B-1728B52AA6E4}">
+                <adec:decorative xmlns:adec="http://schemas.microsoft.com/office/drawing/2017/decorative" val="1"/>
+              </a:ext>
+            </a:extLst>
+          </p:cNvPr>
+          <p:cNvGrpSpPr>
+            <a:grpSpLocks noGrp="1" noUngrp="1" noRot="1" noChangeAspect="1" noMove="1" noResize="1"/>
+          </p:cNvGrpSpPr>
+          <p:nvPr>
+            <p:extLst>
+              <p:ext uri="{386F3935-93C4-4BCD-93E2-E3B085C9AB24}">
+                <p16:designElem xmlns:p16="http://schemas.microsoft.com/office/powerpoint/2015/main" val="1"/>
+              </p:ext>
+            </p:extLst>
+          </p:nvPr>
+        </p:nvGrpSpPr>
+        <p:grpSpPr>
+          <a:xfrm>
+            <a:off x="1188720" y="73152"/>
+            <a:ext cx="1178966" cy="232963"/>
+            <a:chOff x="5422392" y="64008"/>
+            <a:chExt cx="1178966" cy="232963"/>
+          </a:xfrm>
+        </p:grpSpPr>
+        <p:sp>
+          <p:nvSpPr>
+            <p:cNvPr id="18" name="Rectangle 64">
+              <a:extLst>
+                <a:ext uri="{FF2B5EF4-FFF2-40B4-BE49-F238E27FC236}">
+                  <a16:creationId xmlns:a16="http://schemas.microsoft.com/office/drawing/2014/main" id="{55C105DD-77F3-4287-BFFC-B818D6A28C93}"/>
+                </a:ext>
+                <a:ext uri="{C183D7F6-B498-43B3-948B-1728B52AA6E4}">
+                  <adec:decorative xmlns:adec="http://schemas.microsoft.com/office/drawing/2017/decorative" val="1"/>
+                </a:ext>
+              </a:extLst>
+            </p:cNvPr>
+            <p:cNvSpPr/>
+            <p:nvPr>
+              <p:extLst>
+                <p:ext uri="{386F3935-93C4-4BCD-93E2-E3B085C9AB24}">
+                  <p16:designElem xmlns:p16="http://schemas.microsoft.com/office/powerpoint/2015/main" val="1"/>
+                </p:ext>
+              </p:extLst>
+            </p:nvPr>
+          </p:nvSpPr>
+          <p:spPr>
+            <a:xfrm>
+              <a:off x="5922213" y="64008"/>
+              <a:ext cx="54368" cy="59227"/>
+            </a:xfrm>
+            <a:prstGeom prst="ellipse">
+              <a:avLst/>
+            </a:prstGeom>
+            <a:solidFill>
+              <a:schemeClr val="accent1"/>
+            </a:solidFill>
+            <a:ln>
+              <a:noFill/>
+            </a:ln>
+          </p:spPr>
+          <p:style>
+            <a:lnRef idx="2">
+              <a:schemeClr val="accent1">
+                <a:shade val="50000"/>
+              </a:schemeClr>
+            </a:lnRef>
+            <a:fillRef idx="1">
+              <a:schemeClr val="accent1"/>
+            </a:fillRef>
+            <a:effectRef idx="0">
+              <a:schemeClr val="accent1"/>
+            </a:effectRef>
+            <a:fontRef idx="minor">
+              <a:schemeClr val="lt1"/>
+            </a:fontRef>
+          </p:style>
+          <p:txBody>
+            <a:bodyPr rtlCol="0" anchor="ctr"/>
+            <a:lstStyle/>
+            <a:p>
+              <a:pPr algn="ctr"/>
+              <a:endParaRPr lang="en-US"/>
+            </a:p>
+          </p:txBody>
+        </p:sp>
+        <p:sp>
+          <p:nvSpPr>
+            <p:cNvPr id="19" name="Rectangle 66">
+              <a:extLst>
+                <a:ext uri="{FF2B5EF4-FFF2-40B4-BE49-F238E27FC236}">
+                  <a16:creationId xmlns:a16="http://schemas.microsoft.com/office/drawing/2014/main" id="{6173F360-EE51-4521-A25E-5869A978B837}"/>
+                </a:ext>
+                <a:ext uri="{C183D7F6-B498-43B3-948B-1728B52AA6E4}">
+                  <adec:decorative xmlns:adec="http://schemas.microsoft.com/office/drawing/2017/decorative" val="1"/>
+                </a:ext>
+              </a:extLst>
+            </p:cNvPr>
+            <p:cNvSpPr/>
+            <p:nvPr>
+              <p:extLst>
+                <p:ext uri="{386F3935-93C4-4BCD-93E2-E3B085C9AB24}">
+                  <p16:designElem xmlns:p16="http://schemas.microsoft.com/office/powerpoint/2015/main" val="1"/>
+                </p:ext>
+              </p:extLst>
+            </p:nvPr>
+          </p:nvSpPr>
+          <p:spPr>
+            <a:xfrm>
+              <a:off x="5922213" y="237744"/>
+              <a:ext cx="54368" cy="59227"/>
+            </a:xfrm>
+            <a:prstGeom prst="ellipse">
+              <a:avLst/>
+            </a:prstGeom>
+            <a:solidFill>
+              <a:schemeClr val="accent1"/>
+            </a:solidFill>
+            <a:ln>
+              <a:noFill/>
+            </a:ln>
+          </p:spPr>
+          <p:style>
+            <a:lnRef idx="2">
+              <a:schemeClr val="accent1">
+                <a:shade val="50000"/>
+              </a:schemeClr>
+            </a:lnRef>
+            <a:fillRef idx="1">
+              <a:schemeClr val="accent1"/>
+            </a:fillRef>
+            <a:effectRef idx="0">
+              <a:schemeClr val="accent1"/>
+            </a:effectRef>
+            <a:fontRef idx="minor">
+              <a:schemeClr val="lt1"/>
+            </a:fontRef>
+          </p:style>
+          <p:txBody>
+            <a:bodyPr rtlCol="0" anchor="ctr"/>
+            <a:lstStyle/>
+            <a:p>
+              <a:pPr algn="ctr"/>
+              <a:endParaRPr lang="en-US"/>
+            </a:p>
+          </p:txBody>
+        </p:sp>
+        <p:sp>
+          <p:nvSpPr>
+            <p:cNvPr id="20" name="Rectangle 64">
+              <a:extLst>
+                <a:ext uri="{FF2B5EF4-FFF2-40B4-BE49-F238E27FC236}">
+                  <a16:creationId xmlns:a16="http://schemas.microsoft.com/office/drawing/2014/main" id="{5414DD3E-CFF7-4BD5-A220-D2F970E51B37}"/>
+                </a:ext>
+                <a:ext uri="{C183D7F6-B498-43B3-948B-1728B52AA6E4}">
+                  <adec:decorative xmlns:adec="http://schemas.microsoft.com/office/drawing/2017/decorative" val="1"/>
+                </a:ext>
+              </a:extLst>
+            </p:cNvPr>
+            <p:cNvSpPr/>
+            <p:nvPr>
+              <p:extLst>
+                <p:ext uri="{386F3935-93C4-4BCD-93E2-E3B085C9AB24}">
+                  <p16:designElem xmlns:p16="http://schemas.microsoft.com/office/powerpoint/2015/main" val="1"/>
+                </p:ext>
+              </p:extLst>
+            </p:nvPr>
+          </p:nvSpPr>
+          <p:spPr>
+            <a:xfrm>
+              <a:off x="5797258" y="64008"/>
+              <a:ext cx="54368" cy="59227"/>
+            </a:xfrm>
+            <a:prstGeom prst="ellipse">
+              <a:avLst/>
+            </a:prstGeom>
+            <a:solidFill>
+              <a:schemeClr val="accent1"/>
+            </a:solidFill>
+            <a:ln>
+              <a:noFill/>
+            </a:ln>
+          </p:spPr>
+          <p:style>
+            <a:lnRef idx="2">
+              <a:schemeClr val="accent1">
+                <a:shade val="50000"/>
+              </a:schemeClr>
+            </a:lnRef>
+            <a:fillRef idx="1">
+              <a:schemeClr val="accent1"/>
+            </a:fillRef>
+            <a:effectRef idx="0">
+              <a:schemeClr val="accent1"/>
+            </a:effectRef>
+            <a:fontRef idx="minor">
+              <a:schemeClr val="lt1"/>
+            </a:fontRef>
+          </p:style>
+          <p:txBody>
+            <a:bodyPr rtlCol="0" anchor="ctr"/>
+            <a:lstStyle/>
+            <a:p>
+              <a:pPr algn="ctr"/>
+              <a:endParaRPr lang="en-US"/>
+            </a:p>
+          </p:txBody>
+        </p:sp>
+        <p:sp>
+          <p:nvSpPr>
+            <p:cNvPr id="21" name="Rectangle 66">
+              <a:extLst>
+                <a:ext uri="{FF2B5EF4-FFF2-40B4-BE49-F238E27FC236}">
+                  <a16:creationId xmlns:a16="http://schemas.microsoft.com/office/drawing/2014/main" id="{27190517-FE45-416F-8FE4-7DCF37655F94}"/>
+                </a:ext>
+                <a:ext uri="{C183D7F6-B498-43B3-948B-1728B52AA6E4}">
+                  <adec:decorative xmlns:adec="http://schemas.microsoft.com/office/drawing/2017/decorative" val="1"/>
+                </a:ext>
+              </a:extLst>
+            </p:cNvPr>
+            <p:cNvSpPr/>
+            <p:nvPr>
+              <p:extLst>
+                <p:ext uri="{386F3935-93C4-4BCD-93E2-E3B085C9AB24}">
+                  <p16:designElem xmlns:p16="http://schemas.microsoft.com/office/powerpoint/2015/main" val="1"/>
+                </p:ext>
+              </p:extLst>
+            </p:nvPr>
+          </p:nvSpPr>
+          <p:spPr>
+            <a:xfrm>
+              <a:off x="5797258" y="237744"/>
+              <a:ext cx="54368" cy="59227"/>
+            </a:xfrm>
+            <a:prstGeom prst="ellipse">
+              <a:avLst/>
+            </a:prstGeom>
+            <a:solidFill>
+              <a:schemeClr val="accent1"/>
+            </a:solidFill>
+            <a:ln>
+              <a:noFill/>
+            </a:ln>
+          </p:spPr>
+          <p:style>
+            <a:lnRef idx="2">
+              <a:schemeClr val="accent1">
+                <a:shade val="50000"/>
+              </a:schemeClr>
+            </a:lnRef>
+            <a:fillRef idx="1">
+              <a:schemeClr val="accent1"/>
+            </a:fillRef>
+            <a:effectRef idx="0">
+              <a:schemeClr val="accent1"/>
+            </a:effectRef>
+            <a:fontRef idx="minor">
+              <a:schemeClr val="lt1"/>
+            </a:fontRef>
+          </p:style>
+          <p:txBody>
+            <a:bodyPr rtlCol="0" anchor="ctr"/>
+            <a:lstStyle/>
+            <a:p>
+              <a:pPr algn="ctr"/>
+              <a:endParaRPr lang="en-US"/>
+            </a:p>
+          </p:txBody>
+        </p:sp>
+        <p:sp>
+          <p:nvSpPr>
+            <p:cNvPr id="22" name="Rectangle 64">
+              <a:extLst>
+                <a:ext uri="{FF2B5EF4-FFF2-40B4-BE49-F238E27FC236}">
+                  <a16:creationId xmlns:a16="http://schemas.microsoft.com/office/drawing/2014/main" id="{A671D49D-B542-48F6-8659-58E9BC5CB382}"/>
+                </a:ext>
+                <a:ext uri="{C183D7F6-B498-43B3-948B-1728B52AA6E4}">
+                  <adec:decorative xmlns:adec="http://schemas.microsoft.com/office/drawing/2017/decorative" val="1"/>
+                </a:ext>
+              </a:extLst>
+            </p:cNvPr>
+            <p:cNvSpPr/>
+            <p:nvPr>
+              <p:extLst>
+                <p:ext uri="{386F3935-93C4-4BCD-93E2-E3B085C9AB24}">
+                  <p16:designElem xmlns:p16="http://schemas.microsoft.com/office/powerpoint/2015/main" val="1"/>
+                </p:ext>
+              </p:extLst>
+            </p:nvPr>
+          </p:nvSpPr>
+          <p:spPr>
+            <a:xfrm>
+              <a:off x="5672303" y="64008"/>
+              <a:ext cx="54368" cy="59227"/>
+            </a:xfrm>
+            <a:prstGeom prst="ellipse">
+              <a:avLst/>
+            </a:prstGeom>
+            <a:solidFill>
+              <a:schemeClr val="accent1"/>
+            </a:solidFill>
+            <a:ln>
+              <a:noFill/>
+            </a:ln>
+          </p:spPr>
+          <p:style>
+            <a:lnRef idx="2">
+              <a:schemeClr val="accent1">
+                <a:shade val="50000"/>
+              </a:schemeClr>
+            </a:lnRef>
+            <a:fillRef idx="1">
+              <a:schemeClr val="accent1"/>
+            </a:fillRef>
+            <a:effectRef idx="0">
+              <a:schemeClr val="accent1"/>
+            </a:effectRef>
+            <a:fontRef idx="minor">
+              <a:schemeClr val="lt1"/>
+            </a:fontRef>
+          </p:style>
+          <p:txBody>
+            <a:bodyPr rtlCol="0" anchor="ctr"/>
+            <a:lstStyle/>
+            <a:p>
+              <a:pPr algn="ctr"/>
+              <a:endParaRPr lang="en-US"/>
+            </a:p>
+          </p:txBody>
+        </p:sp>
+        <p:sp>
+          <p:nvSpPr>
+            <p:cNvPr id="23" name="Rectangle 66">
+              <a:extLst>
+                <a:ext uri="{FF2B5EF4-FFF2-40B4-BE49-F238E27FC236}">
+                  <a16:creationId xmlns:a16="http://schemas.microsoft.com/office/drawing/2014/main" id="{E481E675-7AFA-43FE-9992-A964F7BC02F8}"/>
+                </a:ext>
+                <a:ext uri="{C183D7F6-B498-43B3-948B-1728B52AA6E4}">
+                  <adec:decorative xmlns:adec="http://schemas.microsoft.com/office/drawing/2017/decorative" val="1"/>
+                </a:ext>
+              </a:extLst>
+            </p:cNvPr>
+            <p:cNvSpPr/>
+            <p:nvPr>
+              <p:extLst>
+                <p:ext uri="{386F3935-93C4-4BCD-93E2-E3B085C9AB24}">
+                  <p16:designElem xmlns:p16="http://schemas.microsoft.com/office/powerpoint/2015/main" val="1"/>
+                </p:ext>
+              </p:extLst>
+            </p:nvPr>
+          </p:nvSpPr>
+          <p:spPr>
+            <a:xfrm>
+              <a:off x="5672303" y="237744"/>
+              <a:ext cx="54368" cy="59227"/>
+            </a:xfrm>
+            <a:prstGeom prst="ellipse">
+              <a:avLst/>
+            </a:prstGeom>
+            <a:solidFill>
+              <a:schemeClr val="accent1"/>
+            </a:solidFill>
+            <a:ln>
+              <a:noFill/>
+            </a:ln>
+          </p:spPr>
+          <p:style>
+            <a:lnRef idx="2">
+              <a:schemeClr val="accent1">
+                <a:shade val="50000"/>
+              </a:schemeClr>
+            </a:lnRef>
+            <a:fillRef idx="1">
+              <a:schemeClr val="accent1"/>
+            </a:fillRef>
+            <a:effectRef idx="0">
+              <a:schemeClr val="accent1"/>
+            </a:effectRef>
+            <a:fontRef idx="minor">
+              <a:schemeClr val="lt1"/>
+            </a:fontRef>
+          </p:style>
+          <p:txBody>
+            <a:bodyPr rtlCol="0" anchor="ctr"/>
+            <a:lstStyle/>
+            <a:p>
+              <a:pPr algn="ctr"/>
+              <a:endParaRPr lang="en-US"/>
+            </a:p>
+          </p:txBody>
+        </p:sp>
+        <p:sp>
+          <p:nvSpPr>
+            <p:cNvPr id="24" name="Rectangle 64">
+              <a:extLst>
+                <a:ext uri="{FF2B5EF4-FFF2-40B4-BE49-F238E27FC236}">
+                  <a16:creationId xmlns:a16="http://schemas.microsoft.com/office/drawing/2014/main" id="{55B95BBC-B6C8-4343-A351-48F84A004AE2}"/>
+                </a:ext>
+                <a:ext uri="{C183D7F6-B498-43B3-948B-1728B52AA6E4}">
+                  <adec:decorative xmlns:adec="http://schemas.microsoft.com/office/drawing/2017/decorative" val="1"/>
+                </a:ext>
+              </a:extLst>
+            </p:cNvPr>
+            <p:cNvSpPr/>
+            <p:nvPr>
+              <p:extLst>
+                <p:ext uri="{386F3935-93C4-4BCD-93E2-E3B085C9AB24}">
+                  <p16:designElem xmlns:p16="http://schemas.microsoft.com/office/powerpoint/2015/main" val="1"/>
+                </p:ext>
+              </p:extLst>
+            </p:nvPr>
+          </p:nvSpPr>
+          <p:spPr>
+            <a:xfrm>
+              <a:off x="5547347" y="64008"/>
+              <a:ext cx="54368" cy="59227"/>
+            </a:xfrm>
+            <a:prstGeom prst="ellipse">
+              <a:avLst/>
+            </a:prstGeom>
+            <a:solidFill>
+              <a:schemeClr val="accent1"/>
+            </a:solidFill>
+            <a:ln>
+              <a:noFill/>
+            </a:ln>
+          </p:spPr>
+          <p:style>
+            <a:lnRef idx="2">
+              <a:schemeClr val="accent1">
+                <a:shade val="50000"/>
+              </a:schemeClr>
+            </a:lnRef>
+            <a:fillRef idx="1">
+              <a:schemeClr val="accent1"/>
+            </a:fillRef>
+            <a:effectRef idx="0">
+              <a:schemeClr val="accent1"/>
+            </a:effectRef>
+            <a:fontRef idx="minor">
+              <a:schemeClr val="lt1"/>
+            </a:fontRef>
+          </p:style>
+          <p:txBody>
+            <a:bodyPr rtlCol="0" anchor="ctr"/>
+            <a:lstStyle/>
+            <a:p>
+              <a:pPr algn="ctr"/>
+              <a:endParaRPr lang="en-US"/>
+            </a:p>
+          </p:txBody>
+        </p:sp>
+        <p:sp>
+          <p:nvSpPr>
+            <p:cNvPr id="25" name="Rectangle 66">
+              <a:extLst>
+                <a:ext uri="{FF2B5EF4-FFF2-40B4-BE49-F238E27FC236}">
+                  <a16:creationId xmlns:a16="http://schemas.microsoft.com/office/drawing/2014/main" id="{19DD17FE-BE4B-4643-B60F-5EAA77F1C714}"/>
+                </a:ext>
+                <a:ext uri="{C183D7F6-B498-43B3-948B-1728B52AA6E4}">
+                  <adec:decorative xmlns:adec="http://schemas.microsoft.com/office/drawing/2017/decorative" val="1"/>
+                </a:ext>
+              </a:extLst>
+            </p:cNvPr>
+            <p:cNvSpPr/>
+            <p:nvPr>
+              <p:extLst>
+                <p:ext uri="{386F3935-93C4-4BCD-93E2-E3B085C9AB24}">
+                  <p16:designElem xmlns:p16="http://schemas.microsoft.com/office/powerpoint/2015/main" val="1"/>
+                </p:ext>
+              </p:extLst>
+            </p:nvPr>
+          </p:nvSpPr>
+          <p:spPr>
+            <a:xfrm>
+              <a:off x="5547347" y="237744"/>
+              <a:ext cx="54368" cy="59227"/>
+            </a:xfrm>
+            <a:prstGeom prst="ellipse">
+              <a:avLst/>
+            </a:prstGeom>
+            <a:solidFill>
+              <a:schemeClr val="accent1"/>
+            </a:solidFill>
+            <a:ln>
+              <a:noFill/>
+            </a:ln>
+          </p:spPr>
+          <p:style>
+            <a:lnRef idx="2">
+              <a:schemeClr val="accent1">
+                <a:shade val="50000"/>
+              </a:schemeClr>
+            </a:lnRef>
+            <a:fillRef idx="1">
+              <a:schemeClr val="accent1"/>
+            </a:fillRef>
+            <a:effectRef idx="0">
+              <a:schemeClr val="accent1"/>
+            </a:effectRef>
+            <a:fontRef idx="minor">
+              <a:schemeClr val="lt1"/>
+            </a:fontRef>
+          </p:style>
+          <p:txBody>
+            <a:bodyPr rtlCol="0" anchor="ctr"/>
+            <a:lstStyle/>
+            <a:p>
+              <a:pPr algn="ctr"/>
+              <a:endParaRPr lang="en-US"/>
+            </a:p>
+          </p:txBody>
+        </p:sp>
+        <p:sp>
+          <p:nvSpPr>
+            <p:cNvPr id="26" name="Rectangle 64">
+              <a:extLst>
+                <a:ext uri="{FF2B5EF4-FFF2-40B4-BE49-F238E27FC236}">
+                  <a16:creationId xmlns:a16="http://schemas.microsoft.com/office/drawing/2014/main" id="{873D554F-3F0D-4969-8C06-D24F273A454F}"/>
+                </a:ext>
+                <a:ext uri="{C183D7F6-B498-43B3-948B-1728B52AA6E4}">
+                  <adec:decorative xmlns:adec="http://schemas.microsoft.com/office/drawing/2017/decorative" val="1"/>
+                </a:ext>
+              </a:extLst>
+            </p:cNvPr>
+            <p:cNvSpPr/>
+            <p:nvPr>
+              <p:extLst>
+                <p:ext uri="{386F3935-93C4-4BCD-93E2-E3B085C9AB24}">
+                  <p16:designElem xmlns:p16="http://schemas.microsoft.com/office/powerpoint/2015/main" val="1"/>
+                </p:ext>
+              </p:extLst>
+            </p:nvPr>
+          </p:nvSpPr>
+          <p:spPr>
+            <a:xfrm>
+              <a:off x="5422392" y="64008"/>
+              <a:ext cx="54368" cy="59227"/>
+            </a:xfrm>
+            <a:prstGeom prst="ellipse">
+              <a:avLst/>
+            </a:prstGeom>
+            <a:solidFill>
+              <a:schemeClr val="accent1"/>
+            </a:solidFill>
+            <a:ln>
+              <a:noFill/>
+            </a:ln>
+          </p:spPr>
+          <p:style>
+            <a:lnRef idx="2">
+              <a:schemeClr val="accent1">
+                <a:shade val="50000"/>
+              </a:schemeClr>
+            </a:lnRef>
+            <a:fillRef idx="1">
+              <a:schemeClr val="accent1"/>
+            </a:fillRef>
+            <a:effectRef idx="0">
+              <a:schemeClr val="accent1"/>
+            </a:effectRef>
+            <a:fontRef idx="minor">
+              <a:schemeClr val="lt1"/>
+            </a:fontRef>
+          </p:style>
+          <p:txBody>
+            <a:bodyPr rtlCol="0" anchor="ctr"/>
+            <a:lstStyle/>
+            <a:p>
+              <a:pPr algn="ctr"/>
+              <a:endParaRPr lang="en-US"/>
+            </a:p>
+          </p:txBody>
+        </p:sp>
+        <p:sp>
+          <p:nvSpPr>
+            <p:cNvPr id="27" name="Rectangle 66">
+              <a:extLst>
+                <a:ext uri="{FF2B5EF4-FFF2-40B4-BE49-F238E27FC236}">
+                  <a16:creationId xmlns:a16="http://schemas.microsoft.com/office/drawing/2014/main" id="{74151414-E46C-4BF0-A630-1D31400AAD9D}"/>
+                </a:ext>
+                <a:ext uri="{C183D7F6-B498-43B3-948B-1728B52AA6E4}">
+                  <adec:decorative xmlns:adec="http://schemas.microsoft.com/office/drawing/2017/decorative" val="1"/>
+                </a:ext>
+              </a:extLst>
+            </p:cNvPr>
+            <p:cNvSpPr/>
+            <p:nvPr>
+              <p:extLst>
+                <p:ext uri="{386F3935-93C4-4BCD-93E2-E3B085C9AB24}">
+                  <p16:designElem xmlns:p16="http://schemas.microsoft.com/office/powerpoint/2015/main" val="1"/>
+                </p:ext>
+              </p:extLst>
+            </p:nvPr>
+          </p:nvSpPr>
+          <p:spPr>
+            <a:xfrm>
+              <a:off x="5422392" y="237744"/>
+              <a:ext cx="54368" cy="59227"/>
+            </a:xfrm>
+            <a:prstGeom prst="ellipse">
+              <a:avLst/>
+            </a:prstGeom>
+            <a:solidFill>
+              <a:schemeClr val="accent1"/>
+            </a:solidFill>
+            <a:ln>
+              <a:noFill/>
+            </a:ln>
+          </p:spPr>
+          <p:style>
+            <a:lnRef idx="2">
+              <a:schemeClr val="accent1">
+                <a:shade val="50000"/>
+              </a:schemeClr>
+            </a:lnRef>
+            <a:fillRef idx="1">
+              <a:schemeClr val="accent1"/>
+            </a:fillRef>
+            <a:effectRef idx="0">
+              <a:schemeClr val="accent1"/>
+            </a:effectRef>
+            <a:fontRef idx="minor">
+              <a:schemeClr val="lt1"/>
+            </a:fontRef>
+          </p:style>
+          <p:txBody>
+            <a:bodyPr rtlCol="0" anchor="ctr"/>
+            <a:lstStyle/>
+            <a:p>
+              <a:pPr algn="ctr"/>
+              <a:endParaRPr lang="en-US"/>
+            </a:p>
+          </p:txBody>
+        </p:sp>
+        <p:sp>
+          <p:nvSpPr>
+            <p:cNvPr id="28" name="Rectangle 64">
+              <a:extLst>
+                <a:ext uri="{FF2B5EF4-FFF2-40B4-BE49-F238E27FC236}">
+                  <a16:creationId xmlns:a16="http://schemas.microsoft.com/office/drawing/2014/main" id="{1FBE19C0-69DE-489C-9704-81240B4ED3E0}"/>
+                </a:ext>
+                <a:ext uri="{C183D7F6-B498-43B3-948B-1728B52AA6E4}">
+                  <adec:decorative xmlns:adec="http://schemas.microsoft.com/office/drawing/2017/decorative" val="1"/>
+                </a:ext>
+              </a:extLst>
+            </p:cNvPr>
+            <p:cNvSpPr/>
+            <p:nvPr>
+              <p:extLst>
+                <p:ext uri="{386F3935-93C4-4BCD-93E2-E3B085C9AB24}">
+                  <p16:designElem xmlns:p16="http://schemas.microsoft.com/office/powerpoint/2015/main" val="1"/>
+                </p:ext>
+              </p:extLst>
+            </p:nvPr>
+          </p:nvSpPr>
+          <p:spPr>
+            <a:xfrm>
+              <a:off x="6546990" y="64008"/>
+              <a:ext cx="54368" cy="59227"/>
+            </a:xfrm>
+            <a:prstGeom prst="ellipse">
+              <a:avLst/>
+            </a:prstGeom>
+            <a:solidFill>
+              <a:schemeClr val="accent1"/>
+            </a:solidFill>
+            <a:ln>
+              <a:noFill/>
+            </a:ln>
+          </p:spPr>
+          <p:style>
+            <a:lnRef idx="2">
+              <a:schemeClr val="accent1">
+                <a:shade val="50000"/>
+              </a:schemeClr>
+            </a:lnRef>
+            <a:fillRef idx="1">
+              <a:schemeClr val="accent1"/>
+            </a:fillRef>
+            <a:effectRef idx="0">
+              <a:schemeClr val="accent1"/>
+            </a:effectRef>
+            <a:fontRef idx="minor">
+              <a:schemeClr val="lt1"/>
+            </a:fontRef>
+          </p:style>
+          <p:txBody>
+            <a:bodyPr rtlCol="0" anchor="ctr"/>
+            <a:lstStyle/>
+            <a:p>
+              <a:pPr algn="ctr"/>
+              <a:endParaRPr lang="en-US"/>
+            </a:p>
+          </p:txBody>
+        </p:sp>
+        <p:sp>
+          <p:nvSpPr>
+            <p:cNvPr id="29" name="Rectangle 66">
+              <a:extLst>
+                <a:ext uri="{FF2B5EF4-FFF2-40B4-BE49-F238E27FC236}">
+                  <a16:creationId xmlns:a16="http://schemas.microsoft.com/office/drawing/2014/main" id="{C8E575F5-CB03-436A-BE1E-AD4850209B95}"/>
+                </a:ext>
+                <a:ext uri="{C183D7F6-B498-43B3-948B-1728B52AA6E4}">
+                  <adec:decorative xmlns:adec="http://schemas.microsoft.com/office/drawing/2017/decorative" val="1"/>
+                </a:ext>
+              </a:extLst>
+            </p:cNvPr>
+            <p:cNvSpPr/>
+            <p:nvPr>
+              <p:extLst>
+                <p:ext uri="{386F3935-93C4-4BCD-93E2-E3B085C9AB24}">
+                  <p16:designElem xmlns:p16="http://schemas.microsoft.com/office/powerpoint/2015/main" val="1"/>
+                </p:ext>
+              </p:extLst>
+            </p:nvPr>
+          </p:nvSpPr>
+          <p:spPr>
+            <a:xfrm>
+              <a:off x="6546990" y="237744"/>
+              <a:ext cx="54368" cy="59227"/>
+            </a:xfrm>
+            <a:prstGeom prst="ellipse">
+              <a:avLst/>
+            </a:prstGeom>
+            <a:solidFill>
+              <a:schemeClr val="accent1"/>
+            </a:solidFill>
+            <a:ln>
+              <a:noFill/>
+            </a:ln>
+          </p:spPr>
+          <p:style>
+            <a:lnRef idx="2">
+              <a:schemeClr val="accent1">
+                <a:shade val="50000"/>
+              </a:schemeClr>
+            </a:lnRef>
+            <a:fillRef idx="1">
+              <a:schemeClr val="accent1"/>
+            </a:fillRef>
+            <a:effectRef idx="0">
+              <a:schemeClr val="accent1"/>
+            </a:effectRef>
+            <a:fontRef idx="minor">
+              <a:schemeClr val="lt1"/>
+            </a:fontRef>
+          </p:style>
+          <p:txBody>
+            <a:bodyPr rtlCol="0" anchor="ctr"/>
+            <a:lstStyle/>
+            <a:p>
+              <a:pPr algn="ctr"/>
+              <a:endParaRPr lang="en-US"/>
+            </a:p>
+          </p:txBody>
+        </p:sp>
+        <p:sp>
+          <p:nvSpPr>
+            <p:cNvPr id="30" name="Rectangle 64">
+              <a:extLst>
+                <a:ext uri="{FF2B5EF4-FFF2-40B4-BE49-F238E27FC236}">
+                  <a16:creationId xmlns:a16="http://schemas.microsoft.com/office/drawing/2014/main" id="{9AE75E9D-C62E-455C-BA30-DE18FA49493C}"/>
+                </a:ext>
+                <a:ext uri="{C183D7F6-B498-43B3-948B-1728B52AA6E4}">
+                  <adec:decorative xmlns:adec="http://schemas.microsoft.com/office/drawing/2017/decorative" val="1"/>
+                </a:ext>
+              </a:extLst>
+            </p:cNvPr>
+            <p:cNvSpPr/>
+            <p:nvPr>
+              <p:extLst>
+                <p:ext uri="{386F3935-93C4-4BCD-93E2-E3B085C9AB24}">
+                  <p16:designElem xmlns:p16="http://schemas.microsoft.com/office/powerpoint/2015/main" val="1"/>
+                </p:ext>
+              </p:extLst>
+            </p:nvPr>
+          </p:nvSpPr>
+          <p:spPr>
+            <a:xfrm>
+              <a:off x="6422035" y="64008"/>
+              <a:ext cx="54368" cy="59227"/>
+            </a:xfrm>
+            <a:prstGeom prst="ellipse">
+              <a:avLst/>
+            </a:prstGeom>
+            <a:solidFill>
+              <a:schemeClr val="accent1"/>
+            </a:solidFill>
+            <a:ln>
+              <a:noFill/>
+            </a:ln>
+          </p:spPr>
+          <p:style>
+            <a:lnRef idx="2">
+              <a:schemeClr val="accent1">
+                <a:shade val="50000"/>
+              </a:schemeClr>
+            </a:lnRef>
+            <a:fillRef idx="1">
+              <a:schemeClr val="accent1"/>
+            </a:fillRef>
+            <a:effectRef idx="0">
+              <a:schemeClr val="accent1"/>
+            </a:effectRef>
+            <a:fontRef idx="minor">
+              <a:schemeClr val="lt1"/>
+            </a:fontRef>
+          </p:style>
+          <p:txBody>
+            <a:bodyPr rtlCol="0" anchor="ctr"/>
+            <a:lstStyle/>
+            <a:p>
+              <a:pPr algn="ctr"/>
+              <a:endParaRPr lang="en-US"/>
+            </a:p>
+          </p:txBody>
+        </p:sp>
+        <p:sp>
+          <p:nvSpPr>
+            <p:cNvPr id="31" name="Rectangle 66">
+              <a:extLst>
+                <a:ext uri="{FF2B5EF4-FFF2-40B4-BE49-F238E27FC236}">
+                  <a16:creationId xmlns:a16="http://schemas.microsoft.com/office/drawing/2014/main" id="{CC34A54D-BBB2-4EE0-A8F9-802D52AF50DF}"/>
+                </a:ext>
+                <a:ext uri="{C183D7F6-B498-43B3-948B-1728B52AA6E4}">
+                  <adec:decorative xmlns:adec="http://schemas.microsoft.com/office/drawing/2017/decorative" val="1"/>
+                </a:ext>
+              </a:extLst>
+            </p:cNvPr>
+            <p:cNvSpPr/>
+            <p:nvPr>
+              <p:extLst>
+                <p:ext uri="{386F3935-93C4-4BCD-93E2-E3B085C9AB24}">
+                  <p16:designElem xmlns:p16="http://schemas.microsoft.com/office/powerpoint/2015/main" val="1"/>
+                </p:ext>
+              </p:extLst>
+            </p:nvPr>
+          </p:nvSpPr>
+          <p:spPr>
+            <a:xfrm>
+              <a:off x="6422035" y="237744"/>
+              <a:ext cx="54368" cy="59227"/>
+            </a:xfrm>
+            <a:prstGeom prst="ellipse">
+              <a:avLst/>
+            </a:prstGeom>
+            <a:solidFill>
+              <a:schemeClr val="accent1"/>
+            </a:solidFill>
+            <a:ln>
+              <a:noFill/>
+            </a:ln>
+          </p:spPr>
+          <p:style>
+            <a:lnRef idx="2">
+              <a:schemeClr val="accent1">
+                <a:shade val="50000"/>
+              </a:schemeClr>
+            </a:lnRef>
+            <a:fillRef idx="1">
+              <a:schemeClr val="accent1"/>
+            </a:fillRef>
+            <a:effectRef idx="0">
+              <a:schemeClr val="accent1"/>
+            </a:effectRef>
+            <a:fontRef idx="minor">
+              <a:schemeClr val="lt1"/>
+            </a:fontRef>
+          </p:style>
+          <p:txBody>
+            <a:bodyPr rtlCol="0" anchor="ctr"/>
+            <a:lstStyle/>
+            <a:p>
+              <a:pPr algn="ctr"/>
+              <a:endParaRPr lang="en-US"/>
+            </a:p>
+          </p:txBody>
+        </p:sp>
+        <p:sp>
+          <p:nvSpPr>
+            <p:cNvPr id="32" name="Rectangle 64">
+              <a:extLst>
+                <a:ext uri="{FF2B5EF4-FFF2-40B4-BE49-F238E27FC236}">
+                  <a16:creationId xmlns:a16="http://schemas.microsoft.com/office/drawing/2014/main" id="{347BC20E-7862-49A8-BCE2-39521B23C900}"/>
+                </a:ext>
+                <a:ext uri="{C183D7F6-B498-43B3-948B-1728B52AA6E4}">
+                  <adec:decorative xmlns:adec="http://schemas.microsoft.com/office/drawing/2017/decorative" val="1"/>
+                </a:ext>
+              </a:extLst>
+            </p:cNvPr>
+            <p:cNvSpPr/>
+            <p:nvPr>
+              <p:extLst>
+                <p:ext uri="{386F3935-93C4-4BCD-93E2-E3B085C9AB24}">
+                  <p16:designElem xmlns:p16="http://schemas.microsoft.com/office/powerpoint/2015/main" val="1"/>
+                </p:ext>
+              </p:extLst>
+            </p:nvPr>
+          </p:nvSpPr>
+          <p:spPr>
+            <a:xfrm>
+              <a:off x="6297080" y="64008"/>
+              <a:ext cx="54368" cy="59227"/>
+            </a:xfrm>
+            <a:prstGeom prst="ellipse">
+              <a:avLst/>
+            </a:prstGeom>
+            <a:solidFill>
+              <a:schemeClr val="accent1"/>
+            </a:solidFill>
+            <a:ln>
+              <a:noFill/>
+            </a:ln>
+          </p:spPr>
+          <p:style>
+            <a:lnRef idx="2">
+              <a:schemeClr val="accent1">
+                <a:shade val="50000"/>
+              </a:schemeClr>
+            </a:lnRef>
+            <a:fillRef idx="1">
+              <a:schemeClr val="accent1"/>
+            </a:fillRef>
+            <a:effectRef idx="0">
+              <a:schemeClr val="accent1"/>
+            </a:effectRef>
+            <a:fontRef idx="minor">
+              <a:schemeClr val="lt1"/>
+            </a:fontRef>
+          </p:style>
+          <p:txBody>
+            <a:bodyPr rtlCol="0" anchor="ctr"/>
+            <a:lstStyle/>
+            <a:p>
+              <a:pPr algn="ctr"/>
+              <a:endParaRPr lang="en-US"/>
+            </a:p>
+          </p:txBody>
+        </p:sp>
+        <p:sp>
+          <p:nvSpPr>
+            <p:cNvPr id="33" name="Rectangle 66">
+              <a:extLst>
+                <a:ext uri="{FF2B5EF4-FFF2-40B4-BE49-F238E27FC236}">
+                  <a16:creationId xmlns:a16="http://schemas.microsoft.com/office/drawing/2014/main" id="{3EF1615E-D362-4BBF-A307-4118B72F338E}"/>
+                </a:ext>
+                <a:ext uri="{C183D7F6-B498-43B3-948B-1728B52AA6E4}">
+                  <adec:decorative xmlns:adec="http://schemas.microsoft.com/office/drawing/2017/decorative" val="1"/>
+                </a:ext>
+              </a:extLst>
+            </p:cNvPr>
+            <p:cNvSpPr/>
+            <p:nvPr>
+              <p:extLst>
+                <p:ext uri="{386F3935-93C4-4BCD-93E2-E3B085C9AB24}">
+                  <p16:designElem xmlns:p16="http://schemas.microsoft.com/office/powerpoint/2015/main" val="1"/>
+                </p:ext>
+              </p:extLst>
+            </p:nvPr>
+          </p:nvSpPr>
+          <p:spPr>
+            <a:xfrm>
+              <a:off x="6297080" y="237744"/>
+              <a:ext cx="54368" cy="59227"/>
+            </a:xfrm>
+            <a:prstGeom prst="ellipse">
+              <a:avLst/>
+            </a:prstGeom>
+            <a:solidFill>
+              <a:schemeClr val="accent1"/>
+            </a:solidFill>
+            <a:ln>
+              <a:noFill/>
+            </a:ln>
+          </p:spPr>
+          <p:style>
+            <a:lnRef idx="2">
+              <a:schemeClr val="accent1">
+                <a:shade val="50000"/>
+              </a:schemeClr>
+            </a:lnRef>
+            <a:fillRef idx="1">
+              <a:schemeClr val="accent1"/>
+            </a:fillRef>
+            <a:effectRef idx="0">
+              <a:schemeClr val="accent1"/>
+            </a:effectRef>
+            <a:fontRef idx="minor">
+              <a:schemeClr val="lt1"/>
+            </a:fontRef>
+          </p:style>
+          <p:txBody>
+            <a:bodyPr rtlCol="0" anchor="ctr"/>
+            <a:lstStyle/>
+            <a:p>
+              <a:pPr algn="ctr"/>
+              <a:endParaRPr lang="en-US"/>
+            </a:p>
+          </p:txBody>
+        </p:sp>
+        <p:sp>
+          <p:nvSpPr>
+            <p:cNvPr id="34" name="Rectangle 64">
+              <a:extLst>
+                <a:ext uri="{FF2B5EF4-FFF2-40B4-BE49-F238E27FC236}">
+                  <a16:creationId xmlns:a16="http://schemas.microsoft.com/office/drawing/2014/main" id="{2EF7D2F7-E167-41F3-ADBF-F6D4B97F421F}"/>
+                </a:ext>
+                <a:ext uri="{C183D7F6-B498-43B3-948B-1728B52AA6E4}">
+                  <adec:decorative xmlns:adec="http://schemas.microsoft.com/office/drawing/2017/decorative" val="1"/>
+                </a:ext>
+              </a:extLst>
+            </p:cNvPr>
+            <p:cNvSpPr/>
+            <p:nvPr>
+              <p:extLst>
+                <p:ext uri="{386F3935-93C4-4BCD-93E2-E3B085C9AB24}">
+                  <p16:designElem xmlns:p16="http://schemas.microsoft.com/office/powerpoint/2015/main" val="1"/>
+                </p:ext>
+              </p:extLst>
+            </p:nvPr>
+          </p:nvSpPr>
+          <p:spPr>
+            <a:xfrm>
+              <a:off x="6172124" y="64008"/>
+              <a:ext cx="54368" cy="59227"/>
+            </a:xfrm>
+            <a:prstGeom prst="ellipse">
+              <a:avLst/>
+            </a:prstGeom>
+            <a:solidFill>
+              <a:schemeClr val="accent1"/>
+            </a:solidFill>
+            <a:ln>
+              <a:noFill/>
+            </a:ln>
+          </p:spPr>
+          <p:style>
+            <a:lnRef idx="2">
+              <a:schemeClr val="accent1">
+                <a:shade val="50000"/>
+              </a:schemeClr>
+            </a:lnRef>
+            <a:fillRef idx="1">
+              <a:schemeClr val="accent1"/>
+            </a:fillRef>
+            <a:effectRef idx="0">
+              <a:schemeClr val="accent1"/>
+            </a:effectRef>
+            <a:fontRef idx="minor">
+              <a:schemeClr val="lt1"/>
+            </a:fontRef>
+          </p:style>
+          <p:txBody>
+            <a:bodyPr rtlCol="0" anchor="ctr"/>
+            <a:lstStyle/>
+            <a:p>
+              <a:pPr algn="ctr"/>
+              <a:endParaRPr lang="en-US"/>
+            </a:p>
+          </p:txBody>
+        </p:sp>
+        <p:sp>
+          <p:nvSpPr>
+            <p:cNvPr id="35" name="Rectangle 66">
+              <a:extLst>
+                <a:ext uri="{FF2B5EF4-FFF2-40B4-BE49-F238E27FC236}">
+                  <a16:creationId xmlns:a16="http://schemas.microsoft.com/office/drawing/2014/main" id="{EB1CB26D-EDEF-4AD8-943C-049BD149CE4A}"/>
+                </a:ext>
+                <a:ext uri="{C183D7F6-B498-43B3-948B-1728B52AA6E4}">
+                  <adec:decorative xmlns:adec="http://schemas.microsoft.com/office/drawing/2017/decorative" val="1"/>
+                </a:ext>
+              </a:extLst>
+            </p:cNvPr>
+            <p:cNvSpPr/>
+            <p:nvPr>
+              <p:extLst>
+                <p:ext uri="{386F3935-93C4-4BCD-93E2-E3B085C9AB24}">
+                  <p16:designElem xmlns:p16="http://schemas.microsoft.com/office/powerpoint/2015/main" val="1"/>
+                </p:ext>
+              </p:extLst>
+            </p:nvPr>
+          </p:nvSpPr>
+          <p:spPr>
+            <a:xfrm>
+              <a:off x="6172124" y="237744"/>
+              <a:ext cx="54368" cy="59227"/>
+            </a:xfrm>
+            <a:prstGeom prst="ellipse">
+              <a:avLst/>
+            </a:prstGeom>
+            <a:solidFill>
+              <a:schemeClr val="accent1"/>
+            </a:solidFill>
+            <a:ln>
+              <a:noFill/>
+            </a:ln>
+          </p:spPr>
+          <p:style>
+            <a:lnRef idx="2">
+              <a:schemeClr val="accent1">
+                <a:shade val="50000"/>
+              </a:schemeClr>
+            </a:lnRef>
+            <a:fillRef idx="1">
+              <a:schemeClr val="accent1"/>
+            </a:fillRef>
+            <a:effectRef idx="0">
+              <a:schemeClr val="accent1"/>
+            </a:effectRef>
+            <a:fontRef idx="minor">
+              <a:schemeClr val="lt1"/>
+            </a:fontRef>
+          </p:style>
+          <p:txBody>
+            <a:bodyPr rtlCol="0" anchor="ctr"/>
+            <a:lstStyle/>
+            <a:p>
+              <a:pPr algn="ctr"/>
+              <a:endParaRPr lang="en-US"/>
+            </a:p>
+          </p:txBody>
+        </p:sp>
+        <p:sp>
+          <p:nvSpPr>
+            <p:cNvPr id="36" name="Rectangle 64">
+              <a:extLst>
+                <a:ext uri="{FF2B5EF4-FFF2-40B4-BE49-F238E27FC236}">
+                  <a16:creationId xmlns:a16="http://schemas.microsoft.com/office/drawing/2014/main" id="{8CB27CB8-B8B6-4C05-9CB1-DF62FE4E1DC7}"/>
+                </a:ext>
+                <a:ext uri="{C183D7F6-B498-43B3-948B-1728B52AA6E4}">
+                  <adec:decorative xmlns:adec="http://schemas.microsoft.com/office/drawing/2017/decorative" val="1"/>
+                </a:ext>
+              </a:extLst>
+            </p:cNvPr>
+            <p:cNvSpPr/>
+            <p:nvPr>
+              <p:extLst>
+                <p:ext uri="{386F3935-93C4-4BCD-93E2-E3B085C9AB24}">
+                  <p16:designElem xmlns:p16="http://schemas.microsoft.com/office/powerpoint/2015/main" val="1"/>
+                </p:ext>
+              </p:extLst>
+            </p:nvPr>
+          </p:nvSpPr>
+          <p:spPr>
+            <a:xfrm>
+              <a:off x="6047169" y="64008"/>
+              <a:ext cx="54368" cy="59227"/>
+            </a:xfrm>
+            <a:prstGeom prst="ellipse">
+              <a:avLst/>
+            </a:prstGeom>
+            <a:solidFill>
+              <a:schemeClr val="accent1"/>
+            </a:solidFill>
+            <a:ln>
+              <a:noFill/>
+            </a:ln>
+          </p:spPr>
+          <p:style>
+            <a:lnRef idx="2">
+              <a:schemeClr val="accent1">
+                <a:shade val="50000"/>
+              </a:schemeClr>
+            </a:lnRef>
+            <a:fillRef idx="1">
+              <a:schemeClr val="accent1"/>
+            </a:fillRef>
+            <a:effectRef idx="0">
+              <a:schemeClr val="accent1"/>
+            </a:effectRef>
+            <a:fontRef idx="minor">
+              <a:schemeClr val="lt1"/>
+            </a:fontRef>
+          </p:style>
+          <p:txBody>
+            <a:bodyPr rtlCol="0" anchor="ctr"/>
+            <a:lstStyle/>
+            <a:p>
+              <a:pPr algn="ctr"/>
+              <a:endParaRPr lang="en-US"/>
+            </a:p>
+          </p:txBody>
+        </p:sp>
+        <p:sp>
+          <p:nvSpPr>
+            <p:cNvPr id="37" name="Rectangle 66">
+              <a:extLst>
+                <a:ext uri="{FF2B5EF4-FFF2-40B4-BE49-F238E27FC236}">
+                  <a16:creationId xmlns:a16="http://schemas.microsoft.com/office/drawing/2014/main" id="{A78DBF5B-2276-4A2A-945F-3E81A93C1510}"/>
+                </a:ext>
+                <a:ext uri="{C183D7F6-B498-43B3-948B-1728B52AA6E4}">
+                  <adec:decorative xmlns:adec="http://schemas.microsoft.com/office/drawing/2017/decorative" val="1"/>
+                </a:ext>
+              </a:extLst>
+            </p:cNvPr>
+            <p:cNvSpPr/>
+            <p:nvPr>
+              <p:extLst>
+                <p:ext uri="{386F3935-93C4-4BCD-93E2-E3B085C9AB24}">
+                  <p16:designElem xmlns:p16="http://schemas.microsoft.com/office/powerpoint/2015/main" val="1"/>
+                </p:ext>
+              </p:extLst>
+            </p:nvPr>
+          </p:nvSpPr>
+          <p:spPr>
+            <a:xfrm>
+              <a:off x="6047169" y="237744"/>
+              <a:ext cx="54368" cy="59227"/>
+            </a:xfrm>
+            <a:prstGeom prst="ellipse">
+              <a:avLst/>
+            </a:prstGeom>
+            <a:solidFill>
+              <a:schemeClr val="accent1"/>
+            </a:solidFill>
+            <a:ln>
+              <a:noFill/>
+            </a:ln>
+          </p:spPr>
+          <p:style>
+            <a:lnRef idx="2">
+              <a:schemeClr val="accent1">
+                <a:shade val="50000"/>
+              </a:schemeClr>
+            </a:lnRef>
+            <a:fillRef idx="1">
+              <a:schemeClr val="accent1"/>
+            </a:fillRef>
+            <a:effectRef idx="0">
+              <a:schemeClr val="accent1"/>
+            </a:effectRef>
+            <a:fontRef idx="minor">
+              <a:schemeClr val="lt1"/>
+            </a:fontRef>
+          </p:style>
+          <p:txBody>
+            <a:bodyPr rtlCol="0" anchor="ctr"/>
+            <a:lstStyle/>
+            <a:p>
+              <a:pPr algn="ctr"/>
+              <a:endParaRPr lang="en-US"/>
+            </a:p>
+          </p:txBody>
+        </p:sp>
+      </p:grpSp>
+      <p:graphicFrame>
+        <p:nvGraphicFramePr>
+          <p:cNvPr id="38" name="Content Placeholder 2">
+            <a:extLst>
+              <a:ext uri="{FF2B5EF4-FFF2-40B4-BE49-F238E27FC236}">
+                <a16:creationId xmlns:a16="http://schemas.microsoft.com/office/drawing/2014/main" id="{7CB48631-35AE-4941-AEB1-92EB849300A3}"/>
+              </a:ext>
+            </a:extLst>
+          </p:cNvPr>
+          <p:cNvGraphicFramePr>
+            <a:graphicFrameLocks noGrp="1"/>
+          </p:cNvGraphicFramePr>
+          <p:nvPr>
+            <p:ph idx="1"/>
+            <p:extLst>
+              <p:ext uri="{D42A27DB-BD31-4B8C-83A1-F6EECF244321}">
+                <p14:modId xmlns:p14="http://schemas.microsoft.com/office/powerpoint/2010/main" val="3291163791"/>
+              </p:ext>
+            </p:extLst>
+          </p:nvPr>
+        </p:nvGraphicFramePr>
+        <p:xfrm>
+          <a:off x="6400800" y="382385"/>
+          <a:ext cx="5286895" cy="6159731"/>
+        </p:xfrm>
+        <a:graphic>
+          <a:graphicData uri="http://schemas.openxmlformats.org/drawingml/2006/diagram">
+            <dgm:relIds xmlns:dgm="http://schemas.openxmlformats.org/drawingml/2006/diagram" xmlns:r="http://schemas.openxmlformats.org/officeDocument/2006/relationships" r:dm="rId2" r:lo="rId3" r:qs="rId4" r:cs="rId5"/>
+          </a:graphicData>
+        </a:graphic>
+      </p:graphicFrame>
+      <p:pic>
+        <p:nvPicPr>
+          <p:cNvPr id="39" name="Picture 38">
+            <a:extLst>
+              <a:ext uri="{FF2B5EF4-FFF2-40B4-BE49-F238E27FC236}">
+                <a16:creationId xmlns:a16="http://schemas.microsoft.com/office/drawing/2014/main" id="{42CC0D58-4A9F-40A9-9F78-3317C22432B5}"/>
+              </a:ext>
+            </a:extLst>
+          </p:cNvPr>
+          <p:cNvPicPr>
+            <a:picLocks noChangeAspect="1"/>
+          </p:cNvPicPr>
+          <p:nvPr/>
+        </p:nvPicPr>
+        <p:blipFill>
+          <a:blip r:embed="rId7"/>
+          <a:stretch>
+            <a:fillRect/>
+          </a:stretch>
+        </p:blipFill>
+        <p:spPr>
+          <a:xfrm>
+            <a:off x="5644342" y="2877903"/>
+            <a:ext cx="6544610" cy="1276766"/>
+          </a:xfrm>
+          <a:prstGeom prst="rect">
+            <a:avLst/>
+          </a:prstGeom>
+        </p:spPr>
+      </p:pic>
+      <p:pic>
+        <p:nvPicPr>
+          <p:cNvPr id="40" name="Picture 39">
+            <a:extLst>
+              <a:ext uri="{FF2B5EF4-FFF2-40B4-BE49-F238E27FC236}">
+                <a16:creationId xmlns:a16="http://schemas.microsoft.com/office/drawing/2014/main" id="{9657921F-92E3-4404-A7AA-B5857891A62B}"/>
+              </a:ext>
+            </a:extLst>
+          </p:cNvPr>
+          <p:cNvPicPr>
+            <a:picLocks noChangeAspect="1"/>
+          </p:cNvPicPr>
+          <p:nvPr/>
+        </p:nvPicPr>
+        <p:blipFill>
+          <a:blip r:embed="rId8"/>
+          <a:stretch>
+            <a:fillRect/>
+          </a:stretch>
+        </p:blipFill>
+        <p:spPr>
+          <a:xfrm>
+            <a:off x="5644342" y="2055825"/>
+            <a:ext cx="6544610" cy="271663"/>
+          </a:xfrm>
+          <a:prstGeom prst="rect">
+            <a:avLst/>
+          </a:prstGeom>
+        </p:spPr>
+      </p:pic>
+      <p:pic>
+        <p:nvPicPr>
+          <p:cNvPr id="4" name="Picture 3">
+            <a:extLst>
+              <a:ext uri="{FF2B5EF4-FFF2-40B4-BE49-F238E27FC236}">
+                <a16:creationId xmlns:a16="http://schemas.microsoft.com/office/drawing/2014/main" id="{E8B74453-402A-463A-8C43-F7CF5BEDCFBC}"/>
+              </a:ext>
+            </a:extLst>
+          </p:cNvPr>
+          <p:cNvPicPr>
+            <a:picLocks noChangeAspect="1"/>
+          </p:cNvPicPr>
+          <p:nvPr/>
+        </p:nvPicPr>
+        <p:blipFill>
+          <a:blip r:embed="rId9"/>
+          <a:stretch>
+            <a:fillRect/>
+          </a:stretch>
+        </p:blipFill>
+        <p:spPr>
+          <a:xfrm>
+            <a:off x="5644342" y="4767764"/>
+            <a:ext cx="6544610" cy="490345"/>
+          </a:xfrm>
+          <a:prstGeom prst="rect">
+            <a:avLst/>
+          </a:prstGeom>
+        </p:spPr>
+      </p:pic>
+    </p:spTree>
+    <p:extLst>
+      <p:ext uri="{BB962C8B-B14F-4D97-AF65-F5344CB8AC3E}">
+        <p14:creationId xmlns:p14="http://schemas.microsoft.com/office/powerpoint/2010/main" val="4080748815"/>
+      </p:ext>
+    </p:extLst>
+  </p:cSld>
+  <p:clrMapOvr>
+    <a:masterClrMapping/>
+  </p:clrMapOvr>
+</p:sld>
+</file>
+
+<file path=ppt/slides/slide5.xml><?xml version="1.0" encoding="utf-8"?>
 <p:sld xmlns:a="http://schemas.openxmlformats.org/drawingml/2006/main" xmlns:r="http://schemas.openxmlformats.org/officeDocument/2006/relationships" xmlns:p="http://schemas.openxmlformats.org/presentationml/2006/main">
   <p:cSld>
     <p:bg>
@@ -24997,7 +28899,7 @@
 </p:sld>
 </file>
 
-<file path=ppt/slides/slide5.xml><?xml version="1.0" encoding="utf-8"?>
+<file path=ppt/slides/slide6.xml><?xml version="1.0" encoding="utf-8"?>
 <p:sld xmlns:a="http://schemas.openxmlformats.org/drawingml/2006/main" xmlns:r="http://schemas.openxmlformats.org/officeDocument/2006/relationships" xmlns:p="http://schemas.openxmlformats.org/presentationml/2006/main">
   <p:cSld>
     <p:bg>
@@ -26583,7 +30485,7 @@
 </p:sld>
 </file>
 
-<file path=ppt/slides/slide6.xml><?xml version="1.0" encoding="utf-8"?>
+<file path=ppt/slides/slide7.xml><?xml version="1.0" encoding="utf-8"?>
 <p:sld xmlns:a="http://schemas.openxmlformats.org/drawingml/2006/main" xmlns:r="http://schemas.openxmlformats.org/officeDocument/2006/relationships" xmlns:p="http://schemas.openxmlformats.org/presentationml/2006/main">
   <p:cSld>
     <p:spTree>
@@ -26714,7 +30616,7 @@
 </p:sld>
 </file>
 
-<file path=ppt/slides/slide7.xml><?xml version="1.0" encoding="utf-8"?>
+<file path=ppt/slides/slide8.xml><?xml version="1.0" encoding="utf-8"?>
 <p:sld xmlns:a="http://schemas.openxmlformats.org/drawingml/2006/main" xmlns:r="http://schemas.openxmlformats.org/officeDocument/2006/relationships" xmlns:p="http://schemas.openxmlformats.org/presentationml/2006/main">
   <p:cSld>
     <p:spTree>
@@ -26845,7 +30747,7 @@
 </p:sld>
 </file>
 
-<file path=ppt/slides/slide8.xml><?xml version="1.0" encoding="utf-8"?>
+<file path=ppt/slides/slide9.xml><?xml version="1.0" encoding="utf-8"?>
 <p:sld xmlns:a="http://schemas.openxmlformats.org/drawingml/2006/main" xmlns:r="http://schemas.openxmlformats.org/officeDocument/2006/relationships" xmlns:p="http://schemas.openxmlformats.org/presentationml/2006/main">
   <p:cSld>
     <p:spTree>
@@ -26967,173 +30869,6 @@
     <p:extLst>
       <p:ext uri="{BB962C8B-B14F-4D97-AF65-F5344CB8AC3E}">
         <p14:creationId xmlns:p14="http://schemas.microsoft.com/office/powerpoint/2010/main" val="3316244101"/>
-      </p:ext>
-    </p:extLst>
-  </p:cSld>
-  <p:clrMapOvr>
-    <a:masterClrMapping/>
-  </p:clrMapOvr>
-</p:sld>
-</file>
-
-<file path=ppt/slides/slide9.xml><?xml version="1.0" encoding="utf-8"?>
-<p:sld xmlns:a="http://schemas.openxmlformats.org/drawingml/2006/main" xmlns:r="http://schemas.openxmlformats.org/officeDocument/2006/relationships" xmlns:p="http://schemas.openxmlformats.org/presentationml/2006/main">
-  <p:cSld>
-    <p:spTree>
-      <p:nvGrpSpPr>
-        <p:cNvPr id="1" name=""/>
-        <p:cNvGrpSpPr/>
-        <p:nvPr/>
-      </p:nvGrpSpPr>
-      <p:grpSpPr>
-        <a:xfrm>
-          <a:off x="0" y="0"/>
-          <a:ext cx="0" cy="0"/>
-          <a:chOff x="0" y="0"/>
-          <a:chExt cx="0" cy="0"/>
-        </a:xfrm>
-      </p:grpSpPr>
-      <p:sp>
-        <p:nvSpPr>
-          <p:cNvPr id="2" name="Title 1">
-            <a:extLst>
-              <a:ext uri="{FF2B5EF4-FFF2-40B4-BE49-F238E27FC236}">
-                <a16:creationId xmlns:a16="http://schemas.microsoft.com/office/drawing/2014/main" id="{2B6DD1BC-F5B4-45FC-8E61-BA815D62FBDA}"/>
-              </a:ext>
-            </a:extLst>
-          </p:cNvPr>
-          <p:cNvSpPr>
-            <a:spLocks noGrp="1"/>
-          </p:cNvSpPr>
-          <p:nvPr>
-            <p:ph type="title"/>
-          </p:nvPr>
-        </p:nvSpPr>
-        <p:spPr/>
-        <p:txBody>
-          <a:bodyPr/>
-          <a:lstStyle/>
-          <a:p>
-            <a:r>
-              <a:rPr lang="en-US"/>
-              <a:t>Example Graphs</a:t>
-            </a:r>
-            <a:endParaRPr lang="en-US" dirty="0"/>
-          </a:p>
-        </p:txBody>
-      </p:sp>
-      <p:pic>
-        <p:nvPicPr>
-          <p:cNvPr id="5" name="Picture 4" descr="Chart, line chart&#10;&#10;Description automatically generated">
-            <a:extLst>
-              <a:ext uri="{FF2B5EF4-FFF2-40B4-BE49-F238E27FC236}">
-                <a16:creationId xmlns:a16="http://schemas.microsoft.com/office/drawing/2014/main" id="{46A2ABDD-E3E6-4761-AA92-1E68576E6538}"/>
-              </a:ext>
-            </a:extLst>
-          </p:cNvPr>
-          <p:cNvPicPr>
-            <a:picLocks noChangeAspect="1"/>
-          </p:cNvPicPr>
-          <p:nvPr/>
-        </p:nvPicPr>
-        <p:blipFill>
-          <a:blip r:embed="rId2">
-            <a:extLst>
-              <a:ext uri="{28A0092B-C50C-407E-A947-70E740481C1C}">
-                <a14:useLocalDpi xmlns:a14="http://schemas.microsoft.com/office/drawing/2010/main" val="0"/>
-              </a:ext>
-            </a:extLst>
-          </a:blip>
-          <a:stretch>
-            <a:fillRect/>
-          </a:stretch>
-        </p:blipFill>
-        <p:spPr>
-          <a:xfrm>
-            <a:off x="0" y="210419"/>
-            <a:ext cx="12192000" cy="6096001"/>
-          </a:xfrm>
-          <a:prstGeom prst="rect">
-            <a:avLst/>
-          </a:prstGeom>
-        </p:spPr>
-      </p:pic>
-      <p:pic>
-        <p:nvPicPr>
-          <p:cNvPr id="4" name="Picture 3" descr="Shape, arrow&#10;&#10;Description automatically generated">
-            <a:extLst>
-              <a:ext uri="{FF2B5EF4-FFF2-40B4-BE49-F238E27FC236}">
-                <a16:creationId xmlns:a16="http://schemas.microsoft.com/office/drawing/2014/main" id="{B764722A-3416-4D48-9B7C-F3EAA3E2897F}"/>
-              </a:ext>
-            </a:extLst>
-          </p:cNvPr>
-          <p:cNvPicPr>
-            <a:picLocks noChangeAspect="1"/>
-          </p:cNvPicPr>
-          <p:nvPr/>
-        </p:nvPicPr>
-        <p:blipFill>
-          <a:blip r:embed="rId3">
-            <a:extLst>
-              <a:ext uri="{28A0092B-C50C-407E-A947-70E740481C1C}">
-                <a14:useLocalDpi xmlns:a14="http://schemas.microsoft.com/office/drawing/2010/main" val="0"/>
-              </a:ext>
-            </a:extLst>
-          </a:blip>
-          <a:stretch>
-            <a:fillRect/>
-          </a:stretch>
-        </p:blipFill>
-        <p:spPr>
-          <a:xfrm>
-            <a:off x="0" y="381000"/>
-            <a:ext cx="12192000" cy="6096000"/>
-          </a:xfrm>
-          <a:prstGeom prst="rect">
-            <a:avLst/>
-          </a:prstGeom>
-        </p:spPr>
-      </p:pic>
-      <p:pic>
-        <p:nvPicPr>
-          <p:cNvPr id="7" name="Picture 6" descr="Chart&#10;&#10;Description automatically generated">
-            <a:extLst>
-              <a:ext uri="{FF2B5EF4-FFF2-40B4-BE49-F238E27FC236}">
-                <a16:creationId xmlns:a16="http://schemas.microsoft.com/office/drawing/2014/main" id="{9CCA823F-866A-4A97-93E0-E70C131974D3}"/>
-              </a:ext>
-            </a:extLst>
-          </p:cNvPr>
-          <p:cNvPicPr>
-            <a:picLocks noChangeAspect="1"/>
-          </p:cNvPicPr>
-          <p:nvPr/>
-        </p:nvPicPr>
-        <p:blipFill>
-          <a:blip r:embed="rId4">
-            <a:extLst>
-              <a:ext uri="{28A0092B-C50C-407E-A947-70E740481C1C}">
-                <a14:useLocalDpi xmlns:a14="http://schemas.microsoft.com/office/drawing/2010/main" val="0"/>
-              </a:ext>
-            </a:extLst>
-          </a:blip>
-          <a:stretch>
-            <a:fillRect/>
-          </a:stretch>
-        </p:blipFill>
-        <p:spPr>
-          <a:xfrm>
-            <a:off x="0" y="381000"/>
-            <a:ext cx="12192000" cy="6096000"/>
-          </a:xfrm>
-          <a:prstGeom prst="rect">
-            <a:avLst/>
-          </a:prstGeom>
-        </p:spPr>
-      </p:pic>
-    </p:spTree>
-    <p:extLst>
-      <p:ext uri="{BB962C8B-B14F-4D97-AF65-F5344CB8AC3E}">
-        <p14:creationId xmlns:p14="http://schemas.microsoft.com/office/powerpoint/2010/main" val="2536173320"/>
       </p:ext>
     </p:extLst>
   </p:cSld>
@@ -27734,6 +31469,12 @@
 </file>
 
 <file path=customXml/item1.xml><?xml version="1.0" encoding="utf-8"?>
+<p:properties xmlns:p="http://schemas.microsoft.com/office/2006/metadata/properties" xmlns:xsi="http://www.w3.org/2001/XMLSchema-instance" xmlns:pc="http://schemas.microsoft.com/office/infopath/2007/PartnerControls">
+  <documentManagement/>
+</p:properties>
+</file>
+
+<file path=customXml/item2.xml><?xml version="1.0" encoding="utf-8"?>
 <ct:contentTypeSchema xmlns:ct="http://schemas.microsoft.com/office/2006/metadata/contentType" xmlns:ma="http://schemas.microsoft.com/office/2006/metadata/properties/metaAttributes" ct:_="" ma:_="" ma:contentTypeName="Document" ma:contentTypeID="0x010100CEC5822B22812541943D2D61FED545E5" ma:contentTypeVersion="7" ma:contentTypeDescription="Create a new document." ma:contentTypeScope="" ma:versionID="40d809991dc6b61df2ed74bec6f9a302">
   <xsd:schema xmlns:xsd="http://www.w3.org/2001/XMLSchema" xmlns:xs="http://www.w3.org/2001/XMLSchema" xmlns:p="http://schemas.microsoft.com/office/2006/metadata/properties" xmlns:ns3="44e166dd-4f36-403a-9a0d-dc2282f438a9" xmlns:ns4="205c63ec-72e1-456f-aee9-3d56e6293b9c" targetNamespace="http://schemas.microsoft.com/office/2006/metadata/properties" ma:root="true" ma:fieldsID="cca78411764dc81cd1e10f116e5d80c6" ns3:_="" ns4:_="">
     <xsd:import namespace="44e166dd-4f36-403a-9a0d-dc2282f438a9"/>
@@ -27918,12 +31659,6 @@
 </ct:contentTypeSchema>
 </file>
 
-<file path=customXml/item2.xml><?xml version="1.0" encoding="utf-8"?>
-<p:properties xmlns:p="http://schemas.microsoft.com/office/2006/metadata/properties" xmlns:xsi="http://www.w3.org/2001/XMLSchema-instance" xmlns:pc="http://schemas.microsoft.com/office/infopath/2007/PartnerControls">
-  <documentManagement/>
-</p:properties>
-</file>
-
 <file path=customXml/item3.xml><?xml version="1.0" encoding="utf-8"?>
 <?mso-contentType ?>
 <FormTemplates xmlns="http://schemas.microsoft.com/sharepoint/v3/contenttype/forms">
@@ -27934,6 +31669,23 @@
 </file>
 
 <file path=customXml/itemProps1.xml><?xml version="1.0" encoding="utf-8"?>
+<ds:datastoreItem xmlns:ds="http://schemas.openxmlformats.org/officeDocument/2006/customXml" ds:itemID="{DC19DB48-7F5D-4AD4-B75D-DB1131705367}">
+  <ds:schemaRefs>
+    <ds:schemaRef ds:uri="http://purl.org/dc/elements/1.1/"/>
+    <ds:schemaRef ds:uri="http://www.w3.org/XML/1998/namespace"/>
+    <ds:schemaRef ds:uri="205c63ec-72e1-456f-aee9-3d56e6293b9c"/>
+    <ds:schemaRef ds:uri="http://schemas.openxmlformats.org/package/2006/metadata/core-properties"/>
+    <ds:schemaRef ds:uri="http://schemas.microsoft.com/office/2006/documentManagement/types"/>
+    <ds:schemaRef ds:uri="http://schemas.microsoft.com/office/2006/metadata/properties"/>
+    <ds:schemaRef ds:uri="http://schemas.microsoft.com/office/infopath/2007/PartnerControls"/>
+    <ds:schemaRef ds:uri="44e166dd-4f36-403a-9a0d-dc2282f438a9"/>
+    <ds:schemaRef ds:uri="http://purl.org/dc/dcmitype/"/>
+    <ds:schemaRef ds:uri="http://purl.org/dc/terms/"/>
+  </ds:schemaRefs>
+</ds:datastoreItem>
+</file>
+
+<file path=customXml/itemProps2.xml><?xml version="1.0" encoding="utf-8"?>
 <ds:datastoreItem xmlns:ds="http://schemas.openxmlformats.org/officeDocument/2006/customXml" ds:itemID="{143B1F06-7F52-498D-8B60-77AF60AD2249}">
   <ds:schemaRefs>
     <ds:schemaRef ds:uri="http://schemas.microsoft.com/office/2006/metadata/contentType"/>
@@ -27952,23 +31704,6 @@
 </ds:datastoreItem>
 </file>
 
-<file path=customXml/itemProps2.xml><?xml version="1.0" encoding="utf-8"?>
-<ds:datastoreItem xmlns:ds="http://schemas.openxmlformats.org/officeDocument/2006/customXml" ds:itemID="{DC19DB48-7F5D-4AD4-B75D-DB1131705367}">
-  <ds:schemaRefs>
-    <ds:schemaRef ds:uri="http://purl.org/dc/elements/1.1/"/>
-    <ds:schemaRef ds:uri="http://www.w3.org/XML/1998/namespace"/>
-    <ds:schemaRef ds:uri="205c63ec-72e1-456f-aee9-3d56e6293b9c"/>
-    <ds:schemaRef ds:uri="http://schemas.openxmlformats.org/package/2006/metadata/core-properties"/>
-    <ds:schemaRef ds:uri="http://schemas.microsoft.com/office/2006/documentManagement/types"/>
-    <ds:schemaRef ds:uri="http://schemas.microsoft.com/office/2006/metadata/properties"/>
-    <ds:schemaRef ds:uri="http://schemas.microsoft.com/office/infopath/2007/PartnerControls"/>
-    <ds:schemaRef ds:uri="44e166dd-4f36-403a-9a0d-dc2282f438a9"/>
-    <ds:schemaRef ds:uri="http://purl.org/dc/dcmitype/"/>
-    <ds:schemaRef ds:uri="http://purl.org/dc/terms/"/>
-  </ds:schemaRefs>
-</ds:datastoreItem>
-</file>
-
 <file path=customXml/itemProps3.xml><?xml version="1.0" encoding="utf-8"?>
 <ds:datastoreItem xmlns:ds="http://schemas.openxmlformats.org/officeDocument/2006/customXml" ds:itemID="{FA14A7CE-11A1-4AA8-895A-CA9F61CDF971}">
   <ds:schemaRefs>
